--- a/10.15/10-15小班课.pptx
+++ b/10.15/10-15小班课.pptx
@@ -5,23 +5,24 @@
     <p:sldMasterId id="2147483690" r:id="rId1"/>
   </p:sldMasterIdLst>
   <p:notesMasterIdLst>
-    <p:notesMasterId r:id="rId16"/>
+    <p:notesMasterId r:id="rId17"/>
   </p:notesMasterIdLst>
   <p:sldIdLst>
     <p:sldId id="256" r:id="rId2"/>
-    <p:sldId id="257" r:id="rId3"/>
-    <p:sldId id="258" r:id="rId4"/>
-    <p:sldId id="259" r:id="rId5"/>
-    <p:sldId id="260" r:id="rId6"/>
-    <p:sldId id="262" r:id="rId7"/>
-    <p:sldId id="261" r:id="rId8"/>
-    <p:sldId id="264" r:id="rId9"/>
-    <p:sldId id="265" r:id="rId10"/>
-    <p:sldId id="266" r:id="rId11"/>
-    <p:sldId id="267" r:id="rId12"/>
-    <p:sldId id="273" r:id="rId13"/>
-    <p:sldId id="268" r:id="rId14"/>
-    <p:sldId id="274" r:id="rId15"/>
+    <p:sldId id="275" r:id="rId3"/>
+    <p:sldId id="257" r:id="rId4"/>
+    <p:sldId id="258" r:id="rId5"/>
+    <p:sldId id="259" r:id="rId6"/>
+    <p:sldId id="260" r:id="rId7"/>
+    <p:sldId id="262" r:id="rId8"/>
+    <p:sldId id="261" r:id="rId9"/>
+    <p:sldId id="264" r:id="rId10"/>
+    <p:sldId id="265" r:id="rId11"/>
+    <p:sldId id="266" r:id="rId12"/>
+    <p:sldId id="267" r:id="rId13"/>
+    <p:sldId id="273" r:id="rId14"/>
+    <p:sldId id="268" r:id="rId15"/>
+    <p:sldId id="274" r:id="rId16"/>
   </p:sldIdLst>
   <p:sldSz cx="12192000" cy="6858000"/>
   <p:notesSz cx="6858000" cy="9144000"/>
@@ -210,7 +211,7 @@
           <a:p>
             <a:fld id="{2594953F-8351-42A2-9DC2-35875937C144}" type="datetimeFigureOut">
               <a:rPr lang="zh-CN" altLang="en-US" smtClean="0"/>
-              <a:t>2020/10/15</a:t>
+              <a:t>2020/10/22</a:t>
             </a:fld>
             <a:endParaRPr lang="zh-CN" altLang="en-US"/>
           </a:p>
@@ -553,7 +554,7 @@
           <a:p>
             <a:fld id="{832B3C7C-BA54-4493-8E1E-BDAED3E9B570}" type="slidenum">
               <a:rPr lang="zh-CN" altLang="en-US" smtClean="0"/>
-              <a:t>5</a:t>
+              <a:t>6</a:t>
             </a:fld>
             <a:endParaRPr lang="zh-CN" altLang="en-US"/>
           </a:p>
@@ -656,7 +657,7 @@
           <a:p>
             <a:fld id="{832B3C7C-BA54-4493-8E1E-BDAED3E9B570}" type="slidenum">
               <a:rPr lang="zh-CN" altLang="en-US" smtClean="0"/>
-              <a:t>8</a:t>
+              <a:t>9</a:t>
             </a:fld>
             <a:endParaRPr lang="zh-CN" altLang="en-US"/>
           </a:p>
@@ -740,7 +741,7 @@
           <a:p>
             <a:fld id="{832B3C7C-BA54-4493-8E1E-BDAED3E9B570}" type="slidenum">
               <a:rPr lang="zh-CN" altLang="en-US" smtClean="0"/>
-              <a:t>10</a:t>
+              <a:t>11</a:t>
             </a:fld>
             <a:endParaRPr lang="zh-CN" altLang="en-US"/>
           </a:p>
@@ -824,7 +825,7 @@
           <a:p>
             <a:fld id="{832B3C7C-BA54-4493-8E1E-BDAED3E9B570}" type="slidenum">
               <a:rPr lang="zh-CN" altLang="en-US" smtClean="0"/>
-              <a:t>12</a:t>
+              <a:t>13</a:t>
             </a:fld>
             <a:endParaRPr lang="zh-CN" altLang="en-US"/>
           </a:p>
@@ -908,7 +909,7 @@
           <a:p>
             <a:fld id="{832B3C7C-BA54-4493-8E1E-BDAED3E9B570}" type="slidenum">
               <a:rPr lang="zh-CN" altLang="en-US" smtClean="0"/>
-              <a:t>13</a:t>
+              <a:t>14</a:t>
             </a:fld>
             <a:endParaRPr lang="zh-CN" altLang="en-US"/>
           </a:p>
@@ -995,7 +996,7 @@
           <a:p>
             <a:fld id="{832B3C7C-BA54-4493-8E1E-BDAED3E9B570}" type="slidenum">
               <a:rPr lang="zh-CN" altLang="en-US" smtClean="0"/>
-              <a:t>14</a:t>
+              <a:t>15</a:t>
             </a:fld>
             <a:endParaRPr lang="zh-CN" altLang="en-US"/>
           </a:p>
@@ -1210,7 +1211,7 @@
           <a:p>
             <a:fld id="{E94D319C-0DE5-4986-957C-C62A33243892}" type="datetimeFigureOut">
               <a:rPr lang="zh-CN" altLang="en-US" smtClean="0"/>
-              <a:t>2020/10/15</a:t>
+              <a:t>2020/10/22</a:t>
             </a:fld>
             <a:endParaRPr lang="zh-CN" altLang="en-US"/>
           </a:p>
@@ -1434,7 +1435,7 @@
           <a:p>
             <a:fld id="{E94D319C-0DE5-4986-957C-C62A33243892}" type="datetimeFigureOut">
               <a:rPr lang="zh-CN" altLang="en-US" smtClean="0"/>
-              <a:t>2020/10/15</a:t>
+              <a:t>2020/10/22</a:t>
             </a:fld>
             <a:endParaRPr lang="zh-CN" altLang="en-US"/>
           </a:p>
@@ -1614,7 +1615,7 @@
           <a:p>
             <a:fld id="{E94D319C-0DE5-4986-957C-C62A33243892}" type="datetimeFigureOut">
               <a:rPr lang="zh-CN" altLang="en-US" smtClean="0"/>
-              <a:t>2020/10/15</a:t>
+              <a:t>2020/10/22</a:t>
             </a:fld>
             <a:endParaRPr lang="zh-CN" altLang="en-US"/>
           </a:p>
@@ -1784,7 +1785,7 @@
           <a:p>
             <a:fld id="{E94D319C-0DE5-4986-957C-C62A33243892}" type="datetimeFigureOut">
               <a:rPr lang="zh-CN" altLang="en-US" smtClean="0"/>
-              <a:t>2020/10/15</a:t>
+              <a:t>2020/10/22</a:t>
             </a:fld>
             <a:endParaRPr lang="zh-CN" altLang="en-US"/>
           </a:p>
@@ -2075,7 +2076,7 @@
           <a:p>
             <a:fld id="{E94D319C-0DE5-4986-957C-C62A33243892}" type="datetimeFigureOut">
               <a:rPr lang="zh-CN" altLang="en-US" smtClean="0"/>
-              <a:t>2020/10/15</a:t>
+              <a:t>2020/10/22</a:t>
             </a:fld>
             <a:endParaRPr lang="zh-CN" altLang="en-US"/>
           </a:p>
@@ -2401,7 +2402,7 @@
           <a:p>
             <a:fld id="{E94D319C-0DE5-4986-957C-C62A33243892}" type="datetimeFigureOut">
               <a:rPr lang="zh-CN" altLang="en-US" smtClean="0"/>
-              <a:t>2020/10/15</a:t>
+              <a:t>2020/10/22</a:t>
             </a:fld>
             <a:endParaRPr lang="zh-CN" altLang="en-US"/>
           </a:p>
@@ -2813,7 +2814,7 @@
           <a:p>
             <a:fld id="{E94D319C-0DE5-4986-957C-C62A33243892}" type="datetimeFigureOut">
               <a:rPr lang="zh-CN" altLang="en-US" smtClean="0"/>
-              <a:t>2020/10/15</a:t>
+              <a:t>2020/10/22</a:t>
             </a:fld>
             <a:endParaRPr lang="zh-CN" altLang="en-US"/>
           </a:p>
@@ -2931,7 +2932,7 @@
           <a:p>
             <a:fld id="{E94D319C-0DE5-4986-957C-C62A33243892}" type="datetimeFigureOut">
               <a:rPr lang="zh-CN" altLang="en-US" smtClean="0"/>
-              <a:t>2020/10/15</a:t>
+              <a:t>2020/10/22</a:t>
             </a:fld>
             <a:endParaRPr lang="zh-CN" altLang="en-US"/>
           </a:p>
@@ -3026,7 +3027,7 @@
           <a:p>
             <a:fld id="{E94D319C-0DE5-4986-957C-C62A33243892}" type="datetimeFigureOut">
               <a:rPr lang="zh-CN" altLang="en-US" smtClean="0"/>
-              <a:t>2020/10/15</a:t>
+              <a:t>2020/10/22</a:t>
             </a:fld>
             <a:endParaRPr lang="zh-CN" altLang="en-US"/>
           </a:p>
@@ -3313,7 +3314,7 @@
           <a:p>
             <a:fld id="{E94D319C-0DE5-4986-957C-C62A33243892}" type="datetimeFigureOut">
               <a:rPr lang="zh-CN" altLang="en-US" smtClean="0"/>
-              <a:t>2020/10/15</a:t>
+              <a:t>2020/10/22</a:t>
             </a:fld>
             <a:endParaRPr lang="zh-CN" altLang="en-US"/>
           </a:p>
@@ -3590,7 +3591,7 @@
           <a:p>
             <a:fld id="{E94D319C-0DE5-4986-957C-C62A33243892}" type="datetimeFigureOut">
               <a:rPr lang="zh-CN" altLang="en-US" smtClean="0"/>
-              <a:t>2020/10/15</a:t>
+              <a:t>2020/10/22</a:t>
             </a:fld>
             <a:endParaRPr lang="zh-CN" altLang="en-US"/>
           </a:p>
@@ -3862,7 +3863,7 @@
           <a:p>
             <a:fld id="{E94D319C-0DE5-4986-957C-C62A33243892}" type="datetimeFigureOut">
               <a:rPr lang="zh-CN" altLang="en-US" smtClean="0"/>
-              <a:t>2020/10/15</a:t>
+              <a:t>2020/10/22</a:t>
             </a:fld>
             <a:endParaRPr lang="zh-CN" altLang="en-US"/>
           </a:p>
@@ -4486,4656 +4487,6 @@
 </file>
 
 <file path=ppt/slides/slide10.xml><?xml version="1.0" encoding="utf-8"?>
-<p:sld xmlns:a="http://schemas.openxmlformats.org/drawingml/2006/main" xmlns:r="http://schemas.openxmlformats.org/officeDocument/2006/relationships" xmlns:p="http://schemas.openxmlformats.org/presentationml/2006/main">
-  <p:cSld>
-    <p:spTree>
-      <p:nvGrpSpPr>
-        <p:cNvPr id="1" name=""/>
-        <p:cNvGrpSpPr/>
-        <p:nvPr/>
-      </p:nvGrpSpPr>
-      <p:grpSpPr>
-        <a:xfrm>
-          <a:off x="0" y="0"/>
-          <a:ext cx="0" cy="0"/>
-          <a:chOff x="0" y="0"/>
-          <a:chExt cx="0" cy="0"/>
-        </a:xfrm>
-      </p:grpSpPr>
-      <p:sp>
-        <p:nvSpPr>
-          <p:cNvPr id="2" name="标题 1">
-            <a:extLst>
-              <a:ext uri="{FF2B5EF4-FFF2-40B4-BE49-F238E27FC236}">
-                <a16:creationId xmlns:a16="http://schemas.microsoft.com/office/drawing/2014/main" id="{B931DEA0-405B-4A19-BF90-89C4ABB84FF7}"/>
-              </a:ext>
-            </a:extLst>
-          </p:cNvPr>
-          <p:cNvSpPr>
-            <a:spLocks noGrp="1"/>
-          </p:cNvSpPr>
-          <p:nvPr>
-            <p:ph type="title"/>
-          </p:nvPr>
-        </p:nvSpPr>
-        <p:spPr/>
-        <p:txBody>
-          <a:bodyPr/>
-          <a:lstStyle/>
-          <a:p>
-            <a:r>
-              <a:rPr lang="zh-CN" altLang="en-US" dirty="0"/>
-              <a:t>算术与逻辑操作</a:t>
-            </a:r>
-          </a:p>
-        </p:txBody>
-      </p:sp>
-      <p:sp>
-        <p:nvSpPr>
-          <p:cNvPr id="3" name="内容占位符 2">
-            <a:extLst>
-              <a:ext uri="{FF2B5EF4-FFF2-40B4-BE49-F238E27FC236}">
-                <a16:creationId xmlns:a16="http://schemas.microsoft.com/office/drawing/2014/main" id="{689AADBA-6A81-4B43-8F0F-4C92449CF5FE}"/>
-              </a:ext>
-            </a:extLst>
-          </p:cNvPr>
-          <p:cNvSpPr>
-            <a:spLocks noGrp="1"/>
-          </p:cNvSpPr>
-          <p:nvPr>
-            <p:ph idx="1"/>
-          </p:nvPr>
-        </p:nvSpPr>
-        <p:spPr>
-          <a:xfrm>
-            <a:off x="1261871" y="1828800"/>
-            <a:ext cx="9612605" cy="4663440"/>
-          </a:xfrm>
-        </p:spPr>
-        <p:txBody>
-          <a:bodyPr>
-            <a:normAutofit lnSpcReduction="10000"/>
-          </a:bodyPr>
-          <a:lstStyle/>
-          <a:p>
-            <a:pPr>
-              <a:lnSpc>
-                <a:spcPct val="120000"/>
-              </a:lnSpc>
-            </a:pPr>
-            <a:r>
-              <a:rPr lang="en-US" altLang="zh-CN" sz="2400" dirty="0"/>
-              <a:t>leaq</a:t>
-            </a:r>
-            <a:r>
-              <a:rPr lang="zh-CN" altLang="en-US" sz="2400" dirty="0"/>
-              <a:t>：写入地址，也可以用于计算数值</a:t>
-            </a:r>
-            <a:endParaRPr lang="en-US" altLang="zh-CN" sz="2400" dirty="0"/>
-          </a:p>
-          <a:p>
-            <a:pPr>
-              <a:lnSpc>
-                <a:spcPct val="120000"/>
-              </a:lnSpc>
-            </a:pPr>
-            <a:r>
-              <a:rPr lang="en-US" altLang="zh-CN" sz="2400" dirty="0"/>
-              <a:t>Q</a:t>
-            </a:r>
-            <a:r>
-              <a:rPr lang="zh-CN" altLang="en-US" sz="2400" dirty="0"/>
-              <a:t>：移位操作的移位量如何确定？</a:t>
-            </a:r>
-            <a:endParaRPr lang="en-US" altLang="zh-CN" sz="2400" dirty="0"/>
-          </a:p>
-          <a:p>
-            <a:pPr lvl="1">
-              <a:lnSpc>
-                <a:spcPct val="120000"/>
-              </a:lnSpc>
-            </a:pPr>
-            <a:r>
-              <a:rPr lang="zh-CN" altLang="en-US" sz="1800" dirty="0"/>
-              <a:t>立即数，或者</a:t>
-            </a:r>
-            <a:r>
-              <a:rPr lang="zh-CN" altLang="en-US" sz="1800" dirty="0">
-                <a:solidFill>
-                  <a:srgbClr val="FFFF00"/>
-                </a:solidFill>
-              </a:rPr>
-              <a:t>单字节寄存器</a:t>
-            </a:r>
-            <a:r>
-              <a:rPr lang="en-US" altLang="zh-CN" sz="1800" dirty="0">
-                <a:solidFill>
-                  <a:srgbClr val="FFFF00"/>
-                </a:solidFill>
-              </a:rPr>
-              <a:t>%cl</a:t>
-            </a:r>
-            <a:r>
-              <a:rPr lang="zh-CN" altLang="en-US" sz="1800" dirty="0">
-                <a:solidFill>
-                  <a:schemeClr val="tx1"/>
-                </a:solidFill>
-              </a:rPr>
-              <a:t>（练习题</a:t>
-            </a:r>
-            <a:r>
-              <a:rPr lang="en-US" altLang="zh-CN" sz="1800" dirty="0">
-                <a:solidFill>
-                  <a:schemeClr val="tx1"/>
-                </a:solidFill>
-              </a:rPr>
-              <a:t>3.9</a:t>
-            </a:r>
-            <a:r>
-              <a:rPr lang="zh-CN" altLang="en-US" sz="1800" dirty="0">
-                <a:solidFill>
-                  <a:schemeClr val="tx1"/>
-                </a:solidFill>
-              </a:rPr>
-              <a:t>）</a:t>
-            </a:r>
-            <a:endParaRPr lang="en-US" altLang="zh-CN" sz="1800" dirty="0">
-              <a:solidFill>
-                <a:srgbClr val="FFFF00"/>
-              </a:solidFill>
-            </a:endParaRPr>
-          </a:p>
-          <a:p>
-            <a:pPr>
-              <a:lnSpc>
-                <a:spcPct val="120000"/>
-              </a:lnSpc>
-            </a:pPr>
-            <a:r>
-              <a:rPr lang="en-US" altLang="zh-CN" sz="2400" dirty="0"/>
-              <a:t>Q</a:t>
-            </a:r>
-            <a:r>
-              <a:rPr lang="zh-CN" altLang="en-US" sz="2400" dirty="0"/>
-              <a:t>：清零寄存器的一种可选方式？</a:t>
-            </a:r>
-            <a:endParaRPr lang="en-US" altLang="zh-CN" sz="2400" dirty="0"/>
-          </a:p>
-          <a:p>
-            <a:pPr lvl="1">
-              <a:lnSpc>
-                <a:spcPct val="120000"/>
-              </a:lnSpc>
-            </a:pPr>
-            <a:r>
-              <a:rPr lang="en-US" altLang="zh-CN" sz="1800" dirty="0"/>
-              <a:t>xor REG REG</a:t>
-            </a:r>
-            <a:r>
-              <a:rPr lang="zh-CN" altLang="en-US" sz="1800" dirty="0"/>
-              <a:t>（练习题</a:t>
-            </a:r>
-            <a:r>
-              <a:rPr lang="en-US" altLang="zh-CN" sz="1800" dirty="0"/>
-              <a:t>3.11</a:t>
-            </a:r>
-            <a:r>
-              <a:rPr lang="zh-CN" altLang="en-US" sz="1800" dirty="0"/>
-              <a:t>）</a:t>
-            </a:r>
-            <a:endParaRPr lang="en-US" altLang="zh-CN" sz="1800" dirty="0"/>
-          </a:p>
-          <a:p>
-            <a:pPr>
-              <a:lnSpc>
-                <a:spcPct val="120000"/>
-              </a:lnSpc>
-            </a:pPr>
-            <a:r>
-              <a:rPr lang="zh-CN" altLang="en-US" sz="2400" dirty="0"/>
-              <a:t>特殊的运算</a:t>
-            </a:r>
-            <a:endParaRPr lang="en-US" altLang="zh-CN" sz="2400" dirty="0"/>
-          </a:p>
-          <a:p>
-            <a:pPr lvl="1">
-              <a:lnSpc>
-                <a:spcPct val="120000"/>
-              </a:lnSpc>
-            </a:pPr>
-            <a:r>
-              <a:rPr lang="en-US" altLang="zh-CN" sz="1800" dirty="0"/>
-              <a:t>128</a:t>
-            </a:r>
-            <a:r>
-              <a:rPr lang="zh-CN" altLang="en-US" sz="1800" dirty="0"/>
-              <a:t>位乘法：一个参数在</a:t>
-            </a:r>
-            <a:r>
-              <a:rPr lang="en-US" altLang="zh-CN" sz="1800" dirty="0"/>
-              <a:t>%rax</a:t>
-            </a:r>
-            <a:r>
-              <a:rPr lang="zh-CN" altLang="en-US" sz="1800" dirty="0"/>
-              <a:t>中，另一个参数作为源操作数，结果低</a:t>
-            </a:r>
-            <a:r>
-              <a:rPr lang="en-US" altLang="zh-CN" sz="1800" dirty="0"/>
-              <a:t>64</a:t>
-            </a:r>
-            <a:r>
-              <a:rPr lang="zh-CN" altLang="en-US" sz="1800" dirty="0"/>
-              <a:t>位存放在</a:t>
-            </a:r>
-            <a:r>
-              <a:rPr lang="en-US" altLang="zh-CN" sz="1800" dirty="0"/>
-              <a:t>%rax</a:t>
-            </a:r>
-            <a:r>
-              <a:rPr lang="zh-CN" altLang="en-US" sz="1800" dirty="0"/>
-              <a:t>，高</a:t>
-            </a:r>
-            <a:r>
-              <a:rPr lang="en-US" altLang="zh-CN" sz="1800" dirty="0"/>
-              <a:t>64</a:t>
-            </a:r>
-            <a:r>
-              <a:rPr lang="zh-CN" altLang="en-US" sz="1800" dirty="0"/>
-              <a:t>位存放在</a:t>
-            </a:r>
-            <a:r>
-              <a:rPr lang="en-US" altLang="zh-CN" sz="1800" dirty="0"/>
-              <a:t>%rdx</a:t>
-            </a:r>
-          </a:p>
-          <a:p>
-            <a:pPr lvl="1">
-              <a:lnSpc>
-                <a:spcPct val="120000"/>
-              </a:lnSpc>
-            </a:pPr>
-            <a:r>
-              <a:rPr lang="en-US" altLang="zh-CN" sz="1800" dirty="0"/>
-              <a:t>128</a:t>
-            </a:r>
-            <a:r>
-              <a:rPr lang="zh-CN" altLang="en-US" sz="1800" dirty="0"/>
-              <a:t>位除法：</a:t>
-            </a:r>
-            <a:r>
-              <a:rPr lang="en-US" altLang="zh-CN" sz="1800" dirty="0"/>
-              <a:t>128</a:t>
-            </a:r>
-            <a:r>
-              <a:rPr lang="zh-CN" altLang="en-US" sz="1800" dirty="0"/>
-              <a:t>位被除数高</a:t>
-            </a:r>
-            <a:r>
-              <a:rPr lang="en-US" altLang="zh-CN" sz="1800" dirty="0"/>
-              <a:t>64</a:t>
-            </a:r>
-            <a:r>
-              <a:rPr lang="zh-CN" altLang="en-US" sz="1800" dirty="0"/>
-              <a:t>位在</a:t>
-            </a:r>
-            <a:r>
-              <a:rPr lang="en-US" altLang="zh-CN" sz="1800" dirty="0"/>
-              <a:t>%rdx</a:t>
-            </a:r>
-            <a:r>
-              <a:rPr lang="zh-CN" altLang="en-US" sz="1800" dirty="0"/>
-              <a:t>，低</a:t>
-            </a:r>
-            <a:r>
-              <a:rPr lang="en-US" altLang="zh-CN" sz="1800" dirty="0"/>
-              <a:t>64</a:t>
-            </a:r>
-            <a:r>
-              <a:rPr lang="zh-CN" altLang="en-US" sz="1800" dirty="0"/>
-              <a:t>位在</a:t>
-            </a:r>
-            <a:r>
-              <a:rPr lang="en-US" altLang="zh-CN" sz="1800" dirty="0"/>
-              <a:t>%rax</a:t>
-            </a:r>
-            <a:r>
-              <a:rPr lang="zh-CN" altLang="en-US" sz="1800" dirty="0"/>
-              <a:t>；商存于</a:t>
-            </a:r>
-            <a:r>
-              <a:rPr lang="en-US" altLang="zh-CN" sz="1800" dirty="0"/>
-              <a:t>%rax</a:t>
-            </a:r>
-            <a:r>
-              <a:rPr lang="zh-CN" altLang="en-US" sz="1800" dirty="0"/>
-              <a:t>，余数存于</a:t>
-            </a:r>
-            <a:r>
-              <a:rPr lang="en-US" altLang="zh-CN" sz="1800" dirty="0"/>
-              <a:t>%rdx</a:t>
-            </a:r>
-          </a:p>
-          <a:p>
-            <a:pPr lvl="1">
-              <a:lnSpc>
-                <a:spcPct val="120000"/>
-              </a:lnSpc>
-            </a:pPr>
-            <a:r>
-              <a:rPr lang="en-US" altLang="zh-CN" sz="1800" dirty="0"/>
-              <a:t>cqto</a:t>
-            </a:r>
-            <a:r>
-              <a:rPr lang="zh-CN" altLang="en-US" sz="1800" dirty="0"/>
-              <a:t>：</a:t>
-            </a:r>
-            <a:r>
-              <a:rPr lang="en-US" altLang="zh-CN" sz="1800" dirty="0"/>
-              <a:t>%rax</a:t>
-            </a:r>
-            <a:r>
-              <a:rPr lang="zh-CN" altLang="en-US" sz="1800" dirty="0"/>
-              <a:t>符号拓展至</a:t>
-            </a:r>
-            <a:r>
-              <a:rPr lang="en-US" altLang="zh-CN" sz="1800" dirty="0"/>
-              <a:t>%rdx</a:t>
-            </a:r>
-            <a:endParaRPr lang="zh-CN" altLang="en-US" sz="1800" dirty="0"/>
-          </a:p>
-        </p:txBody>
-      </p:sp>
-    </p:spTree>
-    <p:extLst>
-      <p:ext uri="{BB962C8B-B14F-4D97-AF65-F5344CB8AC3E}">
-        <p14:creationId xmlns:p14="http://schemas.microsoft.com/office/powerpoint/2010/main" val="1084007837"/>
-      </p:ext>
-    </p:extLst>
-  </p:cSld>
-  <p:clrMapOvr>
-    <a:masterClrMapping/>
-  </p:clrMapOvr>
-  <p:timing>
-    <p:tnLst>
-      <p:par>
-        <p:cTn id="1" dur="indefinite" restart="never" nodeType="tmRoot">
-          <p:childTnLst>
-            <p:seq concurrent="1" nextAc="seek">
-              <p:cTn id="2" dur="indefinite" nodeType="mainSeq">
-                <p:childTnLst>
-                  <p:par>
-                    <p:cTn id="3" fill="hold">
-                      <p:stCondLst>
-                        <p:cond delay="indefinite"/>
-                      </p:stCondLst>
-                      <p:childTnLst>
-                        <p:par>
-                          <p:cTn id="4" fill="hold">
-                            <p:stCondLst>
-                              <p:cond delay="0"/>
-                            </p:stCondLst>
-                            <p:childTnLst>
-                              <p:par>
-                                <p:cTn id="5" presetID="1" presetClass="entr" presetSubtype="0" fill="hold" nodeType="clickEffect">
-                                  <p:stCondLst>
-                                    <p:cond delay="0"/>
-                                  </p:stCondLst>
-                                  <p:childTnLst>
-                                    <p:set>
-                                      <p:cBhvr>
-                                        <p:cTn id="6" dur="1" fill="hold">
-                                          <p:stCondLst>
-                                            <p:cond delay="0"/>
-                                          </p:stCondLst>
-                                        </p:cTn>
-                                        <p:tgtEl>
-                                          <p:spTgt spid="3">
-                                            <p:txEl>
-                                              <p:pRg st="2" end="2"/>
-                                            </p:txEl>
-                                          </p:spTgt>
-                                        </p:tgtEl>
-                                        <p:attrNameLst>
-                                          <p:attrName>style.visibility</p:attrName>
-                                        </p:attrNameLst>
-                                      </p:cBhvr>
-                                      <p:to>
-                                        <p:strVal val="visible"/>
-                                      </p:to>
-                                    </p:set>
-                                  </p:childTnLst>
-                                </p:cTn>
-                              </p:par>
-                            </p:childTnLst>
-                          </p:cTn>
-                        </p:par>
-                      </p:childTnLst>
-                    </p:cTn>
-                  </p:par>
-                  <p:par>
-                    <p:cTn id="7" fill="hold">
-                      <p:stCondLst>
-                        <p:cond delay="indefinite"/>
-                      </p:stCondLst>
-                      <p:childTnLst>
-                        <p:par>
-                          <p:cTn id="8" fill="hold">
-                            <p:stCondLst>
-                              <p:cond delay="0"/>
-                            </p:stCondLst>
-                            <p:childTnLst>
-                              <p:par>
-                                <p:cTn id="9" presetID="1" presetClass="entr" presetSubtype="0" fill="hold" nodeType="clickEffect">
-                                  <p:stCondLst>
-                                    <p:cond delay="0"/>
-                                  </p:stCondLst>
-                                  <p:childTnLst>
-                                    <p:set>
-                                      <p:cBhvr>
-                                        <p:cTn id="10" dur="1" fill="hold">
-                                          <p:stCondLst>
-                                            <p:cond delay="0"/>
-                                          </p:stCondLst>
-                                        </p:cTn>
-                                        <p:tgtEl>
-                                          <p:spTgt spid="3">
-                                            <p:txEl>
-                                              <p:pRg st="4" end="4"/>
-                                            </p:txEl>
-                                          </p:spTgt>
-                                        </p:tgtEl>
-                                        <p:attrNameLst>
-                                          <p:attrName>style.visibility</p:attrName>
-                                        </p:attrNameLst>
-                                      </p:cBhvr>
-                                      <p:to>
-                                        <p:strVal val="visible"/>
-                                      </p:to>
-                                    </p:set>
-                                  </p:childTnLst>
-                                </p:cTn>
-                              </p:par>
-                            </p:childTnLst>
-                          </p:cTn>
-                        </p:par>
-                      </p:childTnLst>
-                    </p:cTn>
-                  </p:par>
-                </p:childTnLst>
-              </p:cTn>
-              <p:prevCondLst>
-                <p:cond evt="onPrev" delay="0">
-                  <p:tgtEl>
-                    <p:sldTgt/>
-                  </p:tgtEl>
-                </p:cond>
-              </p:prevCondLst>
-              <p:nextCondLst>
-                <p:cond evt="onNext" delay="0">
-                  <p:tgtEl>
-                    <p:sldTgt/>
-                  </p:tgtEl>
-                </p:cond>
-              </p:nextCondLst>
-            </p:seq>
-          </p:childTnLst>
-        </p:cTn>
-      </p:par>
-    </p:tnLst>
-  </p:timing>
-</p:sld>
-</file>
-
-<file path=ppt/slides/slide11.xml><?xml version="1.0" encoding="utf-8"?>
-<p:sld xmlns:a="http://schemas.openxmlformats.org/drawingml/2006/main" xmlns:r="http://schemas.openxmlformats.org/officeDocument/2006/relationships" xmlns:p="http://schemas.openxmlformats.org/presentationml/2006/main">
-  <p:cSld>
-    <p:spTree>
-      <p:nvGrpSpPr>
-        <p:cNvPr id="1" name=""/>
-        <p:cNvGrpSpPr/>
-        <p:nvPr/>
-      </p:nvGrpSpPr>
-      <p:grpSpPr>
-        <a:xfrm>
-          <a:off x="0" y="0"/>
-          <a:ext cx="0" cy="0"/>
-          <a:chOff x="0" y="0"/>
-          <a:chExt cx="0" cy="0"/>
-        </a:xfrm>
-      </p:grpSpPr>
-      <p:sp>
-        <p:nvSpPr>
-          <p:cNvPr id="2" name="标题 1">
-            <a:extLst>
-              <a:ext uri="{FF2B5EF4-FFF2-40B4-BE49-F238E27FC236}">
-                <a16:creationId xmlns:a16="http://schemas.microsoft.com/office/drawing/2014/main" id="{4651987E-209C-4ED1-AFF6-22DBA1B0984B}"/>
-              </a:ext>
-            </a:extLst>
-          </p:cNvPr>
-          <p:cNvSpPr>
-            <a:spLocks noGrp="1"/>
-          </p:cNvSpPr>
-          <p:nvPr>
-            <p:ph type="title"/>
-          </p:nvPr>
-        </p:nvSpPr>
-        <p:spPr/>
-        <p:txBody>
-          <a:bodyPr/>
-          <a:lstStyle/>
-          <a:p>
-            <a:r>
-              <a:rPr lang="zh-CN" altLang="en-US" dirty="0"/>
-              <a:t>条件分支与循环</a:t>
-            </a:r>
-          </a:p>
-        </p:txBody>
-      </p:sp>
-      <p:sp>
-        <p:nvSpPr>
-          <p:cNvPr id="3" name="内容占位符 2">
-            <a:extLst>
-              <a:ext uri="{FF2B5EF4-FFF2-40B4-BE49-F238E27FC236}">
-                <a16:creationId xmlns:a16="http://schemas.microsoft.com/office/drawing/2014/main" id="{6756772E-15ED-4181-B9FB-CDD4C5BDEB5A}"/>
-              </a:ext>
-            </a:extLst>
-          </p:cNvPr>
-          <p:cNvSpPr>
-            <a:spLocks noGrp="1"/>
-          </p:cNvSpPr>
-          <p:nvPr>
-            <p:ph idx="1"/>
-          </p:nvPr>
-        </p:nvSpPr>
-        <p:spPr>
-          <a:xfrm>
-            <a:off x="1261872" y="1828800"/>
-            <a:ext cx="9347134" cy="4886632"/>
-          </a:xfrm>
-        </p:spPr>
-        <p:txBody>
-          <a:bodyPr>
-            <a:normAutofit/>
-          </a:bodyPr>
-          <a:lstStyle/>
-          <a:p>
-            <a:pPr>
-              <a:lnSpc>
-                <a:spcPct val="120000"/>
-              </a:lnSpc>
-            </a:pPr>
-            <a:r>
-              <a:rPr lang="en-US" altLang="zh-CN" sz="2000" dirty="0"/>
-              <a:t>Q</a:t>
-            </a:r>
-            <a:r>
-              <a:rPr lang="zh-CN" altLang="en-US" sz="2000" dirty="0"/>
-              <a:t>：什么是直接跳转，什么是间接跳转？</a:t>
-            </a:r>
-            <a:endParaRPr lang="en-US" altLang="zh-CN" sz="2000" dirty="0"/>
-          </a:p>
-          <a:p>
-            <a:pPr lvl="1">
-              <a:lnSpc>
-                <a:spcPct val="120000"/>
-              </a:lnSpc>
-            </a:pPr>
-            <a:r>
-              <a:rPr lang="en-US" altLang="zh-CN" sz="1800" dirty="0"/>
-              <a:t>A</a:t>
-            </a:r>
-            <a:r>
-              <a:rPr lang="zh-CN" altLang="en-US" sz="1800" dirty="0"/>
-              <a:t>：直接跳转的跳转目标作为指令的一部分编码，以标号给出    </a:t>
-            </a:r>
-            <a:r>
-              <a:rPr lang="en-US" altLang="zh-CN" sz="1800" dirty="0"/>
-              <a:t>jmp .L1</a:t>
-            </a:r>
-          </a:p>
-          <a:p>
-            <a:pPr marL="274320" lvl="1" indent="0">
-              <a:lnSpc>
-                <a:spcPct val="120000"/>
-              </a:lnSpc>
-              <a:buNone/>
-            </a:pPr>
-            <a:r>
-              <a:rPr lang="en-US" altLang="zh-CN" sz="1800" dirty="0"/>
-              <a:t>         </a:t>
-            </a:r>
-            <a:r>
-              <a:rPr lang="zh-CN" altLang="en-US" sz="1800" dirty="0"/>
-              <a:t>间接跳转的目标从寄存器或者内存中读出     </a:t>
-            </a:r>
-            <a:r>
-              <a:rPr lang="en-US" altLang="zh-CN" sz="1800" dirty="0"/>
-              <a:t>jmp *%rax</a:t>
-            </a:r>
-            <a:r>
-              <a:rPr lang="zh-CN" altLang="en-US" sz="1800" dirty="0"/>
-              <a:t>（</a:t>
-            </a:r>
-            <a:r>
-              <a:rPr lang="en-US" altLang="zh-CN" sz="1800" dirty="0"/>
-              <a:t>P139</a:t>
-            </a:r>
-            <a:r>
-              <a:rPr lang="zh-CN" altLang="en-US" sz="1800" dirty="0"/>
-              <a:t>）</a:t>
-            </a:r>
-            <a:endParaRPr lang="en-US" altLang="zh-CN" sz="1800" dirty="0"/>
-          </a:p>
-          <a:p>
-            <a:pPr>
-              <a:lnSpc>
-                <a:spcPct val="120000"/>
-              </a:lnSpc>
-            </a:pPr>
-            <a:r>
-              <a:rPr lang="en-US" altLang="zh-CN" sz="2000" dirty="0"/>
-              <a:t>Q</a:t>
-            </a:r>
-            <a:r>
-              <a:rPr lang="zh-CN" altLang="en-US" sz="2000" dirty="0"/>
-              <a:t>：</a:t>
-            </a:r>
-            <a:r>
-              <a:rPr lang="en-US" altLang="zh-CN" sz="2000" dirty="0"/>
-              <a:t>jmp </a:t>
-            </a:r>
-            <a:r>
-              <a:rPr lang="zh-CN" altLang="en-US" sz="2000" dirty="0"/>
-              <a:t>*</a:t>
-            </a:r>
-            <a:r>
-              <a:rPr lang="en-US" altLang="zh-CN" sz="2000" dirty="0"/>
-              <a:t>%rax </a:t>
-            </a:r>
-            <a:r>
-              <a:rPr lang="zh-CN" altLang="en-US" sz="2000" dirty="0"/>
-              <a:t>与 </a:t>
-            </a:r>
-            <a:r>
-              <a:rPr lang="en-US" altLang="zh-CN" sz="2000" dirty="0"/>
-              <a:t>jmp *(%rax)</a:t>
-            </a:r>
-            <a:r>
-              <a:rPr lang="zh-CN" altLang="en-US" sz="2000" dirty="0"/>
-              <a:t>的区别？</a:t>
-            </a:r>
-            <a:endParaRPr lang="en-US" altLang="zh-CN" sz="2000" dirty="0"/>
-          </a:p>
-          <a:p>
-            <a:pPr lvl="1">
-              <a:lnSpc>
-                <a:spcPct val="120000"/>
-              </a:lnSpc>
-            </a:pPr>
-            <a:r>
-              <a:rPr lang="en-US" altLang="zh-CN" sz="1800" dirty="0"/>
-              <a:t>A</a:t>
-            </a:r>
-            <a:r>
-              <a:rPr lang="zh-CN" altLang="en-US" sz="1800" dirty="0"/>
-              <a:t>：</a:t>
-            </a:r>
-            <a:r>
-              <a:rPr lang="en-US" altLang="zh-CN" sz="1800" dirty="0"/>
-              <a:t> jmp %rax</a:t>
-            </a:r>
-            <a:r>
-              <a:rPr lang="zh-CN" altLang="en-US" sz="1800" dirty="0"/>
-              <a:t>以寄存器中的值作为跳转目标</a:t>
-            </a:r>
-            <a:endParaRPr lang="en-US" altLang="zh-CN" sz="1800" dirty="0"/>
-          </a:p>
-          <a:p>
-            <a:pPr marL="274320" lvl="1" indent="0">
-              <a:lnSpc>
-                <a:spcPct val="120000"/>
-              </a:lnSpc>
-              <a:buNone/>
-            </a:pPr>
-            <a:r>
-              <a:rPr lang="en-US" altLang="zh-CN" sz="1800" dirty="0"/>
-              <a:t>          jmp *(%rax)</a:t>
-            </a:r>
-            <a:r>
-              <a:rPr lang="zh-CN" altLang="en-US" sz="1800" dirty="0"/>
-              <a:t>以寄存器中的值作为地址，从内存中读出跳转目标（</a:t>
-            </a:r>
-            <a:r>
-              <a:rPr lang="en-US" altLang="zh-CN" sz="1800" dirty="0"/>
-              <a:t>P139</a:t>
-            </a:r>
-            <a:r>
-              <a:rPr lang="zh-CN" altLang="en-US" sz="1800" dirty="0"/>
-              <a:t>）</a:t>
-            </a:r>
-            <a:endParaRPr lang="en-US" altLang="zh-CN" sz="1800" dirty="0"/>
-          </a:p>
-          <a:p>
-            <a:r>
-              <a:rPr lang="en-US" altLang="zh-CN" sz="2000" dirty="0"/>
-              <a:t>Q</a:t>
-            </a:r>
-            <a:r>
-              <a:rPr lang="zh-CN" altLang="en-US" sz="2000" dirty="0">
-                <a:sym typeface="Wingdings" panose="05000000000000000000" pitchFamily="2" charset="2"/>
-              </a:rPr>
-              <a:t>：</a:t>
-            </a:r>
-            <a:r>
-              <a:rPr lang="en-US" altLang="zh-CN" sz="2000" dirty="0">
-                <a:sym typeface="Wingdings" panose="05000000000000000000" pitchFamily="2" charset="2"/>
-              </a:rPr>
-              <a:t>(</a:t>
-            </a:r>
-            <a:r>
-              <a:rPr lang="zh-CN" altLang="en-US" sz="2000" dirty="0">
-                <a:sym typeface="Wingdings" panose="05000000000000000000" pitchFamily="2" charset="2"/>
-              </a:rPr>
-              <a:t>判断</a:t>
-            </a:r>
-            <a:r>
-              <a:rPr lang="en-US" altLang="zh-CN" sz="2000" dirty="0">
-                <a:sym typeface="Wingdings" panose="05000000000000000000" pitchFamily="2" charset="2"/>
-              </a:rPr>
-              <a:t>) CMOV</a:t>
-            </a:r>
-            <a:r>
-              <a:rPr lang="zh-CN" altLang="en-US" sz="2000" dirty="0">
-                <a:sym typeface="Wingdings" panose="05000000000000000000" pitchFamily="2" charset="2"/>
-              </a:rPr>
-              <a:t>类指令和</a:t>
-            </a:r>
-            <a:r>
-              <a:rPr lang="en-US" altLang="zh-CN" sz="2000" dirty="0">
-                <a:sym typeface="Wingdings" panose="05000000000000000000" pitchFamily="2" charset="2"/>
-              </a:rPr>
-              <a:t>MOV</a:t>
-            </a:r>
-            <a:r>
-              <a:rPr lang="zh-CN" altLang="en-US" sz="2000" dirty="0">
-                <a:sym typeface="Wingdings" panose="05000000000000000000" pitchFamily="2" charset="2"/>
-              </a:rPr>
-              <a:t>类指令相同，都可以以内存地址作为传送目标</a:t>
-            </a:r>
-            <a:endParaRPr lang="en-US" altLang="zh-CN" sz="2000" dirty="0">
-              <a:sym typeface="Wingdings" panose="05000000000000000000" pitchFamily="2" charset="2"/>
-            </a:endParaRPr>
-          </a:p>
-          <a:p>
-            <a:pPr lvl="1"/>
-            <a:r>
-              <a:rPr lang="en-US" altLang="zh-CN" sz="1800" dirty="0">
-                <a:sym typeface="Wingdings" panose="05000000000000000000" pitchFamily="2" charset="2"/>
-              </a:rPr>
-              <a:t>A</a:t>
-            </a:r>
-            <a:r>
-              <a:rPr lang="zh-CN" altLang="en-US" sz="1800" dirty="0">
-                <a:sym typeface="Wingdings" panose="05000000000000000000" pitchFamily="2" charset="2"/>
-              </a:rPr>
-              <a:t>：错误，条件传送的两个操作数分别为：寄存器和内存地址</a:t>
-            </a:r>
-            <a:r>
-              <a:rPr lang="en-US" altLang="zh-CN" sz="1800" dirty="0">
-                <a:sym typeface="Wingdings" panose="05000000000000000000" pitchFamily="2" charset="2"/>
-              </a:rPr>
-              <a:t>S</a:t>
-            </a:r>
-            <a:r>
-              <a:rPr lang="zh-CN" altLang="en-US" sz="1800" dirty="0">
-                <a:sym typeface="Wingdings" panose="05000000000000000000" pitchFamily="2" charset="2"/>
-              </a:rPr>
-              <a:t>、目的</a:t>
-            </a:r>
-            <a:r>
-              <a:rPr lang="zh-CN" altLang="en-US" sz="1800" dirty="0">
-                <a:solidFill>
-                  <a:srgbClr val="FFFF00"/>
-                </a:solidFill>
-                <a:sym typeface="Wingdings" panose="05000000000000000000" pitchFamily="2" charset="2"/>
-              </a:rPr>
-              <a:t>寄存器</a:t>
-            </a:r>
-            <a:r>
-              <a:rPr lang="en-US" altLang="zh-CN" sz="1800" dirty="0">
-                <a:sym typeface="Wingdings" panose="05000000000000000000" pitchFamily="2" charset="2"/>
-              </a:rPr>
-              <a:t>R</a:t>
-            </a:r>
-            <a:r>
-              <a:rPr lang="zh-CN" altLang="en-US" sz="1800" dirty="0">
-                <a:sym typeface="Wingdings" panose="05000000000000000000" pitchFamily="2" charset="2"/>
-              </a:rPr>
-              <a:t>（</a:t>
-            </a:r>
-            <a:r>
-              <a:rPr lang="en-US" altLang="zh-CN" sz="1800" dirty="0">
-                <a:sym typeface="Wingdings" panose="05000000000000000000" pitchFamily="2" charset="2"/>
-              </a:rPr>
-              <a:t>P146</a:t>
-            </a:r>
-            <a:r>
-              <a:rPr lang="zh-CN" altLang="en-US" sz="1800" dirty="0">
-                <a:sym typeface="Wingdings" panose="05000000000000000000" pitchFamily="2" charset="2"/>
-              </a:rPr>
-              <a:t>）</a:t>
-            </a:r>
-            <a:endParaRPr lang="en-US" altLang="zh-CN" sz="1800" dirty="0">
-              <a:sym typeface="Wingdings" panose="05000000000000000000" pitchFamily="2" charset="2"/>
-            </a:endParaRPr>
-          </a:p>
-          <a:p>
-            <a:r>
-              <a:rPr lang="en-US" altLang="zh-CN" sz="2000" dirty="0"/>
-              <a:t>Q</a:t>
-            </a:r>
-            <a:r>
-              <a:rPr lang="zh-CN" altLang="en-US" sz="2000" dirty="0"/>
-              <a:t>：条件传送支持传送多长的数据？</a:t>
-            </a:r>
-            <a:endParaRPr lang="en-US" altLang="zh-CN" sz="2000" dirty="0"/>
-          </a:p>
-          <a:p>
-            <a:pPr lvl="1"/>
-            <a:r>
-              <a:rPr lang="en-US" altLang="zh-CN" sz="1800" dirty="0"/>
-              <a:t>A</a:t>
-            </a:r>
-            <a:r>
-              <a:rPr lang="zh-CN" altLang="en-US" sz="1800" dirty="0"/>
-              <a:t>：</a:t>
-            </a:r>
-            <a:r>
-              <a:rPr lang="en-US" altLang="zh-CN" sz="1800" dirty="0"/>
-              <a:t>16</a:t>
-            </a:r>
-            <a:r>
-              <a:rPr lang="zh-CN" altLang="en-US" sz="1800" dirty="0"/>
-              <a:t>位、</a:t>
-            </a:r>
-            <a:r>
-              <a:rPr lang="en-US" altLang="zh-CN" sz="1800" dirty="0"/>
-              <a:t>32</a:t>
-            </a:r>
-            <a:r>
-              <a:rPr lang="zh-CN" altLang="en-US" sz="1800" dirty="0"/>
-              <a:t>位、</a:t>
-            </a:r>
-            <a:r>
-              <a:rPr lang="en-US" altLang="zh-CN" sz="1800" dirty="0"/>
-              <a:t>64</a:t>
-            </a:r>
-            <a:r>
-              <a:rPr lang="zh-CN" altLang="en-US" sz="1800" dirty="0"/>
-              <a:t>位，</a:t>
-            </a:r>
-            <a:r>
-              <a:rPr lang="zh-CN" altLang="en-US" sz="1800" dirty="0">
-                <a:solidFill>
-                  <a:srgbClr val="FFFF00"/>
-                </a:solidFill>
-              </a:rPr>
-              <a:t>不支持单字节的条件传送</a:t>
-            </a:r>
-            <a:r>
-              <a:rPr lang="zh-CN" altLang="en-US" sz="1800" dirty="0">
-                <a:sym typeface="Wingdings" panose="05000000000000000000" pitchFamily="2" charset="2"/>
-              </a:rPr>
-              <a:t>（</a:t>
-            </a:r>
-            <a:r>
-              <a:rPr lang="en-US" altLang="zh-CN" sz="1800" dirty="0">
-                <a:sym typeface="Wingdings" panose="05000000000000000000" pitchFamily="2" charset="2"/>
-              </a:rPr>
-              <a:t>P146</a:t>
-            </a:r>
-            <a:r>
-              <a:rPr lang="zh-CN" altLang="en-US" sz="1800" dirty="0">
-                <a:sym typeface="Wingdings" panose="05000000000000000000" pitchFamily="2" charset="2"/>
-              </a:rPr>
-              <a:t>）</a:t>
-            </a:r>
-            <a:endParaRPr lang="en-US" altLang="zh-CN" sz="1800" dirty="0">
-              <a:sym typeface="Wingdings" panose="05000000000000000000" pitchFamily="2" charset="2"/>
-            </a:endParaRPr>
-          </a:p>
-          <a:p>
-            <a:pPr lvl="1"/>
-            <a:endParaRPr lang="zh-CN" altLang="en-US" sz="1800" dirty="0"/>
-          </a:p>
-        </p:txBody>
-      </p:sp>
-    </p:spTree>
-    <p:extLst>
-      <p:ext uri="{BB962C8B-B14F-4D97-AF65-F5344CB8AC3E}">
-        <p14:creationId xmlns:p14="http://schemas.microsoft.com/office/powerpoint/2010/main" val="369866325"/>
-      </p:ext>
-    </p:extLst>
-  </p:cSld>
-  <p:clrMapOvr>
-    <a:masterClrMapping/>
-  </p:clrMapOvr>
-  <p:timing>
-    <p:tnLst>
-      <p:par>
-        <p:cTn id="1" dur="indefinite" restart="never" nodeType="tmRoot">
-          <p:childTnLst>
-            <p:seq concurrent="1" nextAc="seek">
-              <p:cTn id="2" dur="indefinite" nodeType="mainSeq">
-                <p:childTnLst>
-                  <p:par>
-                    <p:cTn id="3" fill="hold">
-                      <p:stCondLst>
-                        <p:cond delay="indefinite"/>
-                      </p:stCondLst>
-                      <p:childTnLst>
-                        <p:par>
-                          <p:cTn id="4" fill="hold">
-                            <p:stCondLst>
-                              <p:cond delay="0"/>
-                            </p:stCondLst>
-                            <p:childTnLst>
-                              <p:par>
-                                <p:cTn id="5" presetID="1" presetClass="entr" presetSubtype="0" fill="hold" nodeType="clickEffect">
-                                  <p:stCondLst>
-                                    <p:cond delay="0"/>
-                                  </p:stCondLst>
-                                  <p:childTnLst>
-                                    <p:set>
-                                      <p:cBhvr>
-                                        <p:cTn id="6" dur="1" fill="hold">
-                                          <p:stCondLst>
-                                            <p:cond delay="0"/>
-                                          </p:stCondLst>
-                                        </p:cTn>
-                                        <p:tgtEl>
-                                          <p:spTgt spid="3">
-                                            <p:txEl>
-                                              <p:pRg st="0" end="0"/>
-                                            </p:txEl>
-                                          </p:spTgt>
-                                        </p:tgtEl>
-                                        <p:attrNameLst>
-                                          <p:attrName>style.visibility</p:attrName>
-                                        </p:attrNameLst>
-                                      </p:cBhvr>
-                                      <p:to>
-                                        <p:strVal val="visible"/>
-                                      </p:to>
-                                    </p:set>
-                                  </p:childTnLst>
-                                </p:cTn>
-                              </p:par>
-                            </p:childTnLst>
-                          </p:cTn>
-                        </p:par>
-                      </p:childTnLst>
-                    </p:cTn>
-                  </p:par>
-                  <p:par>
-                    <p:cTn id="7" fill="hold">
-                      <p:stCondLst>
-                        <p:cond delay="indefinite"/>
-                      </p:stCondLst>
-                      <p:childTnLst>
-                        <p:par>
-                          <p:cTn id="8" fill="hold">
-                            <p:stCondLst>
-                              <p:cond delay="0"/>
-                            </p:stCondLst>
-                            <p:childTnLst>
-                              <p:par>
-                                <p:cTn id="9" presetID="1" presetClass="entr" presetSubtype="0" fill="hold" nodeType="clickEffect">
-                                  <p:stCondLst>
-                                    <p:cond delay="0"/>
-                                  </p:stCondLst>
-                                  <p:childTnLst>
-                                    <p:set>
-                                      <p:cBhvr>
-                                        <p:cTn id="10" dur="1" fill="hold">
-                                          <p:stCondLst>
-                                            <p:cond delay="0"/>
-                                          </p:stCondLst>
-                                        </p:cTn>
-                                        <p:tgtEl>
-                                          <p:spTgt spid="3">
-                                            <p:txEl>
-                                              <p:pRg st="1" end="1"/>
-                                            </p:txEl>
-                                          </p:spTgt>
-                                        </p:tgtEl>
-                                        <p:attrNameLst>
-                                          <p:attrName>style.visibility</p:attrName>
-                                        </p:attrNameLst>
-                                      </p:cBhvr>
-                                      <p:to>
-                                        <p:strVal val="visible"/>
-                                      </p:to>
-                                    </p:set>
-                                  </p:childTnLst>
-                                </p:cTn>
-                              </p:par>
-                            </p:childTnLst>
-                          </p:cTn>
-                        </p:par>
-                      </p:childTnLst>
-                    </p:cTn>
-                  </p:par>
-                  <p:par>
-                    <p:cTn id="11" fill="hold">
-                      <p:stCondLst>
-                        <p:cond delay="indefinite"/>
-                      </p:stCondLst>
-                      <p:childTnLst>
-                        <p:par>
-                          <p:cTn id="12" fill="hold">
-                            <p:stCondLst>
-                              <p:cond delay="0"/>
-                            </p:stCondLst>
-                            <p:childTnLst>
-                              <p:par>
-                                <p:cTn id="13" presetID="1" presetClass="entr" presetSubtype="0" fill="hold" nodeType="clickEffect">
-                                  <p:stCondLst>
-                                    <p:cond delay="0"/>
-                                  </p:stCondLst>
-                                  <p:childTnLst>
-                                    <p:set>
-                                      <p:cBhvr>
-                                        <p:cTn id="14" dur="1" fill="hold">
-                                          <p:stCondLst>
-                                            <p:cond delay="0"/>
-                                          </p:stCondLst>
-                                        </p:cTn>
-                                        <p:tgtEl>
-                                          <p:spTgt spid="3">
-                                            <p:txEl>
-                                              <p:pRg st="2" end="2"/>
-                                            </p:txEl>
-                                          </p:spTgt>
-                                        </p:tgtEl>
-                                        <p:attrNameLst>
-                                          <p:attrName>style.visibility</p:attrName>
-                                        </p:attrNameLst>
-                                      </p:cBhvr>
-                                      <p:to>
-                                        <p:strVal val="visible"/>
-                                      </p:to>
-                                    </p:set>
-                                  </p:childTnLst>
-                                </p:cTn>
-                              </p:par>
-                            </p:childTnLst>
-                          </p:cTn>
-                        </p:par>
-                      </p:childTnLst>
-                    </p:cTn>
-                  </p:par>
-                  <p:par>
-                    <p:cTn id="15" fill="hold">
-                      <p:stCondLst>
-                        <p:cond delay="indefinite"/>
-                      </p:stCondLst>
-                      <p:childTnLst>
-                        <p:par>
-                          <p:cTn id="16" fill="hold">
-                            <p:stCondLst>
-                              <p:cond delay="0"/>
-                            </p:stCondLst>
-                            <p:childTnLst>
-                              <p:par>
-                                <p:cTn id="17" presetID="1" presetClass="entr" presetSubtype="0" fill="hold" nodeType="clickEffect">
-                                  <p:stCondLst>
-                                    <p:cond delay="0"/>
-                                  </p:stCondLst>
-                                  <p:childTnLst>
-                                    <p:set>
-                                      <p:cBhvr>
-                                        <p:cTn id="18" dur="1" fill="hold">
-                                          <p:stCondLst>
-                                            <p:cond delay="0"/>
-                                          </p:stCondLst>
-                                        </p:cTn>
-                                        <p:tgtEl>
-                                          <p:spTgt spid="3">
-                                            <p:txEl>
-                                              <p:pRg st="3" end="3"/>
-                                            </p:txEl>
-                                          </p:spTgt>
-                                        </p:tgtEl>
-                                        <p:attrNameLst>
-                                          <p:attrName>style.visibility</p:attrName>
-                                        </p:attrNameLst>
-                                      </p:cBhvr>
-                                      <p:to>
-                                        <p:strVal val="visible"/>
-                                      </p:to>
-                                    </p:set>
-                                  </p:childTnLst>
-                                </p:cTn>
-                              </p:par>
-                            </p:childTnLst>
-                          </p:cTn>
-                        </p:par>
-                      </p:childTnLst>
-                    </p:cTn>
-                  </p:par>
-                  <p:par>
-                    <p:cTn id="19" fill="hold">
-                      <p:stCondLst>
-                        <p:cond delay="indefinite"/>
-                      </p:stCondLst>
-                      <p:childTnLst>
-                        <p:par>
-                          <p:cTn id="20" fill="hold">
-                            <p:stCondLst>
-                              <p:cond delay="0"/>
-                            </p:stCondLst>
-                            <p:childTnLst>
-                              <p:par>
-                                <p:cTn id="21" presetID="1" presetClass="entr" presetSubtype="0" fill="hold" nodeType="clickEffect">
-                                  <p:stCondLst>
-                                    <p:cond delay="0"/>
-                                  </p:stCondLst>
-                                  <p:childTnLst>
-                                    <p:set>
-                                      <p:cBhvr>
-                                        <p:cTn id="22" dur="1" fill="hold">
-                                          <p:stCondLst>
-                                            <p:cond delay="0"/>
-                                          </p:stCondLst>
-                                        </p:cTn>
-                                        <p:tgtEl>
-                                          <p:spTgt spid="3">
-                                            <p:txEl>
-                                              <p:pRg st="4" end="4"/>
-                                            </p:txEl>
-                                          </p:spTgt>
-                                        </p:tgtEl>
-                                        <p:attrNameLst>
-                                          <p:attrName>style.visibility</p:attrName>
-                                        </p:attrNameLst>
-                                      </p:cBhvr>
-                                      <p:to>
-                                        <p:strVal val="visible"/>
-                                      </p:to>
-                                    </p:set>
-                                  </p:childTnLst>
-                                </p:cTn>
-                              </p:par>
-                            </p:childTnLst>
-                          </p:cTn>
-                        </p:par>
-                      </p:childTnLst>
-                    </p:cTn>
-                  </p:par>
-                  <p:par>
-                    <p:cTn id="23" fill="hold">
-                      <p:stCondLst>
-                        <p:cond delay="indefinite"/>
-                      </p:stCondLst>
-                      <p:childTnLst>
-                        <p:par>
-                          <p:cTn id="24" fill="hold">
-                            <p:stCondLst>
-                              <p:cond delay="0"/>
-                            </p:stCondLst>
-                            <p:childTnLst>
-                              <p:par>
-                                <p:cTn id="25" presetID="1" presetClass="entr" presetSubtype="0" fill="hold" nodeType="clickEffect">
-                                  <p:stCondLst>
-                                    <p:cond delay="0"/>
-                                  </p:stCondLst>
-                                  <p:childTnLst>
-                                    <p:set>
-                                      <p:cBhvr>
-                                        <p:cTn id="26" dur="1" fill="hold">
-                                          <p:stCondLst>
-                                            <p:cond delay="0"/>
-                                          </p:stCondLst>
-                                        </p:cTn>
-                                        <p:tgtEl>
-                                          <p:spTgt spid="3">
-                                            <p:txEl>
-                                              <p:pRg st="5" end="5"/>
-                                            </p:txEl>
-                                          </p:spTgt>
-                                        </p:tgtEl>
-                                        <p:attrNameLst>
-                                          <p:attrName>style.visibility</p:attrName>
-                                        </p:attrNameLst>
-                                      </p:cBhvr>
-                                      <p:to>
-                                        <p:strVal val="visible"/>
-                                      </p:to>
-                                    </p:set>
-                                  </p:childTnLst>
-                                </p:cTn>
-                              </p:par>
-                            </p:childTnLst>
-                          </p:cTn>
-                        </p:par>
-                      </p:childTnLst>
-                    </p:cTn>
-                  </p:par>
-                  <p:par>
-                    <p:cTn id="27" fill="hold">
-                      <p:stCondLst>
-                        <p:cond delay="indefinite"/>
-                      </p:stCondLst>
-                      <p:childTnLst>
-                        <p:par>
-                          <p:cTn id="28" fill="hold">
-                            <p:stCondLst>
-                              <p:cond delay="0"/>
-                            </p:stCondLst>
-                            <p:childTnLst>
-                              <p:par>
-                                <p:cTn id="29" presetID="1" presetClass="entr" presetSubtype="0" fill="hold" nodeType="clickEffect">
-                                  <p:stCondLst>
-                                    <p:cond delay="0"/>
-                                  </p:stCondLst>
-                                  <p:childTnLst>
-                                    <p:set>
-                                      <p:cBhvr>
-                                        <p:cTn id="30" dur="1" fill="hold">
-                                          <p:stCondLst>
-                                            <p:cond delay="0"/>
-                                          </p:stCondLst>
-                                        </p:cTn>
-                                        <p:tgtEl>
-                                          <p:spTgt spid="3">
-                                            <p:txEl>
-                                              <p:pRg st="6" end="6"/>
-                                            </p:txEl>
-                                          </p:spTgt>
-                                        </p:tgtEl>
-                                        <p:attrNameLst>
-                                          <p:attrName>style.visibility</p:attrName>
-                                        </p:attrNameLst>
-                                      </p:cBhvr>
-                                      <p:to>
-                                        <p:strVal val="visible"/>
-                                      </p:to>
-                                    </p:set>
-                                  </p:childTnLst>
-                                </p:cTn>
-                              </p:par>
-                            </p:childTnLst>
-                          </p:cTn>
-                        </p:par>
-                      </p:childTnLst>
-                    </p:cTn>
-                  </p:par>
-                  <p:par>
-                    <p:cTn id="31" fill="hold">
-                      <p:stCondLst>
-                        <p:cond delay="indefinite"/>
-                      </p:stCondLst>
-                      <p:childTnLst>
-                        <p:par>
-                          <p:cTn id="32" fill="hold">
-                            <p:stCondLst>
-                              <p:cond delay="0"/>
-                            </p:stCondLst>
-                            <p:childTnLst>
-                              <p:par>
-                                <p:cTn id="33" presetID="1" presetClass="entr" presetSubtype="0" fill="hold" nodeType="clickEffect">
-                                  <p:stCondLst>
-                                    <p:cond delay="0"/>
-                                  </p:stCondLst>
-                                  <p:childTnLst>
-                                    <p:set>
-                                      <p:cBhvr>
-                                        <p:cTn id="34" dur="1" fill="hold">
-                                          <p:stCondLst>
-                                            <p:cond delay="0"/>
-                                          </p:stCondLst>
-                                        </p:cTn>
-                                        <p:tgtEl>
-                                          <p:spTgt spid="3">
-                                            <p:txEl>
-                                              <p:pRg st="7" end="7"/>
-                                            </p:txEl>
-                                          </p:spTgt>
-                                        </p:tgtEl>
-                                        <p:attrNameLst>
-                                          <p:attrName>style.visibility</p:attrName>
-                                        </p:attrNameLst>
-                                      </p:cBhvr>
-                                      <p:to>
-                                        <p:strVal val="visible"/>
-                                      </p:to>
-                                    </p:set>
-                                  </p:childTnLst>
-                                </p:cTn>
-                              </p:par>
-                            </p:childTnLst>
-                          </p:cTn>
-                        </p:par>
-                      </p:childTnLst>
-                    </p:cTn>
-                  </p:par>
-                  <p:par>
-                    <p:cTn id="35" fill="hold">
-                      <p:stCondLst>
-                        <p:cond delay="indefinite"/>
-                      </p:stCondLst>
-                      <p:childTnLst>
-                        <p:par>
-                          <p:cTn id="36" fill="hold">
-                            <p:stCondLst>
-                              <p:cond delay="0"/>
-                            </p:stCondLst>
-                            <p:childTnLst>
-                              <p:par>
-                                <p:cTn id="37" presetID="1" presetClass="entr" presetSubtype="0" fill="hold" nodeType="clickEffect">
-                                  <p:stCondLst>
-                                    <p:cond delay="0"/>
-                                  </p:stCondLst>
-                                  <p:childTnLst>
-                                    <p:set>
-                                      <p:cBhvr>
-                                        <p:cTn id="38" dur="1" fill="hold">
-                                          <p:stCondLst>
-                                            <p:cond delay="0"/>
-                                          </p:stCondLst>
-                                        </p:cTn>
-                                        <p:tgtEl>
-                                          <p:spTgt spid="3">
-                                            <p:txEl>
-                                              <p:pRg st="8" end="8"/>
-                                            </p:txEl>
-                                          </p:spTgt>
-                                        </p:tgtEl>
-                                        <p:attrNameLst>
-                                          <p:attrName>style.visibility</p:attrName>
-                                        </p:attrNameLst>
-                                      </p:cBhvr>
-                                      <p:to>
-                                        <p:strVal val="visible"/>
-                                      </p:to>
-                                    </p:set>
-                                  </p:childTnLst>
-                                </p:cTn>
-                              </p:par>
-                            </p:childTnLst>
-                          </p:cTn>
-                        </p:par>
-                      </p:childTnLst>
-                    </p:cTn>
-                  </p:par>
-                  <p:par>
-                    <p:cTn id="39" fill="hold">
-                      <p:stCondLst>
-                        <p:cond delay="indefinite"/>
-                      </p:stCondLst>
-                      <p:childTnLst>
-                        <p:par>
-                          <p:cTn id="40" fill="hold">
-                            <p:stCondLst>
-                              <p:cond delay="0"/>
-                            </p:stCondLst>
-                            <p:childTnLst>
-                              <p:par>
-                                <p:cTn id="41" presetID="1" presetClass="entr" presetSubtype="0" fill="hold" nodeType="clickEffect">
-                                  <p:stCondLst>
-                                    <p:cond delay="0"/>
-                                  </p:stCondLst>
-                                  <p:childTnLst>
-                                    <p:set>
-                                      <p:cBhvr>
-                                        <p:cTn id="42" dur="1" fill="hold">
-                                          <p:stCondLst>
-                                            <p:cond delay="0"/>
-                                          </p:stCondLst>
-                                        </p:cTn>
-                                        <p:tgtEl>
-                                          <p:spTgt spid="3">
-                                            <p:txEl>
-                                              <p:pRg st="9" end="9"/>
-                                            </p:txEl>
-                                          </p:spTgt>
-                                        </p:tgtEl>
-                                        <p:attrNameLst>
-                                          <p:attrName>style.visibility</p:attrName>
-                                        </p:attrNameLst>
-                                      </p:cBhvr>
-                                      <p:to>
-                                        <p:strVal val="visible"/>
-                                      </p:to>
-                                    </p:set>
-                                  </p:childTnLst>
-                                </p:cTn>
-                              </p:par>
-                            </p:childTnLst>
-                          </p:cTn>
-                        </p:par>
-                      </p:childTnLst>
-                    </p:cTn>
-                  </p:par>
-                </p:childTnLst>
-              </p:cTn>
-              <p:prevCondLst>
-                <p:cond evt="onPrev" delay="0">
-                  <p:tgtEl>
-                    <p:sldTgt/>
-                  </p:tgtEl>
-                </p:cond>
-              </p:prevCondLst>
-              <p:nextCondLst>
-                <p:cond evt="onNext" delay="0">
-                  <p:tgtEl>
-                    <p:sldTgt/>
-                  </p:tgtEl>
-                </p:cond>
-              </p:nextCondLst>
-            </p:seq>
-          </p:childTnLst>
-        </p:cTn>
-      </p:par>
-    </p:tnLst>
-  </p:timing>
-</p:sld>
-</file>
-
-<file path=ppt/slides/slide12.xml><?xml version="1.0" encoding="utf-8"?>
-<p:sld xmlns:a="http://schemas.openxmlformats.org/drawingml/2006/main" xmlns:r="http://schemas.openxmlformats.org/officeDocument/2006/relationships" xmlns:p="http://schemas.openxmlformats.org/presentationml/2006/main">
-  <p:cSld>
-    <p:spTree>
-      <p:nvGrpSpPr>
-        <p:cNvPr id="1" name=""/>
-        <p:cNvGrpSpPr/>
-        <p:nvPr/>
-      </p:nvGrpSpPr>
-      <p:grpSpPr>
-        <a:xfrm>
-          <a:off x="0" y="0"/>
-          <a:ext cx="0" cy="0"/>
-          <a:chOff x="0" y="0"/>
-          <a:chExt cx="0" cy="0"/>
-        </a:xfrm>
-      </p:grpSpPr>
-      <p:sp>
-        <p:nvSpPr>
-          <p:cNvPr id="2" name="标题 1">
-            <a:extLst>
-              <a:ext uri="{FF2B5EF4-FFF2-40B4-BE49-F238E27FC236}">
-                <a16:creationId xmlns:a16="http://schemas.microsoft.com/office/drawing/2014/main" id="{507A1AFF-461C-4C8C-8BA2-C46D486D2BEC}"/>
-              </a:ext>
-            </a:extLst>
-          </p:cNvPr>
-          <p:cNvSpPr>
-            <a:spLocks noGrp="1"/>
-          </p:cNvSpPr>
-          <p:nvPr>
-            <p:ph type="title"/>
-          </p:nvPr>
-        </p:nvSpPr>
-        <p:spPr/>
-        <p:txBody>
-          <a:bodyPr/>
-          <a:lstStyle/>
-          <a:p>
-            <a:r>
-              <a:rPr lang="zh-CN" altLang="en-US" dirty="0"/>
-              <a:t>条件分支与循环</a:t>
-            </a:r>
-          </a:p>
-        </p:txBody>
-      </p:sp>
-      <p:sp>
-        <p:nvSpPr>
-          <p:cNvPr id="3" name="内容占位符 2">
-            <a:extLst>
-              <a:ext uri="{FF2B5EF4-FFF2-40B4-BE49-F238E27FC236}">
-                <a16:creationId xmlns:a16="http://schemas.microsoft.com/office/drawing/2014/main" id="{79F2809D-84E0-4CB2-B56E-0F7BF5B891A1}"/>
-              </a:ext>
-            </a:extLst>
-          </p:cNvPr>
-          <p:cNvSpPr>
-            <a:spLocks noGrp="1"/>
-          </p:cNvSpPr>
-          <p:nvPr>
-            <p:ph idx="1"/>
-          </p:nvPr>
-        </p:nvSpPr>
-        <p:spPr>
-          <a:xfrm>
-            <a:off x="1261871" y="1828800"/>
-            <a:ext cx="9042335" cy="4351337"/>
-          </a:xfrm>
-        </p:spPr>
-        <p:txBody>
-          <a:bodyPr>
-            <a:normAutofit/>
-          </a:bodyPr>
-          <a:lstStyle/>
-          <a:p>
-            <a:r>
-              <a:rPr lang="zh-CN" altLang="en-US" sz="2400" dirty="0"/>
-              <a:t>跳转指令的一种编码</a:t>
-            </a:r>
-            <a:r>
-              <a:rPr lang="en-US" altLang="zh-CN" sz="2400" dirty="0"/>
-              <a:t>——PC</a:t>
-            </a:r>
-            <a:r>
-              <a:rPr lang="zh-CN" altLang="en-US" sz="2400" dirty="0"/>
-              <a:t>相对寻址</a:t>
-            </a:r>
-            <a:endParaRPr lang="en-US" altLang="zh-CN" sz="2400" dirty="0"/>
-          </a:p>
-          <a:p>
-            <a:endParaRPr lang="en-US" altLang="zh-CN" sz="2400" dirty="0"/>
-          </a:p>
-          <a:p>
-            <a:endParaRPr lang="en-US" altLang="zh-CN" sz="2400" dirty="0"/>
-          </a:p>
-          <a:p>
-            <a:endParaRPr lang="en-US" altLang="zh-CN" sz="2400" dirty="0"/>
-          </a:p>
-          <a:p>
-            <a:r>
-              <a:rPr lang="zh-CN" altLang="en-US" sz="2400" dirty="0"/>
-              <a:t>第二行，欲跳转到</a:t>
-            </a:r>
-            <a:r>
-              <a:rPr lang="en-US" altLang="zh-CN" sz="2400" dirty="0"/>
-              <a:t>0x8</a:t>
-            </a:r>
-            <a:r>
-              <a:rPr lang="zh-CN" altLang="en-US" sz="2400" dirty="0"/>
-              <a:t>处，此时</a:t>
-            </a:r>
-            <a:r>
-              <a:rPr lang="en-US" altLang="zh-CN" sz="2400" dirty="0"/>
-              <a:t>PC</a:t>
-            </a:r>
-            <a:r>
-              <a:rPr lang="zh-CN" altLang="en-US" sz="2400" dirty="0"/>
-              <a:t>的值是</a:t>
-            </a:r>
-            <a:r>
-              <a:rPr lang="en-US" altLang="zh-CN" sz="2400" dirty="0"/>
-              <a:t>0x5</a:t>
-            </a:r>
-            <a:r>
-              <a:rPr lang="zh-CN" altLang="en-US" sz="2400" dirty="0"/>
-              <a:t>（下一条指令），</a:t>
-            </a:r>
-            <a:r>
-              <a:rPr lang="en-US" altLang="zh-CN" sz="2400" dirty="0"/>
-              <a:t>PC</a:t>
-            </a:r>
-            <a:r>
-              <a:rPr lang="zh-CN" altLang="en-US" sz="2400" dirty="0"/>
-              <a:t>相对寻址使用 跳转指令起始地址 </a:t>
-            </a:r>
-            <a:r>
-              <a:rPr lang="en-US" altLang="zh-CN" sz="2400" dirty="0"/>
-              <a:t>– </a:t>
-            </a:r>
-            <a:r>
-              <a:rPr lang="zh-CN" altLang="en-US" sz="2400" dirty="0"/>
-              <a:t>当前</a:t>
-            </a:r>
-            <a:r>
-              <a:rPr lang="en-US" altLang="zh-CN" sz="2400" dirty="0"/>
-              <a:t>PC</a:t>
-            </a:r>
-            <a:r>
-              <a:rPr lang="zh-CN" altLang="en-US" sz="2400" dirty="0"/>
-              <a:t>值 的结果来编码</a:t>
-            </a:r>
-            <a:endParaRPr lang="en-US" altLang="zh-CN" sz="2400" dirty="0"/>
-          </a:p>
-          <a:p>
-            <a:r>
-              <a:rPr lang="zh-CN" altLang="en-US" sz="2400" dirty="0"/>
-              <a:t>第五行类似，不过 </a:t>
-            </a:r>
-            <a:r>
-              <a:rPr lang="en-US" altLang="zh-CN" sz="2400" dirty="0"/>
-              <a:t>5 – d </a:t>
-            </a:r>
-            <a:r>
-              <a:rPr lang="zh-CN" altLang="en-US" sz="2400" dirty="0"/>
-              <a:t>为负数，用补码表示</a:t>
-            </a:r>
-            <a:endParaRPr lang="en-US" altLang="zh-CN" sz="2400" dirty="0"/>
-          </a:p>
-          <a:p>
-            <a:r>
-              <a:rPr lang="zh-CN" altLang="en-US" sz="2400" dirty="0"/>
-              <a:t>多字节时，注意大小端和相邻指令的地址</a:t>
-            </a:r>
-            <a:r>
-              <a:rPr lang="en-US" altLang="zh-CN" sz="2400" dirty="0"/>
-              <a:t> </a:t>
-            </a:r>
-            <a:endParaRPr lang="zh-CN" altLang="en-US" sz="2000" dirty="0"/>
-          </a:p>
-        </p:txBody>
-      </p:sp>
-      <p:pic>
-        <p:nvPicPr>
-          <p:cNvPr id="4" name="图片 3">
-            <a:extLst>
-              <a:ext uri="{FF2B5EF4-FFF2-40B4-BE49-F238E27FC236}">
-                <a16:creationId xmlns:a16="http://schemas.microsoft.com/office/drawing/2014/main" id="{B40087C1-41F7-4217-BE59-87F2A4C6F206}"/>
-              </a:ext>
-            </a:extLst>
-          </p:cNvPr>
-          <p:cNvPicPr>
-            <a:picLocks noChangeAspect="1"/>
-          </p:cNvPicPr>
-          <p:nvPr/>
-        </p:nvPicPr>
-        <p:blipFill>
-          <a:blip r:embed="rId3"/>
-          <a:stretch>
-            <a:fillRect/>
-          </a:stretch>
-        </p:blipFill>
-        <p:spPr>
-          <a:xfrm>
-            <a:off x="1587909" y="2462827"/>
-            <a:ext cx="5181600" cy="1362075"/>
-          </a:xfrm>
-          <a:prstGeom prst="rect">
-            <a:avLst/>
-          </a:prstGeom>
-        </p:spPr>
-      </p:pic>
-    </p:spTree>
-    <p:extLst>
-      <p:ext uri="{BB962C8B-B14F-4D97-AF65-F5344CB8AC3E}">
-        <p14:creationId xmlns:p14="http://schemas.microsoft.com/office/powerpoint/2010/main" val="2599877655"/>
-      </p:ext>
-    </p:extLst>
-  </p:cSld>
-  <p:clrMapOvr>
-    <a:masterClrMapping/>
-  </p:clrMapOvr>
-</p:sld>
-</file>
-
-<file path=ppt/slides/slide13.xml><?xml version="1.0" encoding="utf-8"?>
-<p:sld xmlns:a="http://schemas.openxmlformats.org/drawingml/2006/main" xmlns:r="http://schemas.openxmlformats.org/officeDocument/2006/relationships" xmlns:p="http://schemas.openxmlformats.org/presentationml/2006/main">
-  <p:cSld>
-    <p:spTree>
-      <p:nvGrpSpPr>
-        <p:cNvPr id="1" name=""/>
-        <p:cNvGrpSpPr/>
-        <p:nvPr/>
-      </p:nvGrpSpPr>
-      <p:grpSpPr>
-        <a:xfrm>
-          <a:off x="0" y="0"/>
-          <a:ext cx="0" cy="0"/>
-          <a:chOff x="0" y="0"/>
-          <a:chExt cx="0" cy="0"/>
-        </a:xfrm>
-      </p:grpSpPr>
-      <p:sp>
-        <p:nvSpPr>
-          <p:cNvPr id="2" name="标题 1">
-            <a:extLst>
-              <a:ext uri="{FF2B5EF4-FFF2-40B4-BE49-F238E27FC236}">
-                <a16:creationId xmlns:a16="http://schemas.microsoft.com/office/drawing/2014/main" id="{A617D1DA-CA01-45EF-ACC9-71BB2FD520C7}"/>
-              </a:ext>
-            </a:extLst>
-          </p:cNvPr>
-          <p:cNvSpPr>
-            <a:spLocks noGrp="1"/>
-          </p:cNvSpPr>
-          <p:nvPr>
-            <p:ph type="title"/>
-          </p:nvPr>
-        </p:nvSpPr>
-        <p:spPr/>
-        <p:txBody>
-          <a:bodyPr/>
-          <a:lstStyle/>
-          <a:p>
-            <a:r>
-              <a:rPr lang="zh-CN" altLang="en-US" dirty="0"/>
-              <a:t>栈与函数调用</a:t>
-            </a:r>
-          </a:p>
-        </p:txBody>
-      </p:sp>
-      <p:sp>
-        <p:nvSpPr>
-          <p:cNvPr id="3" name="内容占位符 2">
-            <a:extLst>
-              <a:ext uri="{FF2B5EF4-FFF2-40B4-BE49-F238E27FC236}">
-                <a16:creationId xmlns:a16="http://schemas.microsoft.com/office/drawing/2014/main" id="{857AF7C5-D85A-400B-AE2A-983A972B6E3C}"/>
-              </a:ext>
-            </a:extLst>
-          </p:cNvPr>
-          <p:cNvSpPr>
-            <a:spLocks noGrp="1"/>
-          </p:cNvSpPr>
-          <p:nvPr>
-            <p:ph idx="1"/>
-          </p:nvPr>
-        </p:nvSpPr>
-        <p:spPr>
-          <a:xfrm>
-            <a:off x="966904" y="1828800"/>
-            <a:ext cx="8595360" cy="4866968"/>
-          </a:xfrm>
-        </p:spPr>
-        <p:txBody>
-          <a:bodyPr>
-            <a:normAutofit/>
-          </a:bodyPr>
-          <a:lstStyle/>
-          <a:p>
-            <a:pPr>
-              <a:lnSpc>
-                <a:spcPct val="120000"/>
-              </a:lnSpc>
-            </a:pPr>
-            <a:r>
-              <a:rPr lang="zh-CN" altLang="en-US" sz="2400" dirty="0"/>
-              <a:t>栈帧的结构</a:t>
-            </a:r>
-            <a:endParaRPr lang="en-US" altLang="zh-CN" sz="2400" dirty="0"/>
-          </a:p>
-          <a:p>
-            <a:pPr lvl="1"/>
-            <a:r>
-              <a:rPr lang="zh-CN" altLang="en-US" sz="1800" dirty="0"/>
-              <a:t>调用函数前，首先从后往前压参数入栈（多于</a:t>
-            </a:r>
-            <a:r>
-              <a:rPr lang="en-US" altLang="zh-CN" sz="1800" dirty="0"/>
-              <a:t>6</a:t>
-            </a:r>
-            <a:r>
-              <a:rPr lang="zh-CN" altLang="en-US" sz="1800" dirty="0"/>
-              <a:t>个时）</a:t>
-            </a:r>
-            <a:endParaRPr lang="en-US" altLang="zh-CN" sz="1800" dirty="0"/>
-          </a:p>
-          <a:p>
-            <a:pPr lvl="1"/>
-            <a:r>
-              <a:rPr lang="zh-CN" altLang="en-US" sz="1800" dirty="0"/>
-              <a:t>然后</a:t>
-            </a:r>
-            <a:r>
-              <a:rPr lang="en-US" altLang="zh-CN" sz="1800" dirty="0"/>
-              <a:t>call</a:t>
-            </a:r>
-            <a:r>
-              <a:rPr lang="zh-CN" altLang="en-US" sz="1800" dirty="0"/>
-              <a:t>指令会把返回地址（下一条指令的地址）压入栈</a:t>
-            </a:r>
-            <a:endParaRPr lang="en-US" altLang="zh-CN" sz="1800" dirty="0"/>
-          </a:p>
-          <a:p>
-            <a:pPr lvl="1"/>
-            <a:r>
-              <a:rPr lang="zh-CN" altLang="en-US" sz="1800" dirty="0"/>
-              <a:t>接下来的栈帧归由调用的函数管辖</a:t>
-            </a:r>
-            <a:endParaRPr lang="en-US" altLang="zh-CN" sz="1800" dirty="0"/>
-          </a:p>
-          <a:p>
-            <a:pPr lvl="1"/>
-            <a:r>
-              <a:rPr lang="zh-CN" altLang="en-US" sz="1800" dirty="0"/>
-              <a:t>返回之前，会首先清空被调用函数使用的栈帧，再调用</a:t>
-            </a:r>
-            <a:r>
-              <a:rPr lang="en-US" altLang="zh-CN" sz="1800" dirty="0"/>
-              <a:t>ret</a:t>
-            </a:r>
-            <a:endParaRPr lang="zh-CN" altLang="en-US" sz="1800" dirty="0"/>
-          </a:p>
-          <a:p>
-            <a:pPr>
-              <a:lnSpc>
-                <a:spcPct val="120000"/>
-              </a:lnSpc>
-            </a:pPr>
-            <a:r>
-              <a:rPr lang="zh-CN" altLang="en-US" sz="2400" dirty="0"/>
-              <a:t>栈上的数据存储</a:t>
-            </a:r>
-            <a:endParaRPr lang="en-US" altLang="zh-CN" sz="2400" dirty="0"/>
-          </a:p>
-          <a:p>
-            <a:pPr lvl="1">
-              <a:lnSpc>
-                <a:spcPct val="120000"/>
-              </a:lnSpc>
-            </a:pPr>
-            <a:r>
-              <a:rPr lang="en-US" altLang="zh-CN" sz="1800" dirty="0"/>
-              <a:t>Q</a:t>
-            </a:r>
-            <a:r>
-              <a:rPr lang="zh-CN" altLang="en-US" sz="1800" dirty="0"/>
-              <a:t>：何时使用栈存放局部变量？</a:t>
-            </a:r>
-            <a:endParaRPr lang="en-US" altLang="zh-CN" sz="1800" dirty="0"/>
-          </a:p>
-          <a:p>
-            <a:pPr lvl="2">
-              <a:lnSpc>
-                <a:spcPct val="120000"/>
-              </a:lnSpc>
-            </a:pPr>
-            <a:r>
-              <a:rPr lang="zh-CN" altLang="en-US" sz="1600" dirty="0"/>
-              <a:t>寄存器不够</a:t>
-            </a:r>
-            <a:endParaRPr lang="en-US" altLang="zh-CN" sz="1600" dirty="0"/>
-          </a:p>
-          <a:p>
-            <a:pPr lvl="2">
-              <a:lnSpc>
-                <a:spcPct val="120000"/>
-              </a:lnSpc>
-            </a:pPr>
-            <a:r>
-              <a:rPr lang="zh-CN" altLang="en-US" sz="1600" dirty="0"/>
-              <a:t>对某个局部变量取址</a:t>
-            </a:r>
-            <a:endParaRPr lang="en-US" altLang="zh-CN" sz="1600" dirty="0"/>
-          </a:p>
-          <a:p>
-            <a:pPr lvl="2">
-              <a:lnSpc>
-                <a:spcPct val="120000"/>
-              </a:lnSpc>
-            </a:pPr>
-            <a:r>
-              <a:rPr lang="zh-CN" altLang="en-US" sz="1600" dirty="0"/>
-              <a:t>要求能够用指针访问的局部变量（结构、数组）</a:t>
-            </a:r>
-            <a:endParaRPr lang="en-US" altLang="zh-CN" sz="1600" dirty="0"/>
-          </a:p>
-          <a:p>
-            <a:pPr lvl="1">
-              <a:lnSpc>
-                <a:spcPct val="120000"/>
-              </a:lnSpc>
-            </a:pPr>
-            <a:r>
-              <a:rPr lang="en-US" altLang="zh-CN" sz="1800" dirty="0"/>
-              <a:t>Q</a:t>
-            </a:r>
-            <a:r>
-              <a:rPr lang="zh-CN" altLang="en-US" sz="1800" dirty="0"/>
-              <a:t>：栈上数据的对齐规则？</a:t>
-            </a:r>
-            <a:endParaRPr lang="en-US" altLang="zh-CN" sz="1800" dirty="0"/>
-          </a:p>
-          <a:p>
-            <a:pPr lvl="2">
-              <a:lnSpc>
-                <a:spcPct val="120000"/>
-              </a:lnSpc>
-            </a:pPr>
-            <a:r>
-              <a:rPr lang="zh-CN" altLang="en-US" sz="1600" dirty="0"/>
-              <a:t>传递参数时</a:t>
-            </a:r>
-            <a:r>
-              <a:rPr lang="en-US" altLang="zh-CN" sz="1600" dirty="0"/>
-              <a:t>8</a:t>
-            </a:r>
-            <a:r>
-              <a:rPr lang="zh-CN" altLang="en-US" sz="1600" dirty="0"/>
-              <a:t>字节对齐（栈帧</a:t>
-            </a:r>
-            <a:r>
-              <a:rPr lang="en-US" altLang="zh-CN" sz="1600" dirty="0"/>
-              <a:t>16</a:t>
-            </a:r>
-            <a:r>
-              <a:rPr lang="zh-CN" altLang="en-US" sz="1600" dirty="0"/>
-              <a:t>字节对齐）</a:t>
-            </a:r>
-            <a:endParaRPr lang="en-US" altLang="zh-CN" sz="1600" dirty="0"/>
-          </a:p>
-          <a:p>
-            <a:pPr lvl="1">
-              <a:lnSpc>
-                <a:spcPct val="120000"/>
-              </a:lnSpc>
-            </a:pPr>
-            <a:endParaRPr lang="en-US" altLang="zh-CN" sz="2200" dirty="0"/>
-          </a:p>
-        </p:txBody>
-      </p:sp>
-      <p:pic>
-        <p:nvPicPr>
-          <p:cNvPr id="5" name="图片 4">
-            <a:extLst>
-              <a:ext uri="{FF2B5EF4-FFF2-40B4-BE49-F238E27FC236}">
-                <a16:creationId xmlns:a16="http://schemas.microsoft.com/office/drawing/2014/main" id="{200DFACB-99A8-4448-B6F5-92BEA3A1F249}"/>
-              </a:ext>
-            </a:extLst>
-          </p:cNvPr>
-          <p:cNvPicPr>
-            <a:picLocks noChangeAspect="1"/>
-          </p:cNvPicPr>
-          <p:nvPr/>
-        </p:nvPicPr>
-        <p:blipFill>
-          <a:blip r:embed="rId3"/>
-          <a:stretch>
-            <a:fillRect/>
-          </a:stretch>
-        </p:blipFill>
-        <p:spPr>
-          <a:xfrm>
-            <a:off x="7639597" y="367665"/>
-            <a:ext cx="4238625" cy="6124575"/>
-          </a:xfrm>
-          <a:prstGeom prst="rect">
-            <a:avLst/>
-          </a:prstGeom>
-        </p:spPr>
-      </p:pic>
-    </p:spTree>
-    <p:extLst>
-      <p:ext uri="{BB962C8B-B14F-4D97-AF65-F5344CB8AC3E}">
-        <p14:creationId xmlns:p14="http://schemas.microsoft.com/office/powerpoint/2010/main" val="965499667"/>
-      </p:ext>
-    </p:extLst>
-  </p:cSld>
-  <p:clrMapOvr>
-    <a:masterClrMapping/>
-  </p:clrMapOvr>
-  <p:timing>
-    <p:tnLst>
-      <p:par>
-        <p:cTn id="1" dur="indefinite" restart="never" nodeType="tmRoot">
-          <p:childTnLst>
-            <p:seq concurrent="1" nextAc="seek">
-              <p:cTn id="2" dur="indefinite" nodeType="mainSeq">
-                <p:childTnLst>
-                  <p:par>
-                    <p:cTn id="3" fill="hold">
-                      <p:stCondLst>
-                        <p:cond delay="indefinite"/>
-                      </p:stCondLst>
-                      <p:childTnLst>
-                        <p:par>
-                          <p:cTn id="4" fill="hold">
-                            <p:stCondLst>
-                              <p:cond delay="0"/>
-                            </p:stCondLst>
-                            <p:childTnLst>
-                              <p:par>
-                                <p:cTn id="5" presetID="1" presetClass="entr" presetSubtype="0" fill="hold" nodeType="clickEffect">
-                                  <p:stCondLst>
-                                    <p:cond delay="0"/>
-                                  </p:stCondLst>
-                                  <p:childTnLst>
-                                    <p:set>
-                                      <p:cBhvr>
-                                        <p:cTn id="6" dur="1" fill="hold">
-                                          <p:stCondLst>
-                                            <p:cond delay="0"/>
-                                          </p:stCondLst>
-                                        </p:cTn>
-                                        <p:tgtEl>
-                                          <p:spTgt spid="3">
-                                            <p:txEl>
-                                              <p:pRg st="7" end="7"/>
-                                            </p:txEl>
-                                          </p:spTgt>
-                                        </p:tgtEl>
-                                        <p:attrNameLst>
-                                          <p:attrName>style.visibility</p:attrName>
-                                        </p:attrNameLst>
-                                      </p:cBhvr>
-                                      <p:to>
-                                        <p:strVal val="visible"/>
-                                      </p:to>
-                                    </p:set>
-                                  </p:childTnLst>
-                                </p:cTn>
-                              </p:par>
-                            </p:childTnLst>
-                          </p:cTn>
-                        </p:par>
-                      </p:childTnLst>
-                    </p:cTn>
-                  </p:par>
-                  <p:par>
-                    <p:cTn id="7" fill="hold">
-                      <p:stCondLst>
-                        <p:cond delay="indefinite"/>
-                      </p:stCondLst>
-                      <p:childTnLst>
-                        <p:par>
-                          <p:cTn id="8" fill="hold">
-                            <p:stCondLst>
-                              <p:cond delay="0"/>
-                            </p:stCondLst>
-                            <p:childTnLst>
-                              <p:par>
-                                <p:cTn id="9" presetID="1" presetClass="entr" presetSubtype="0" fill="hold" nodeType="clickEffect">
-                                  <p:stCondLst>
-                                    <p:cond delay="0"/>
-                                  </p:stCondLst>
-                                  <p:childTnLst>
-                                    <p:set>
-                                      <p:cBhvr>
-                                        <p:cTn id="10" dur="1" fill="hold">
-                                          <p:stCondLst>
-                                            <p:cond delay="0"/>
-                                          </p:stCondLst>
-                                        </p:cTn>
-                                        <p:tgtEl>
-                                          <p:spTgt spid="3">
-                                            <p:txEl>
-                                              <p:pRg st="8" end="8"/>
-                                            </p:txEl>
-                                          </p:spTgt>
-                                        </p:tgtEl>
-                                        <p:attrNameLst>
-                                          <p:attrName>style.visibility</p:attrName>
-                                        </p:attrNameLst>
-                                      </p:cBhvr>
-                                      <p:to>
-                                        <p:strVal val="visible"/>
-                                      </p:to>
-                                    </p:set>
-                                  </p:childTnLst>
-                                </p:cTn>
-                              </p:par>
-                            </p:childTnLst>
-                          </p:cTn>
-                        </p:par>
-                      </p:childTnLst>
-                    </p:cTn>
-                  </p:par>
-                  <p:par>
-                    <p:cTn id="11" fill="hold">
-                      <p:stCondLst>
-                        <p:cond delay="indefinite"/>
-                      </p:stCondLst>
-                      <p:childTnLst>
-                        <p:par>
-                          <p:cTn id="12" fill="hold">
-                            <p:stCondLst>
-                              <p:cond delay="0"/>
-                            </p:stCondLst>
-                            <p:childTnLst>
-                              <p:par>
-                                <p:cTn id="13" presetID="1" presetClass="entr" presetSubtype="0" fill="hold" nodeType="clickEffect">
-                                  <p:stCondLst>
-                                    <p:cond delay="0"/>
-                                  </p:stCondLst>
-                                  <p:childTnLst>
-                                    <p:set>
-                                      <p:cBhvr>
-                                        <p:cTn id="14" dur="1" fill="hold">
-                                          <p:stCondLst>
-                                            <p:cond delay="0"/>
-                                          </p:stCondLst>
-                                        </p:cTn>
-                                        <p:tgtEl>
-                                          <p:spTgt spid="3">
-                                            <p:txEl>
-                                              <p:pRg st="9" end="9"/>
-                                            </p:txEl>
-                                          </p:spTgt>
-                                        </p:tgtEl>
-                                        <p:attrNameLst>
-                                          <p:attrName>style.visibility</p:attrName>
-                                        </p:attrNameLst>
-                                      </p:cBhvr>
-                                      <p:to>
-                                        <p:strVal val="visible"/>
-                                      </p:to>
-                                    </p:set>
-                                  </p:childTnLst>
-                                </p:cTn>
-                              </p:par>
-                            </p:childTnLst>
-                          </p:cTn>
-                        </p:par>
-                      </p:childTnLst>
-                    </p:cTn>
-                  </p:par>
-                  <p:par>
-                    <p:cTn id="15" fill="hold">
-                      <p:stCondLst>
-                        <p:cond delay="indefinite"/>
-                      </p:stCondLst>
-                      <p:childTnLst>
-                        <p:par>
-                          <p:cTn id="16" fill="hold">
-                            <p:stCondLst>
-                              <p:cond delay="0"/>
-                            </p:stCondLst>
-                            <p:childTnLst>
-                              <p:par>
-                                <p:cTn id="17" presetID="1" presetClass="entr" presetSubtype="0" fill="hold" nodeType="clickEffect">
-                                  <p:stCondLst>
-                                    <p:cond delay="0"/>
-                                  </p:stCondLst>
-                                  <p:childTnLst>
-                                    <p:set>
-                                      <p:cBhvr>
-                                        <p:cTn id="18" dur="1" fill="hold">
-                                          <p:stCondLst>
-                                            <p:cond delay="0"/>
-                                          </p:stCondLst>
-                                        </p:cTn>
-                                        <p:tgtEl>
-                                          <p:spTgt spid="3">
-                                            <p:txEl>
-                                              <p:pRg st="11" end="11"/>
-                                            </p:txEl>
-                                          </p:spTgt>
-                                        </p:tgtEl>
-                                        <p:attrNameLst>
-                                          <p:attrName>style.visibility</p:attrName>
-                                        </p:attrNameLst>
-                                      </p:cBhvr>
-                                      <p:to>
-                                        <p:strVal val="visible"/>
-                                      </p:to>
-                                    </p:set>
-                                  </p:childTnLst>
-                                </p:cTn>
-                              </p:par>
-                            </p:childTnLst>
-                          </p:cTn>
-                        </p:par>
-                      </p:childTnLst>
-                    </p:cTn>
-                  </p:par>
-                </p:childTnLst>
-              </p:cTn>
-              <p:prevCondLst>
-                <p:cond evt="onPrev" delay="0">
-                  <p:tgtEl>
-                    <p:sldTgt/>
-                  </p:tgtEl>
-                </p:cond>
-              </p:prevCondLst>
-              <p:nextCondLst>
-                <p:cond evt="onNext" delay="0">
-                  <p:tgtEl>
-                    <p:sldTgt/>
-                  </p:tgtEl>
-                </p:cond>
-              </p:nextCondLst>
-            </p:seq>
-          </p:childTnLst>
-        </p:cTn>
-      </p:par>
-    </p:tnLst>
-  </p:timing>
-</p:sld>
-</file>
-
-<file path=ppt/slides/slide14.xml><?xml version="1.0" encoding="utf-8"?>
-<p:sld xmlns:a="http://schemas.openxmlformats.org/drawingml/2006/main" xmlns:r="http://schemas.openxmlformats.org/officeDocument/2006/relationships" xmlns:p="http://schemas.openxmlformats.org/presentationml/2006/main">
-  <p:cSld>
-    <p:spTree>
-      <p:nvGrpSpPr>
-        <p:cNvPr id="1" name=""/>
-        <p:cNvGrpSpPr/>
-        <p:nvPr/>
-      </p:nvGrpSpPr>
-      <p:grpSpPr>
-        <a:xfrm>
-          <a:off x="0" y="0"/>
-          <a:ext cx="0" cy="0"/>
-          <a:chOff x="0" y="0"/>
-          <a:chExt cx="0" cy="0"/>
-        </a:xfrm>
-      </p:grpSpPr>
-      <p:sp>
-        <p:nvSpPr>
-          <p:cNvPr id="2" name="标题 1">
-            <a:extLst>
-              <a:ext uri="{FF2B5EF4-FFF2-40B4-BE49-F238E27FC236}">
-                <a16:creationId xmlns:a16="http://schemas.microsoft.com/office/drawing/2014/main" id="{3B8E5ED0-4749-452A-9F06-34C211DCFF19}"/>
-              </a:ext>
-            </a:extLst>
-          </p:cNvPr>
-          <p:cNvSpPr>
-            <a:spLocks noGrp="1"/>
-          </p:cNvSpPr>
-          <p:nvPr>
-            <p:ph type="title"/>
-          </p:nvPr>
-        </p:nvSpPr>
-        <p:spPr/>
-        <p:txBody>
-          <a:bodyPr/>
-          <a:lstStyle/>
-          <a:p>
-            <a:r>
-              <a:rPr lang="zh-CN" altLang="en-US" dirty="0"/>
-              <a:t>栈与函数调用</a:t>
-            </a:r>
-          </a:p>
-        </p:txBody>
-      </p:sp>
-      <p:sp>
-        <p:nvSpPr>
-          <p:cNvPr id="3" name="内容占位符 2">
-            <a:extLst>
-              <a:ext uri="{FF2B5EF4-FFF2-40B4-BE49-F238E27FC236}">
-                <a16:creationId xmlns:a16="http://schemas.microsoft.com/office/drawing/2014/main" id="{0DB5F682-3F26-4B18-BE73-47D0E29E0304}"/>
-              </a:ext>
-            </a:extLst>
-          </p:cNvPr>
-          <p:cNvSpPr>
-            <a:spLocks noGrp="1"/>
-          </p:cNvSpPr>
-          <p:nvPr>
-            <p:ph idx="1"/>
-          </p:nvPr>
-        </p:nvSpPr>
-        <p:spPr>
-          <a:xfrm>
-            <a:off x="989571" y="1828800"/>
-            <a:ext cx="6043496" cy="4739148"/>
-          </a:xfrm>
-        </p:spPr>
-        <p:txBody>
-          <a:bodyPr>
-            <a:normAutofit/>
-          </a:bodyPr>
-          <a:lstStyle/>
-          <a:p>
-            <a:r>
-              <a:rPr lang="zh-CN" altLang="en-US" sz="2000" dirty="0"/>
-              <a:t>“调用者保存”与“被调用者保存”（使用惯例）</a:t>
-            </a:r>
-            <a:endParaRPr lang="en-US" altLang="zh-CN" sz="2000" dirty="0"/>
-          </a:p>
-          <a:p>
-            <a:pPr lvl="1">
-              <a:lnSpc>
-                <a:spcPct val="120000"/>
-              </a:lnSpc>
-            </a:pPr>
-            <a:r>
-              <a:rPr lang="zh-CN" altLang="en-US" sz="1800" dirty="0"/>
-              <a:t>“</a:t>
-            </a:r>
-            <a:r>
-              <a:rPr lang="en-US" altLang="zh-CN" sz="1800" dirty="0" err="1"/>
-              <a:t>callee</a:t>
-            </a:r>
-            <a:r>
-              <a:rPr lang="zh-CN" altLang="en-US" sz="1800" dirty="0"/>
-              <a:t> </a:t>
-            </a:r>
-            <a:r>
-              <a:rPr lang="en-US" altLang="zh-CN" sz="1800" dirty="0"/>
-              <a:t>saved</a:t>
-            </a:r>
-            <a:r>
-              <a:rPr lang="zh-CN" altLang="en-US" sz="1800" dirty="0"/>
-              <a:t>”指的是，如果这个函数被别的函数调用，</a:t>
-            </a:r>
-            <a:r>
-              <a:rPr lang="zh-CN" altLang="en-US" sz="1800" dirty="0">
-                <a:solidFill>
-                  <a:srgbClr val="FFFF00"/>
-                </a:solidFill>
-              </a:rPr>
-              <a:t>在运行的开头和结尾</a:t>
-            </a:r>
-            <a:r>
-              <a:rPr lang="zh-CN" altLang="en-US" sz="1800" dirty="0"/>
-              <a:t>，这些寄存器的值必须保持一致；尽管它们的值在运行过程中可以有变化。</a:t>
-            </a:r>
-            <a:r>
-              <a:rPr lang="en-US" altLang="zh-CN" sz="1800" dirty="0"/>
-              <a:t>%</a:t>
-            </a:r>
-            <a:r>
-              <a:rPr lang="en-US" altLang="zh-CN" sz="1800" dirty="0" err="1"/>
-              <a:t>rbp</a:t>
-            </a:r>
-            <a:r>
-              <a:rPr lang="en-US" altLang="zh-CN" sz="1800" dirty="0"/>
-              <a:t>,</a:t>
-            </a:r>
-            <a:r>
-              <a:rPr lang="zh-CN" altLang="en-US" sz="1800" dirty="0"/>
-              <a:t> </a:t>
-            </a:r>
-            <a:r>
-              <a:rPr lang="en-US" altLang="zh-CN" sz="1800" dirty="0"/>
-              <a:t>%</a:t>
-            </a:r>
-            <a:r>
-              <a:rPr lang="en-US" altLang="zh-CN" sz="1800" dirty="0" err="1"/>
-              <a:t>rbx</a:t>
-            </a:r>
-            <a:r>
-              <a:rPr lang="en-US" altLang="zh-CN" sz="1800" dirty="0"/>
-              <a:t>,</a:t>
-            </a:r>
-            <a:r>
-              <a:rPr lang="zh-CN" altLang="en-US" sz="1800" dirty="0"/>
-              <a:t> </a:t>
-            </a:r>
-            <a:r>
-              <a:rPr lang="en-US" altLang="zh-CN" sz="1800" dirty="0"/>
-              <a:t>%r12-%r15</a:t>
-            </a:r>
-            <a:endParaRPr lang="zh-CN" altLang="en-US" sz="1800" dirty="0"/>
-          </a:p>
-          <a:p>
-            <a:pPr lvl="1">
-              <a:lnSpc>
-                <a:spcPct val="120000"/>
-              </a:lnSpc>
-            </a:pPr>
-            <a:r>
-              <a:rPr lang="zh-CN" altLang="en-US" sz="1800" dirty="0"/>
-              <a:t>“</a:t>
-            </a:r>
-            <a:r>
-              <a:rPr lang="en-US" altLang="zh-CN" sz="1800" dirty="0"/>
-              <a:t>caller</a:t>
-            </a:r>
-            <a:r>
-              <a:rPr lang="zh-CN" altLang="en-US" sz="1800" dirty="0"/>
-              <a:t> </a:t>
-            </a:r>
-            <a:r>
-              <a:rPr lang="en-US" altLang="zh-CN" sz="1800" dirty="0"/>
-              <a:t>saved</a:t>
-            </a:r>
-            <a:r>
-              <a:rPr lang="zh-CN" altLang="en-US" sz="1800" dirty="0"/>
-              <a:t>”指的是，如果当前函数要调用其他函数，由于</a:t>
-            </a:r>
-            <a:r>
-              <a:rPr lang="zh-CN" altLang="en-US" sz="1800" dirty="0">
-                <a:solidFill>
-                  <a:srgbClr val="FFFF00"/>
-                </a:solidFill>
-              </a:rPr>
-              <a:t>任何过程都可以修改它们</a:t>
-            </a:r>
-            <a:r>
-              <a:rPr lang="zh-CN" altLang="en-US" sz="1800" dirty="0"/>
-              <a:t>，所以当前函数要先把这些寄存器保管好</a:t>
-            </a:r>
-            <a:endParaRPr lang="en-US" altLang="zh-CN" sz="1800" dirty="0"/>
-          </a:p>
-          <a:p>
-            <a:r>
-              <a:rPr lang="zh-CN" altLang="en-US" sz="2000" dirty="0"/>
-              <a:t>右侧代码的</a:t>
-            </a:r>
-            <a:r>
-              <a:rPr lang="en-US" altLang="zh-CN" sz="2000" dirty="0"/>
-              <a:t>2-3</a:t>
-            </a:r>
-            <a:r>
-              <a:rPr lang="zh-CN" altLang="en-US" sz="2000" dirty="0"/>
-              <a:t>行、</a:t>
-            </a:r>
-            <a:r>
-              <a:rPr lang="en-US" altLang="zh-CN" sz="2000" dirty="0"/>
-              <a:t>13-14</a:t>
-            </a:r>
-            <a:r>
-              <a:rPr lang="zh-CN" altLang="en-US" sz="2000" dirty="0"/>
-              <a:t>行</a:t>
-            </a:r>
-            <a:endParaRPr lang="en-US" altLang="zh-CN" sz="2000" dirty="0"/>
-          </a:p>
-          <a:p>
-            <a:pPr lvl="1">
-              <a:lnSpc>
-                <a:spcPct val="120000"/>
-              </a:lnSpc>
-            </a:pPr>
-            <a:r>
-              <a:rPr lang="zh-CN" altLang="en-US" sz="1800" dirty="0"/>
-              <a:t>因为</a:t>
-            </a:r>
-            <a:r>
-              <a:rPr lang="en-US" altLang="zh-CN" sz="1800" dirty="0"/>
-              <a:t>5</a:t>
-            </a:r>
-            <a:r>
-              <a:rPr lang="zh-CN" altLang="en-US" sz="1800" dirty="0"/>
-              <a:t>、</a:t>
-            </a:r>
-            <a:r>
-              <a:rPr lang="en-US" altLang="zh-CN" sz="1800" dirty="0"/>
-              <a:t>8</a:t>
-            </a:r>
-            <a:r>
-              <a:rPr lang="zh-CN" altLang="en-US" sz="1800" dirty="0"/>
-              <a:t>行使用了这两个被调用者保存寄存器</a:t>
-            </a:r>
-          </a:p>
-        </p:txBody>
-      </p:sp>
-      <p:pic>
-        <p:nvPicPr>
-          <p:cNvPr id="4" name="图片 3">
-            <a:extLst>
-              <a:ext uri="{FF2B5EF4-FFF2-40B4-BE49-F238E27FC236}">
-                <a16:creationId xmlns:a16="http://schemas.microsoft.com/office/drawing/2014/main" id="{5978E099-3BD4-4F05-A5E4-B8EF30AC1ED6}"/>
-              </a:ext>
-            </a:extLst>
-          </p:cNvPr>
-          <p:cNvPicPr>
-            <a:picLocks noChangeAspect="1"/>
-          </p:cNvPicPr>
-          <p:nvPr/>
-        </p:nvPicPr>
-        <p:blipFill>
-          <a:blip r:embed="rId3"/>
-          <a:stretch>
-            <a:fillRect/>
-          </a:stretch>
-        </p:blipFill>
-        <p:spPr>
-          <a:xfrm>
-            <a:off x="8299891" y="677863"/>
-            <a:ext cx="2493750" cy="1664694"/>
-          </a:xfrm>
-          <a:prstGeom prst="rect">
-            <a:avLst/>
-          </a:prstGeom>
-        </p:spPr>
-      </p:pic>
-      <p:pic>
-        <p:nvPicPr>
-          <p:cNvPr id="5" name="图片 4">
-            <a:extLst>
-              <a:ext uri="{FF2B5EF4-FFF2-40B4-BE49-F238E27FC236}">
-                <a16:creationId xmlns:a16="http://schemas.microsoft.com/office/drawing/2014/main" id="{2D193291-E4B0-4E79-869B-B73592AF2414}"/>
-              </a:ext>
-            </a:extLst>
-          </p:cNvPr>
-          <p:cNvPicPr>
-            <a:picLocks noChangeAspect="1"/>
-          </p:cNvPicPr>
-          <p:nvPr/>
-        </p:nvPicPr>
-        <p:blipFill>
-          <a:blip r:embed="rId4"/>
-          <a:stretch>
-            <a:fillRect/>
-          </a:stretch>
-        </p:blipFill>
-        <p:spPr>
-          <a:xfrm>
-            <a:off x="7207045" y="2654660"/>
-            <a:ext cx="4679442" cy="3231301"/>
-          </a:xfrm>
-          <a:prstGeom prst="rect">
-            <a:avLst/>
-          </a:prstGeom>
-        </p:spPr>
-      </p:pic>
-    </p:spTree>
-    <p:extLst>
-      <p:ext uri="{BB962C8B-B14F-4D97-AF65-F5344CB8AC3E}">
-        <p14:creationId xmlns:p14="http://schemas.microsoft.com/office/powerpoint/2010/main" val="864192025"/>
-      </p:ext>
-    </p:extLst>
-  </p:cSld>
-  <p:clrMapOvr>
-    <a:masterClrMapping/>
-  </p:clrMapOvr>
-</p:sld>
-</file>
-
-<file path=ppt/slides/slide2.xml><?xml version="1.0" encoding="utf-8"?>
-<p:sld xmlns:a="http://schemas.openxmlformats.org/drawingml/2006/main" xmlns:r="http://schemas.openxmlformats.org/officeDocument/2006/relationships" xmlns:p="http://schemas.openxmlformats.org/presentationml/2006/main">
-  <p:cSld>
-    <p:spTree>
-      <p:nvGrpSpPr>
-        <p:cNvPr id="1" name=""/>
-        <p:cNvGrpSpPr/>
-        <p:nvPr/>
-      </p:nvGrpSpPr>
-      <p:grpSpPr>
-        <a:xfrm>
-          <a:off x="0" y="0"/>
-          <a:ext cx="0" cy="0"/>
-          <a:chOff x="0" y="0"/>
-          <a:chExt cx="0" cy="0"/>
-        </a:xfrm>
-      </p:grpSpPr>
-      <p:sp>
-        <p:nvSpPr>
-          <p:cNvPr id="2" name="标题 1">
-            <a:extLst>
-              <a:ext uri="{FF2B5EF4-FFF2-40B4-BE49-F238E27FC236}">
-                <a16:creationId xmlns:a16="http://schemas.microsoft.com/office/drawing/2014/main" id="{70AAF145-5B26-4D43-957B-AE317080A7E0}"/>
-              </a:ext>
-            </a:extLst>
-          </p:cNvPr>
-          <p:cNvSpPr>
-            <a:spLocks noGrp="1"/>
-          </p:cNvSpPr>
-          <p:nvPr>
-            <p:ph type="title"/>
-          </p:nvPr>
-        </p:nvSpPr>
-        <p:spPr/>
-        <p:txBody>
-          <a:bodyPr/>
-          <a:lstStyle/>
-          <a:p>
-            <a:r>
-              <a:rPr lang="en-US" altLang="zh-CN" dirty="0"/>
-              <a:t>Contents</a:t>
-            </a:r>
-            <a:endParaRPr lang="zh-CN" altLang="en-US" dirty="0"/>
-          </a:p>
-        </p:txBody>
-      </p:sp>
-      <p:sp>
-        <p:nvSpPr>
-          <p:cNvPr id="3" name="内容占位符 2">
-            <a:extLst>
-              <a:ext uri="{FF2B5EF4-FFF2-40B4-BE49-F238E27FC236}">
-                <a16:creationId xmlns:a16="http://schemas.microsoft.com/office/drawing/2014/main" id="{809FEA75-499A-4113-90C2-2501C98E31D1}"/>
-              </a:ext>
-            </a:extLst>
-          </p:cNvPr>
-          <p:cNvSpPr>
-            <a:spLocks noGrp="1"/>
-          </p:cNvSpPr>
-          <p:nvPr>
-            <p:ph idx="1"/>
-          </p:nvPr>
-        </p:nvSpPr>
-        <p:spPr/>
-        <p:txBody>
-          <a:bodyPr/>
-          <a:lstStyle/>
-          <a:p>
-            <a:r>
-              <a:rPr lang="en-US" altLang="zh-CN" sz="2400" dirty="0"/>
-              <a:t>Floating Point</a:t>
-            </a:r>
-          </a:p>
-          <a:p>
-            <a:endParaRPr lang="en-US" altLang="zh-CN" sz="2400" dirty="0"/>
-          </a:p>
-          <a:p>
-            <a:r>
-              <a:rPr lang="en-US" altLang="zh-CN" sz="2400" dirty="0"/>
-              <a:t>Machine Programming</a:t>
-            </a:r>
-          </a:p>
-          <a:p>
-            <a:pPr lvl="1"/>
-            <a:r>
-              <a:rPr lang="en-US" altLang="zh-CN" sz="1800" dirty="0"/>
-              <a:t>Basics</a:t>
-            </a:r>
-          </a:p>
-          <a:p>
-            <a:pPr lvl="1"/>
-            <a:r>
-              <a:rPr lang="en-US" altLang="zh-CN" sz="1800" dirty="0"/>
-              <a:t>Control</a:t>
-            </a:r>
-          </a:p>
-          <a:p>
-            <a:pPr lvl="1"/>
-            <a:r>
-              <a:rPr lang="en-US" altLang="zh-CN" sz="1800" dirty="0"/>
-              <a:t>Procedures</a:t>
-            </a:r>
-          </a:p>
-          <a:p>
-            <a:endParaRPr lang="en-US" altLang="zh-CN" dirty="0"/>
-          </a:p>
-          <a:p>
-            <a:endParaRPr lang="en-US" altLang="zh-CN" dirty="0"/>
-          </a:p>
-          <a:p>
-            <a:endParaRPr lang="zh-CN" altLang="en-US" dirty="0"/>
-          </a:p>
-        </p:txBody>
-      </p:sp>
-    </p:spTree>
-    <p:extLst>
-      <p:ext uri="{BB962C8B-B14F-4D97-AF65-F5344CB8AC3E}">
-        <p14:creationId xmlns:p14="http://schemas.microsoft.com/office/powerpoint/2010/main" val="2349494563"/>
-      </p:ext>
-    </p:extLst>
-  </p:cSld>
-  <p:clrMapOvr>
-    <a:masterClrMapping/>
-  </p:clrMapOvr>
-</p:sld>
-</file>
-
-<file path=ppt/slides/slide3.xml><?xml version="1.0" encoding="utf-8"?>
-<p:sld xmlns:a="http://schemas.openxmlformats.org/drawingml/2006/main" xmlns:r="http://schemas.openxmlformats.org/officeDocument/2006/relationships" xmlns:p="http://schemas.openxmlformats.org/presentationml/2006/main">
-  <p:cSld>
-    <p:spTree>
-      <p:nvGrpSpPr>
-        <p:cNvPr id="1" name=""/>
-        <p:cNvGrpSpPr/>
-        <p:nvPr/>
-      </p:nvGrpSpPr>
-      <p:grpSpPr>
-        <a:xfrm>
-          <a:off x="0" y="0"/>
-          <a:ext cx="0" cy="0"/>
-          <a:chOff x="0" y="0"/>
-          <a:chExt cx="0" cy="0"/>
-        </a:xfrm>
-      </p:grpSpPr>
-      <p:sp>
-        <p:nvSpPr>
-          <p:cNvPr id="2" name="标题 1">
-            <a:extLst>
-              <a:ext uri="{FF2B5EF4-FFF2-40B4-BE49-F238E27FC236}">
-                <a16:creationId xmlns:a16="http://schemas.microsoft.com/office/drawing/2014/main" id="{890A1416-9619-447E-8523-67EE4513C296}"/>
-              </a:ext>
-            </a:extLst>
-          </p:cNvPr>
-          <p:cNvSpPr>
-            <a:spLocks noGrp="1"/>
-          </p:cNvSpPr>
-          <p:nvPr>
-            <p:ph type="title"/>
-          </p:nvPr>
-        </p:nvSpPr>
-        <p:spPr/>
-        <p:txBody>
-          <a:bodyPr/>
-          <a:lstStyle/>
-          <a:p>
-            <a:r>
-              <a:rPr lang="en-US" altLang="zh-CN" dirty="0"/>
-              <a:t>Floating Point</a:t>
-            </a:r>
-            <a:endParaRPr lang="zh-CN" altLang="en-US" dirty="0"/>
-          </a:p>
-        </p:txBody>
-      </p:sp>
-      <p:sp>
-        <p:nvSpPr>
-          <p:cNvPr id="3" name="内容占位符 2">
-            <a:extLst>
-              <a:ext uri="{FF2B5EF4-FFF2-40B4-BE49-F238E27FC236}">
-                <a16:creationId xmlns:a16="http://schemas.microsoft.com/office/drawing/2014/main" id="{7B3A624F-0893-4B98-8214-E762901CF4A2}"/>
-              </a:ext>
-            </a:extLst>
-          </p:cNvPr>
-          <p:cNvSpPr>
-            <a:spLocks noGrp="1"/>
-          </p:cNvSpPr>
-          <p:nvPr>
-            <p:ph idx="1"/>
-          </p:nvPr>
-        </p:nvSpPr>
-        <p:spPr/>
-        <p:txBody>
-          <a:bodyPr>
-            <a:normAutofit/>
-          </a:bodyPr>
-          <a:lstStyle/>
-          <a:p>
-            <a:pPr>
-              <a:lnSpc>
-                <a:spcPct val="150000"/>
-              </a:lnSpc>
-            </a:pPr>
-            <a:r>
-              <a:rPr lang="zh-CN" altLang="en-US" sz="2400" dirty="0"/>
-              <a:t>表示方法（</a:t>
-            </a:r>
-            <a:r>
-              <a:rPr lang="en-US" altLang="zh-CN" sz="2400" dirty="0"/>
-              <a:t>IEEE 754</a:t>
-            </a:r>
-            <a:r>
-              <a:rPr lang="zh-CN" altLang="en-US" sz="2400" dirty="0"/>
-              <a:t>）</a:t>
-            </a:r>
-            <a:endParaRPr lang="en-US" altLang="zh-CN" sz="2400" dirty="0"/>
-          </a:p>
-          <a:p>
-            <a:pPr>
-              <a:lnSpc>
-                <a:spcPct val="150000"/>
-              </a:lnSpc>
-            </a:pPr>
-            <a:r>
-              <a:rPr lang="zh-CN" altLang="en-US" sz="2400" dirty="0"/>
-              <a:t>舍入规则与浮点运算</a:t>
-            </a:r>
-            <a:endParaRPr lang="en-US" altLang="zh-CN" sz="2400" dirty="0"/>
-          </a:p>
-          <a:p>
-            <a:pPr>
-              <a:lnSpc>
-                <a:spcPct val="150000"/>
-              </a:lnSpc>
-            </a:pPr>
-            <a:r>
-              <a:rPr lang="en-US" altLang="zh-CN" sz="2400" dirty="0"/>
-              <a:t>C</a:t>
-            </a:r>
-            <a:r>
-              <a:rPr lang="zh-CN" altLang="en-US" sz="2400" dirty="0"/>
-              <a:t>语言中的浮点数</a:t>
-            </a:r>
-          </a:p>
-        </p:txBody>
-      </p:sp>
-    </p:spTree>
-    <p:extLst>
-      <p:ext uri="{BB962C8B-B14F-4D97-AF65-F5344CB8AC3E}">
-        <p14:creationId xmlns:p14="http://schemas.microsoft.com/office/powerpoint/2010/main" val="475967699"/>
-      </p:ext>
-    </p:extLst>
-  </p:cSld>
-  <p:clrMapOvr>
-    <a:masterClrMapping/>
-  </p:clrMapOvr>
-</p:sld>
-</file>
-
-<file path=ppt/slides/slide4.xml><?xml version="1.0" encoding="utf-8"?>
-<p:sld xmlns:a="http://schemas.openxmlformats.org/drawingml/2006/main" xmlns:r="http://schemas.openxmlformats.org/officeDocument/2006/relationships" xmlns:p="http://schemas.openxmlformats.org/presentationml/2006/main">
-  <p:cSld>
-    <p:spTree>
-      <p:nvGrpSpPr>
-        <p:cNvPr id="1" name=""/>
-        <p:cNvGrpSpPr/>
-        <p:nvPr/>
-      </p:nvGrpSpPr>
-      <p:grpSpPr>
-        <a:xfrm>
-          <a:off x="0" y="0"/>
-          <a:ext cx="0" cy="0"/>
-          <a:chOff x="0" y="0"/>
-          <a:chExt cx="0" cy="0"/>
-        </a:xfrm>
-      </p:grpSpPr>
-      <p:sp>
-        <p:nvSpPr>
-          <p:cNvPr id="2" name="标题 1">
-            <a:extLst>
-              <a:ext uri="{FF2B5EF4-FFF2-40B4-BE49-F238E27FC236}">
-                <a16:creationId xmlns:a16="http://schemas.microsoft.com/office/drawing/2014/main" id="{A24C746C-8389-40C5-B820-0DBBAF830CAC}"/>
-              </a:ext>
-            </a:extLst>
-          </p:cNvPr>
-          <p:cNvSpPr>
-            <a:spLocks noGrp="1"/>
-          </p:cNvSpPr>
-          <p:nvPr>
-            <p:ph type="title"/>
-          </p:nvPr>
-        </p:nvSpPr>
-        <p:spPr/>
-        <p:txBody>
-          <a:bodyPr/>
-          <a:lstStyle/>
-          <a:p>
-            <a:r>
-              <a:rPr lang="zh-CN" altLang="en-US" dirty="0"/>
-              <a:t>表示方法</a:t>
-            </a:r>
-          </a:p>
-        </p:txBody>
-      </p:sp>
-      <p:sp>
-        <p:nvSpPr>
-          <p:cNvPr id="3" name="内容占位符 2">
-            <a:extLst>
-              <a:ext uri="{FF2B5EF4-FFF2-40B4-BE49-F238E27FC236}">
-                <a16:creationId xmlns:a16="http://schemas.microsoft.com/office/drawing/2014/main" id="{3A0AC7D0-EF8A-497C-9D84-B4DAAEC7358D}"/>
-              </a:ext>
-            </a:extLst>
-          </p:cNvPr>
-          <p:cNvSpPr>
-            <a:spLocks noGrp="1"/>
-          </p:cNvSpPr>
-          <p:nvPr>
-            <p:ph idx="1"/>
-          </p:nvPr>
-        </p:nvSpPr>
-        <p:spPr>
-          <a:xfrm>
-            <a:off x="1261872" y="1828800"/>
-            <a:ext cx="9342438" cy="4351337"/>
-          </a:xfrm>
-        </p:spPr>
-        <p:txBody>
-          <a:bodyPr>
-            <a:normAutofit lnSpcReduction="10000"/>
-          </a:bodyPr>
-          <a:lstStyle/>
-          <a:p>
-            <a:pPr>
-              <a:lnSpc>
-                <a:spcPct val="120000"/>
-              </a:lnSpc>
-            </a:pPr>
-            <a:r>
-              <a:rPr lang="zh-CN" altLang="en-US" sz="2400" dirty="0"/>
-              <a:t>浮点数比较可以借用无符号整数的比较</a:t>
-            </a:r>
-            <a:endParaRPr lang="en-US" altLang="zh-CN" sz="2400" dirty="0"/>
-          </a:p>
-          <a:p>
-            <a:pPr lvl="1">
-              <a:lnSpc>
-                <a:spcPct val="120000"/>
-              </a:lnSpc>
-            </a:pPr>
-            <a:r>
-              <a:rPr lang="zh-CN" altLang="en-US" sz="1800" dirty="0"/>
-              <a:t>家庭作业</a:t>
-            </a:r>
-            <a:r>
-              <a:rPr lang="en-US" altLang="zh-CN" sz="1800" dirty="0"/>
-              <a:t>2.84</a:t>
-            </a:r>
-          </a:p>
-          <a:p>
-            <a:pPr lvl="1">
-              <a:lnSpc>
-                <a:spcPct val="120000"/>
-              </a:lnSpc>
-            </a:pPr>
-            <a:r>
-              <a:rPr lang="zh-CN" altLang="en-US" sz="1800" dirty="0"/>
-              <a:t>参考解答：</a:t>
-            </a:r>
-            <a:r>
-              <a:rPr lang="en-US" altLang="zh-CN" sz="1800" dirty="0"/>
-              <a:t>(sx &amp;&amp; !sy) || (!sx &amp;&amp; !sy &amp;&amp; ux &lt;= uy) || (sx &amp;&amp; sy &amp;&amp; ux &gt;= </a:t>
-            </a:r>
-            <a:r>
-              <a:rPr lang="en-US" altLang="zh-CN" sz="1800" dirty="0" err="1"/>
-              <a:t>uy</a:t>
-            </a:r>
-            <a:r>
-              <a:rPr lang="en-US" altLang="zh-CN" sz="1800" dirty="0"/>
-              <a:t>)</a:t>
-            </a:r>
-            <a:r>
-              <a:rPr lang="zh-CN" altLang="en-US" sz="1800" dirty="0"/>
-              <a:t> </a:t>
-            </a:r>
-            <a:r>
-              <a:rPr lang="en-US" altLang="zh-CN" sz="1800" dirty="0"/>
-              <a:t>||</a:t>
-            </a:r>
-            <a:r>
-              <a:rPr lang="zh-CN" altLang="en-US" sz="1800" dirty="0"/>
-              <a:t> </a:t>
-            </a:r>
-            <a:r>
-              <a:rPr lang="en-US" altLang="zh-CN" sz="1800" dirty="0"/>
-              <a:t>((</a:t>
-            </a:r>
-            <a:r>
-              <a:rPr lang="en-US" altLang="zh-CN" sz="1800" dirty="0" err="1"/>
-              <a:t>ux</a:t>
-            </a:r>
-            <a:r>
-              <a:rPr lang="zh-CN" altLang="en-US" sz="1800" dirty="0"/>
-              <a:t> </a:t>
-            </a:r>
-            <a:r>
-              <a:rPr lang="en-US" altLang="zh-CN" sz="1800" dirty="0"/>
-              <a:t>&lt;&lt;</a:t>
-            </a:r>
-            <a:r>
-              <a:rPr lang="zh-CN" altLang="en-US" sz="1800" dirty="0"/>
-              <a:t> </a:t>
-            </a:r>
-            <a:r>
-              <a:rPr lang="en-US" altLang="zh-CN" sz="1800" dirty="0"/>
-              <a:t>1</a:t>
-            </a:r>
-            <a:r>
-              <a:rPr lang="zh-CN" altLang="en-US" sz="1800" dirty="0"/>
-              <a:t> </a:t>
-            </a:r>
-            <a:r>
-              <a:rPr lang="en-US" altLang="zh-CN" sz="1800" dirty="0"/>
-              <a:t>==</a:t>
-            </a:r>
-            <a:r>
-              <a:rPr lang="zh-CN" altLang="en-US" sz="1800" dirty="0"/>
-              <a:t> </a:t>
-            </a:r>
-            <a:r>
-              <a:rPr lang="en-US" altLang="zh-CN" sz="1800" dirty="0"/>
-              <a:t>0</a:t>
-            </a:r>
-            <a:r>
-              <a:rPr lang="zh-CN" altLang="en-US" sz="1800" dirty="0"/>
-              <a:t> </a:t>
-            </a:r>
-            <a:r>
-              <a:rPr lang="en-US" altLang="zh-CN" sz="1800" dirty="0"/>
-              <a:t>&amp;&amp;</a:t>
-            </a:r>
-            <a:r>
-              <a:rPr lang="zh-CN" altLang="en-US" sz="1800" dirty="0"/>
-              <a:t> </a:t>
-            </a:r>
-            <a:r>
-              <a:rPr lang="en-US" altLang="zh-CN" sz="1800" dirty="0" err="1"/>
-              <a:t>uy</a:t>
-            </a:r>
-            <a:r>
-              <a:rPr lang="zh-CN" altLang="en-US" sz="1800" dirty="0"/>
-              <a:t> </a:t>
-            </a:r>
-            <a:r>
-              <a:rPr lang="en-US" altLang="zh-CN" sz="1800" dirty="0"/>
-              <a:t>&lt;&lt;</a:t>
-            </a:r>
-            <a:r>
-              <a:rPr lang="zh-CN" altLang="en-US" sz="1800" dirty="0"/>
-              <a:t> </a:t>
-            </a:r>
-            <a:r>
-              <a:rPr lang="en-US" altLang="zh-CN" sz="1800" dirty="0"/>
-              <a:t>1</a:t>
-            </a:r>
-            <a:r>
-              <a:rPr lang="zh-CN" altLang="en-US" sz="1800" dirty="0"/>
-              <a:t> </a:t>
-            </a:r>
-            <a:r>
-              <a:rPr lang="en-US" altLang="zh-CN" sz="1800" dirty="0"/>
-              <a:t>==</a:t>
-            </a:r>
-            <a:r>
-              <a:rPr lang="zh-CN" altLang="en-US" sz="1800" dirty="0"/>
-              <a:t> </a:t>
-            </a:r>
-            <a:r>
-              <a:rPr lang="en-US" altLang="zh-CN" sz="1800" dirty="0"/>
-              <a:t>0)</a:t>
-            </a:r>
-          </a:p>
-          <a:p>
-            <a:pPr>
-              <a:lnSpc>
-                <a:spcPct val="120000"/>
-              </a:lnSpc>
-            </a:pPr>
-            <a:endParaRPr lang="en-US" altLang="zh-CN" sz="2400" dirty="0"/>
-          </a:p>
-          <a:p>
-            <a:pPr>
-              <a:lnSpc>
-                <a:spcPct val="120000"/>
-              </a:lnSpc>
-            </a:pPr>
-            <a:endParaRPr lang="en-US" altLang="zh-CN" sz="2400" dirty="0"/>
-          </a:p>
-          <a:p>
-            <a:pPr>
-              <a:lnSpc>
-                <a:spcPct val="120000"/>
-              </a:lnSpc>
-            </a:pPr>
-            <a:endParaRPr lang="en-US" altLang="zh-CN" sz="2400" dirty="0"/>
-          </a:p>
-          <a:p>
-            <a:pPr>
-              <a:lnSpc>
-                <a:spcPct val="120000"/>
-              </a:lnSpc>
-            </a:pPr>
-            <a:r>
-              <a:rPr lang="zh-CN" altLang="en-US" sz="2400" dirty="0"/>
-              <a:t>浮点数小数部分二进制位与相应的整数二进制位的关系</a:t>
-            </a:r>
-            <a:endParaRPr lang="en-US" altLang="zh-CN" sz="2400" dirty="0"/>
-          </a:p>
-          <a:p>
-            <a:pPr lvl="1">
-              <a:lnSpc>
-                <a:spcPct val="120000"/>
-              </a:lnSpc>
-            </a:pPr>
-            <a:r>
-              <a:rPr lang="zh-CN" altLang="en-US" sz="1800" dirty="0"/>
-              <a:t>练习题</a:t>
-            </a:r>
-            <a:r>
-              <a:rPr lang="en-US" altLang="zh-CN" sz="1800" dirty="0"/>
-              <a:t>2.49 </a:t>
-            </a:r>
-          </a:p>
-        </p:txBody>
-      </p:sp>
-      <p:pic>
-        <p:nvPicPr>
-          <p:cNvPr id="4" name="图片 3">
-            <a:extLst>
-              <a:ext uri="{FF2B5EF4-FFF2-40B4-BE49-F238E27FC236}">
-                <a16:creationId xmlns:a16="http://schemas.microsoft.com/office/drawing/2014/main" id="{FBDA28AE-2C09-104E-8E81-F51BCD4115EA}"/>
-              </a:ext>
-            </a:extLst>
-          </p:cNvPr>
-          <p:cNvPicPr>
-            <a:picLocks noChangeAspect="1"/>
-          </p:cNvPicPr>
-          <p:nvPr/>
-        </p:nvPicPr>
-        <p:blipFill>
-          <a:blip r:embed="rId2"/>
-          <a:stretch>
-            <a:fillRect/>
-          </a:stretch>
-        </p:blipFill>
-        <p:spPr>
-          <a:xfrm>
-            <a:off x="1469690" y="2276948"/>
-            <a:ext cx="8379123" cy="2992544"/>
-          </a:xfrm>
-          <a:prstGeom prst="rect">
-            <a:avLst/>
-          </a:prstGeom>
-        </p:spPr>
-      </p:pic>
-      <p:pic>
-        <p:nvPicPr>
-          <p:cNvPr id="5" name="图片 4">
-            <a:extLst>
-              <a:ext uri="{FF2B5EF4-FFF2-40B4-BE49-F238E27FC236}">
-                <a16:creationId xmlns:a16="http://schemas.microsoft.com/office/drawing/2014/main" id="{52108B67-ED3F-C142-A2E5-7A8CB0012770}"/>
-              </a:ext>
-            </a:extLst>
-          </p:cNvPr>
-          <p:cNvPicPr>
-            <a:picLocks noChangeAspect="1"/>
-          </p:cNvPicPr>
-          <p:nvPr/>
-        </p:nvPicPr>
-        <p:blipFill>
-          <a:blip r:embed="rId3"/>
-          <a:stretch>
-            <a:fillRect/>
-          </a:stretch>
-        </p:blipFill>
-        <p:spPr>
-          <a:xfrm>
-            <a:off x="1469690" y="5269492"/>
-            <a:ext cx="8270055" cy="1580403"/>
-          </a:xfrm>
-          <a:prstGeom prst="rect">
-            <a:avLst/>
-          </a:prstGeom>
-        </p:spPr>
-      </p:pic>
-    </p:spTree>
-    <p:extLst>
-      <p:ext uri="{BB962C8B-B14F-4D97-AF65-F5344CB8AC3E}">
-        <p14:creationId xmlns:p14="http://schemas.microsoft.com/office/powerpoint/2010/main" val="1742950416"/>
-      </p:ext>
-    </p:extLst>
-  </p:cSld>
-  <p:clrMapOvr>
-    <a:masterClrMapping/>
-  </p:clrMapOvr>
-  <p:timing>
-    <p:tnLst>
-      <p:par>
-        <p:cTn id="1" dur="indefinite" restart="never" nodeType="tmRoot">
-          <p:childTnLst>
-            <p:seq concurrent="1" nextAc="seek">
-              <p:cTn id="2" dur="indefinite" nodeType="mainSeq">
-                <p:childTnLst>
-                  <p:par>
-                    <p:cTn id="3" fill="hold">
-                      <p:stCondLst>
-                        <p:cond delay="indefinite"/>
-                      </p:stCondLst>
-                      <p:childTnLst>
-                        <p:par>
-                          <p:cTn id="4" fill="hold">
-                            <p:stCondLst>
-                              <p:cond delay="0"/>
-                            </p:stCondLst>
-                            <p:childTnLst>
-                              <p:par>
-                                <p:cTn id="5" presetID="1" presetClass="exit" presetSubtype="0" fill="hold" nodeType="clickEffect">
-                                  <p:stCondLst>
-                                    <p:cond delay="0"/>
-                                  </p:stCondLst>
-                                  <p:childTnLst>
-                                    <p:set>
-                                      <p:cBhvr>
-                                        <p:cTn id="6" dur="1" fill="hold">
-                                          <p:stCondLst>
-                                            <p:cond delay="0"/>
-                                          </p:stCondLst>
-                                        </p:cTn>
-                                        <p:tgtEl>
-                                          <p:spTgt spid="4"/>
-                                        </p:tgtEl>
-                                        <p:attrNameLst>
-                                          <p:attrName>style.visibility</p:attrName>
-                                        </p:attrNameLst>
-                                      </p:cBhvr>
-                                      <p:to>
-                                        <p:strVal val="hidden"/>
-                                      </p:to>
-                                    </p:set>
-                                  </p:childTnLst>
-                                </p:cTn>
-                              </p:par>
-                            </p:childTnLst>
-                          </p:cTn>
-                        </p:par>
-                      </p:childTnLst>
-                    </p:cTn>
-                  </p:par>
-                  <p:par>
-                    <p:cTn id="7" fill="hold">
-                      <p:stCondLst>
-                        <p:cond delay="indefinite"/>
-                      </p:stCondLst>
-                      <p:childTnLst>
-                        <p:par>
-                          <p:cTn id="8" fill="hold">
-                            <p:stCondLst>
-                              <p:cond delay="0"/>
-                            </p:stCondLst>
-                            <p:childTnLst>
-                              <p:par>
-                                <p:cTn id="9" presetID="1" presetClass="entr" presetSubtype="0" fill="hold" nodeType="clickEffect">
-                                  <p:stCondLst>
-                                    <p:cond delay="0"/>
-                                  </p:stCondLst>
-                                  <p:childTnLst>
-                                    <p:set>
-                                      <p:cBhvr>
-                                        <p:cTn id="10" dur="1" fill="hold">
-                                          <p:stCondLst>
-                                            <p:cond delay="0"/>
-                                          </p:stCondLst>
-                                        </p:cTn>
-                                        <p:tgtEl>
-                                          <p:spTgt spid="5"/>
-                                        </p:tgtEl>
-                                        <p:attrNameLst>
-                                          <p:attrName>style.visibility</p:attrName>
-                                        </p:attrNameLst>
-                                      </p:cBhvr>
-                                      <p:to>
-                                        <p:strVal val="visible"/>
-                                      </p:to>
-                                    </p:set>
-                                  </p:childTnLst>
-                                </p:cTn>
-                              </p:par>
-                            </p:childTnLst>
-                          </p:cTn>
-                        </p:par>
-                      </p:childTnLst>
-                    </p:cTn>
-                  </p:par>
-                </p:childTnLst>
-              </p:cTn>
-              <p:prevCondLst>
-                <p:cond evt="onPrev" delay="0">
-                  <p:tgtEl>
-                    <p:sldTgt/>
-                  </p:tgtEl>
-                </p:cond>
-              </p:prevCondLst>
-              <p:nextCondLst>
-                <p:cond evt="onNext" delay="0">
-                  <p:tgtEl>
-                    <p:sldTgt/>
-                  </p:tgtEl>
-                </p:cond>
-              </p:nextCondLst>
-            </p:seq>
-          </p:childTnLst>
-        </p:cTn>
-      </p:par>
-    </p:tnLst>
-  </p:timing>
-</p:sld>
-</file>
-
-<file path=ppt/slides/slide5.xml><?xml version="1.0" encoding="utf-8"?>
-<p:sld xmlns:a="http://schemas.openxmlformats.org/drawingml/2006/main" xmlns:r="http://schemas.openxmlformats.org/officeDocument/2006/relationships" xmlns:p="http://schemas.openxmlformats.org/presentationml/2006/main">
-  <p:cSld>
-    <p:spTree>
-      <p:nvGrpSpPr>
-        <p:cNvPr id="1" name=""/>
-        <p:cNvGrpSpPr/>
-        <p:nvPr/>
-      </p:nvGrpSpPr>
-      <p:grpSpPr>
-        <a:xfrm>
-          <a:off x="0" y="0"/>
-          <a:ext cx="0" cy="0"/>
-          <a:chOff x="0" y="0"/>
-          <a:chExt cx="0" cy="0"/>
-        </a:xfrm>
-      </p:grpSpPr>
-      <p:sp>
-        <p:nvSpPr>
-          <p:cNvPr id="2" name="标题 1">
-            <a:extLst>
-              <a:ext uri="{FF2B5EF4-FFF2-40B4-BE49-F238E27FC236}">
-                <a16:creationId xmlns:a16="http://schemas.microsoft.com/office/drawing/2014/main" id="{13412762-659B-46A1-972F-A16F839FE0AA}"/>
-              </a:ext>
-            </a:extLst>
-          </p:cNvPr>
-          <p:cNvSpPr>
-            <a:spLocks noGrp="1"/>
-          </p:cNvSpPr>
-          <p:nvPr>
-            <p:ph type="title"/>
-          </p:nvPr>
-        </p:nvSpPr>
-        <p:spPr/>
-        <p:txBody>
-          <a:bodyPr/>
-          <a:lstStyle/>
-          <a:p>
-            <a:pPr>
-              <a:lnSpc>
-                <a:spcPct val="150000"/>
-              </a:lnSpc>
-            </a:pPr>
-            <a:r>
-              <a:rPr lang="zh-CN" altLang="en-US" dirty="0"/>
-              <a:t>舍入规则与浮点运算</a:t>
-            </a:r>
-            <a:endParaRPr lang="en-US" altLang="zh-CN" dirty="0"/>
-          </a:p>
-        </p:txBody>
-      </p:sp>
-      <p:sp>
-        <p:nvSpPr>
-          <p:cNvPr id="3" name="内容占位符 2">
-            <a:extLst>
-              <a:ext uri="{FF2B5EF4-FFF2-40B4-BE49-F238E27FC236}">
-                <a16:creationId xmlns:a16="http://schemas.microsoft.com/office/drawing/2014/main" id="{00E53AF4-0C47-4126-A5F9-A975E17951FC}"/>
-              </a:ext>
-            </a:extLst>
-          </p:cNvPr>
-          <p:cNvSpPr>
-            <a:spLocks noGrp="1"/>
-          </p:cNvSpPr>
-          <p:nvPr>
-            <p:ph idx="1"/>
-          </p:nvPr>
-        </p:nvSpPr>
-        <p:spPr/>
-        <p:txBody>
-          <a:bodyPr>
-            <a:normAutofit lnSpcReduction="10000"/>
-          </a:bodyPr>
-          <a:lstStyle/>
-          <a:p>
-            <a:pPr>
-              <a:lnSpc>
-                <a:spcPct val="120000"/>
-              </a:lnSpc>
-            </a:pPr>
-            <a:r>
-              <a:rPr lang="en-US" altLang="zh-CN" sz="2400" dirty="0"/>
-              <a:t>round to even</a:t>
-            </a:r>
-          </a:p>
-          <a:p>
-            <a:pPr lvl="1">
-              <a:lnSpc>
-                <a:spcPct val="120000"/>
-              </a:lnSpc>
-            </a:pPr>
-            <a:r>
-              <a:rPr lang="zh-CN" altLang="en-US" sz="2200" dirty="0"/>
-              <a:t>向更接近的一方舍入</a:t>
-            </a:r>
-            <a:endParaRPr lang="en-US" altLang="zh-CN" sz="2200" dirty="0"/>
-          </a:p>
-          <a:p>
-            <a:pPr lvl="1">
-              <a:lnSpc>
-                <a:spcPct val="120000"/>
-              </a:lnSpc>
-            </a:pPr>
-            <a:r>
-              <a:rPr lang="zh-CN" altLang="en-US" sz="2200" dirty="0"/>
-              <a:t>一样近时</a:t>
-            </a:r>
-            <a:r>
-              <a:rPr lang="en-US" altLang="zh-CN" sz="2200" dirty="0"/>
-              <a:t>(</a:t>
-            </a:r>
-            <a:r>
-              <a:rPr lang="zh-CN" altLang="en-US" sz="2200" dirty="0"/>
-              <a:t>被舍入的部分是</a:t>
-            </a:r>
-            <a:r>
-              <a:rPr lang="en-US" altLang="zh-CN" sz="2200" dirty="0"/>
-              <a:t>10000)</a:t>
-            </a:r>
-            <a:r>
-              <a:rPr lang="zh-CN" altLang="en-US" sz="2200" dirty="0"/>
-              <a:t>，向让结果是偶数的方向舍入</a:t>
-            </a:r>
-            <a:endParaRPr lang="en-US" altLang="zh-CN" sz="2200" dirty="0"/>
-          </a:p>
-          <a:p>
-            <a:pPr>
-              <a:lnSpc>
-                <a:spcPct val="120000"/>
-              </a:lnSpc>
-            </a:pPr>
-            <a:r>
-              <a:rPr lang="zh-CN" altLang="en-US" sz="2400" dirty="0"/>
-              <a:t>加法无结合律，乘法无结合律和分配律</a:t>
-            </a:r>
-            <a:endParaRPr lang="en-US" altLang="zh-CN" sz="2400" dirty="0"/>
-          </a:p>
-          <a:p>
-            <a:pPr>
-              <a:lnSpc>
-                <a:spcPct val="120000"/>
-              </a:lnSpc>
-            </a:pPr>
-            <a:r>
-              <a:rPr lang="zh-CN" altLang="en-US" sz="2400" dirty="0"/>
-              <a:t>单调性成立，但要带上</a:t>
-            </a:r>
-            <a:r>
-              <a:rPr lang="zh-CN" altLang="en-US" sz="2400" b="1" dirty="0">
-                <a:solidFill>
-                  <a:srgbClr val="FFFF00"/>
-                </a:solidFill>
-                <a:latin typeface="SimHei" panose="02010609060101010101" pitchFamily="49" charset="-122"/>
-                <a:ea typeface="SimHei" panose="02010609060101010101" pitchFamily="49" charset="-122"/>
-              </a:rPr>
-              <a:t>等于号</a:t>
-            </a:r>
-            <a:endParaRPr lang="en-US" altLang="zh-CN" sz="2400" b="1" dirty="0">
-              <a:solidFill>
-                <a:srgbClr val="FFFF00"/>
-              </a:solidFill>
-              <a:latin typeface="SimHei" panose="02010609060101010101" pitchFamily="49" charset="-122"/>
-              <a:ea typeface="SimHei" panose="02010609060101010101" pitchFamily="49" charset="-122"/>
-            </a:endParaRPr>
-          </a:p>
-          <a:p>
-            <a:pPr>
-              <a:lnSpc>
-                <a:spcPct val="120000"/>
-              </a:lnSpc>
-            </a:pPr>
-            <a:r>
-              <a:rPr lang="zh-CN" altLang="en-US" sz="2400" dirty="0"/>
-              <a:t>注意</a:t>
-            </a:r>
-            <a:r>
-              <a:rPr lang="en-US" altLang="zh-CN" sz="2400" dirty="0"/>
-              <a:t>inf</a:t>
-            </a:r>
-            <a:r>
-              <a:rPr lang="zh-CN" altLang="en-US" sz="2400" dirty="0"/>
-              <a:t>和</a:t>
-            </a:r>
-            <a:r>
-              <a:rPr lang="en-US" altLang="zh-CN" sz="2400" dirty="0" err="1"/>
-              <a:t>NaN</a:t>
-            </a:r>
-            <a:r>
-              <a:rPr lang="zh-CN" altLang="en-US" sz="2400" dirty="0"/>
-              <a:t>的比较规则</a:t>
-            </a:r>
-            <a:endParaRPr lang="en-US" altLang="zh-CN" sz="2400" dirty="0"/>
-          </a:p>
-          <a:p>
-            <a:pPr lvl="1"/>
-            <a:r>
-              <a:rPr lang="en-US" altLang="zh-CN" sz="2200" dirty="0"/>
-              <a:t>(-inf) + (inf) = NaN</a:t>
-            </a:r>
-          </a:p>
-          <a:p>
-            <a:pPr lvl="1"/>
-            <a:r>
-              <a:rPr lang="en-US" altLang="zh-CN" sz="2200" dirty="0"/>
-              <a:t>inf == inf</a:t>
-            </a:r>
-          </a:p>
-          <a:p>
-            <a:pPr lvl="1"/>
-            <a:r>
-              <a:rPr lang="en-US" altLang="zh-CN" sz="2200" dirty="0"/>
-              <a:t>NaN !=</a:t>
-            </a:r>
-            <a:r>
-              <a:rPr lang="zh-CN" altLang="en-US" sz="2200" dirty="0"/>
-              <a:t> </a:t>
-            </a:r>
-            <a:r>
-              <a:rPr lang="en-US" altLang="zh-CN" sz="2200" dirty="0"/>
-              <a:t>NaN</a:t>
-            </a:r>
-          </a:p>
-          <a:p>
-            <a:endParaRPr lang="en-US" altLang="zh-CN" sz="800" dirty="0"/>
-          </a:p>
-          <a:p>
-            <a:pPr lvl="1"/>
-            <a:endParaRPr lang="en-US" altLang="zh-CN" sz="2200" dirty="0"/>
-          </a:p>
-          <a:p>
-            <a:endParaRPr lang="zh-CN" altLang="en-US" sz="2400" dirty="0"/>
-          </a:p>
-        </p:txBody>
-      </p:sp>
-    </p:spTree>
-    <p:extLst>
-      <p:ext uri="{BB962C8B-B14F-4D97-AF65-F5344CB8AC3E}">
-        <p14:creationId xmlns:p14="http://schemas.microsoft.com/office/powerpoint/2010/main" val="3126844622"/>
-      </p:ext>
-    </p:extLst>
-  </p:cSld>
-  <p:clrMapOvr>
-    <a:masterClrMapping/>
-  </p:clrMapOvr>
-</p:sld>
-</file>
-
-<file path=ppt/slides/slide6.xml><?xml version="1.0" encoding="utf-8"?>
-<p:sld xmlns:a="http://schemas.openxmlformats.org/drawingml/2006/main" xmlns:r="http://schemas.openxmlformats.org/officeDocument/2006/relationships" xmlns:p="http://schemas.openxmlformats.org/presentationml/2006/main">
-  <p:cSld>
-    <p:spTree>
-      <p:nvGrpSpPr>
-        <p:cNvPr id="1" name=""/>
-        <p:cNvGrpSpPr/>
-        <p:nvPr/>
-      </p:nvGrpSpPr>
-      <p:grpSpPr>
-        <a:xfrm>
-          <a:off x="0" y="0"/>
-          <a:ext cx="0" cy="0"/>
-          <a:chOff x="0" y="0"/>
-          <a:chExt cx="0" cy="0"/>
-        </a:xfrm>
-      </p:grpSpPr>
-      <p:sp>
-        <p:nvSpPr>
-          <p:cNvPr id="2" name="标题 1">
-            <a:extLst>
-              <a:ext uri="{FF2B5EF4-FFF2-40B4-BE49-F238E27FC236}">
-                <a16:creationId xmlns:a16="http://schemas.microsoft.com/office/drawing/2014/main" id="{45D3AB97-1C43-45C6-9393-81FF062D63FD}"/>
-              </a:ext>
-            </a:extLst>
-          </p:cNvPr>
-          <p:cNvSpPr>
-            <a:spLocks noGrp="1"/>
-          </p:cNvSpPr>
-          <p:nvPr>
-            <p:ph type="title"/>
-          </p:nvPr>
-        </p:nvSpPr>
-        <p:spPr/>
-        <p:txBody>
-          <a:bodyPr/>
-          <a:lstStyle/>
-          <a:p>
-            <a:r>
-              <a:rPr lang="en-US" altLang="zh-CN" dirty="0"/>
-              <a:t>C</a:t>
-            </a:r>
-            <a:r>
-              <a:rPr lang="zh-CN" altLang="en-US" dirty="0"/>
-              <a:t>语言中的浮点数</a:t>
-            </a:r>
-          </a:p>
-        </p:txBody>
-      </p:sp>
-      <p:sp>
-        <p:nvSpPr>
-          <p:cNvPr id="3" name="内容占位符 2">
-            <a:extLst>
-              <a:ext uri="{FF2B5EF4-FFF2-40B4-BE49-F238E27FC236}">
-                <a16:creationId xmlns:a16="http://schemas.microsoft.com/office/drawing/2014/main" id="{0BE4EAA7-BD3B-4C09-94C2-39A833533626}"/>
-              </a:ext>
-            </a:extLst>
-          </p:cNvPr>
-          <p:cNvSpPr>
-            <a:spLocks noGrp="1"/>
-          </p:cNvSpPr>
-          <p:nvPr>
-            <p:ph idx="1"/>
-          </p:nvPr>
-        </p:nvSpPr>
-        <p:spPr>
-          <a:xfrm>
-            <a:off x="1261872" y="2937163"/>
-            <a:ext cx="9142892" cy="4351337"/>
-          </a:xfrm>
-        </p:spPr>
-        <p:txBody>
-          <a:bodyPr>
-            <a:normAutofit/>
-          </a:bodyPr>
-          <a:lstStyle/>
-          <a:p>
-            <a:pPr>
-              <a:lnSpc>
-                <a:spcPct val="120000"/>
-              </a:lnSpc>
-            </a:pPr>
-            <a:r>
-              <a:rPr lang="zh-CN" altLang="en-US" sz="2400" dirty="0"/>
-              <a:t>注意强制类型转换的精度问题</a:t>
-            </a:r>
-            <a:endParaRPr lang="en-US" altLang="zh-CN" sz="2400" dirty="0"/>
-          </a:p>
-          <a:p>
-            <a:pPr lvl="1">
-              <a:lnSpc>
-                <a:spcPct val="120000"/>
-              </a:lnSpc>
-            </a:pPr>
-            <a:r>
-              <a:rPr lang="en-US" altLang="zh-CN" sz="1800" dirty="0"/>
-              <a:t>int / float </a:t>
-            </a:r>
-            <a:r>
-              <a:rPr lang="zh-CN" altLang="en-US" sz="1800" dirty="0"/>
-              <a:t>→ </a:t>
-            </a:r>
-            <a:r>
-              <a:rPr lang="en-US" altLang="zh-CN" sz="1800" dirty="0"/>
-              <a:t>double </a:t>
-            </a:r>
-            <a:r>
-              <a:rPr lang="zh-CN" altLang="en-US" sz="1800" dirty="0"/>
-              <a:t>可以保留精确的数值</a:t>
-            </a:r>
-            <a:endParaRPr lang="en-US" altLang="zh-CN" sz="1800" dirty="0"/>
-          </a:p>
-          <a:p>
-            <a:pPr lvl="1">
-              <a:lnSpc>
-                <a:spcPct val="120000"/>
-              </a:lnSpc>
-            </a:pPr>
-            <a:r>
-              <a:rPr lang="en-US" altLang="zh-CN" sz="1800" dirty="0"/>
-              <a:t>double / float → int </a:t>
-            </a:r>
-            <a:r>
-              <a:rPr lang="zh-CN" altLang="en-US" sz="1800" dirty="0"/>
-              <a:t>溢出的情况</a:t>
-            </a:r>
-            <a:r>
-              <a:rPr lang="en-US" altLang="zh-CN" sz="1800" dirty="0"/>
-              <a:t>C</a:t>
-            </a:r>
-            <a:r>
-              <a:rPr lang="zh-CN" altLang="en-US" sz="1800" dirty="0"/>
-              <a:t>标准并没有规定，</a:t>
-            </a:r>
-            <a:r>
-              <a:rPr lang="en-US" altLang="zh-CN" sz="1800" dirty="0"/>
-              <a:t>Intel</a:t>
-            </a:r>
-            <a:r>
-              <a:rPr lang="zh-CN" altLang="en-US" sz="1800" dirty="0"/>
-              <a:t>指定为整数不确定值</a:t>
-            </a:r>
-            <a:r>
-              <a:rPr lang="en-US" altLang="zh-CN" sz="1800" dirty="0"/>
-              <a:t>10…0</a:t>
-            </a:r>
-          </a:p>
-          <a:p>
-            <a:pPr>
-              <a:lnSpc>
-                <a:spcPct val="120000"/>
-              </a:lnSpc>
-            </a:pPr>
-            <a:r>
-              <a:rPr lang="zh-CN" altLang="en-US" sz="2400" dirty="0"/>
-              <a:t>练习：家庭作业</a:t>
-            </a:r>
-            <a:r>
-              <a:rPr lang="en-US" altLang="zh-CN" sz="2400" dirty="0"/>
-              <a:t>2.89</a:t>
-            </a:r>
-          </a:p>
-          <a:p>
-            <a:pPr lvl="1"/>
-            <a:r>
-              <a:rPr lang="en-US" altLang="zh-CN" sz="2200" dirty="0"/>
-              <a:t>A</a:t>
-            </a:r>
-            <a:r>
-              <a:rPr lang="zh-CN" altLang="en-US" sz="2200" dirty="0"/>
-              <a:t>：正确</a:t>
-            </a:r>
-            <a:endParaRPr lang="en-US" altLang="zh-CN" sz="2200" dirty="0"/>
-          </a:p>
-          <a:p>
-            <a:pPr lvl="1"/>
-            <a:r>
-              <a:rPr lang="en-US" altLang="zh-CN" sz="2200" dirty="0"/>
-              <a:t>B</a:t>
-            </a:r>
-            <a:r>
-              <a:rPr lang="zh-CN" altLang="en-US" sz="2200" dirty="0"/>
-              <a:t>：</a:t>
-            </a:r>
-            <a:r>
-              <a:rPr lang="zh-CN" altLang="en-US" sz="2200" dirty="0">
-                <a:solidFill>
-                  <a:srgbClr val="FFFF00"/>
-                </a:solidFill>
-              </a:rPr>
-              <a:t>取</a:t>
-            </a:r>
-            <a:r>
-              <a:rPr lang="en-US" altLang="zh-CN" sz="2200" dirty="0">
-                <a:solidFill>
-                  <a:srgbClr val="FFFF00"/>
-                </a:solidFill>
-              </a:rPr>
-              <a:t>y</a:t>
-            </a:r>
-            <a:r>
-              <a:rPr lang="zh-CN" altLang="en-US" sz="2200" dirty="0">
-                <a:solidFill>
-                  <a:srgbClr val="FFFF00"/>
-                </a:solidFill>
-              </a:rPr>
-              <a:t>为</a:t>
-            </a:r>
-            <a:r>
-              <a:rPr lang="en-US" altLang="zh-CN" sz="2200" dirty="0">
-                <a:solidFill>
-                  <a:srgbClr val="FFFF00"/>
-                </a:solidFill>
-              </a:rPr>
-              <a:t>INT_MIN</a:t>
-            </a:r>
-          </a:p>
-          <a:p>
-            <a:pPr lvl="1"/>
-            <a:r>
-              <a:rPr lang="en-US" altLang="zh-CN" sz="2200" dirty="0">
-                <a:solidFill>
-                  <a:schemeClr val="tx1"/>
-                </a:solidFill>
-              </a:rPr>
-              <a:t>C</a:t>
-            </a:r>
-            <a:r>
-              <a:rPr lang="zh-CN" altLang="en-US" sz="2200" dirty="0">
-                <a:solidFill>
-                  <a:schemeClr val="tx1"/>
-                </a:solidFill>
-              </a:rPr>
-              <a:t>：正确</a:t>
-            </a:r>
-            <a:endParaRPr lang="en-US" altLang="zh-CN" sz="2200" dirty="0">
-              <a:solidFill>
-                <a:schemeClr val="tx1"/>
-              </a:solidFill>
-            </a:endParaRPr>
-          </a:p>
-          <a:p>
-            <a:pPr lvl="1"/>
-            <a:r>
-              <a:rPr lang="en-US" altLang="zh-CN" sz="2200" dirty="0">
-                <a:solidFill>
-                  <a:schemeClr val="tx1"/>
-                </a:solidFill>
-              </a:rPr>
-              <a:t>D</a:t>
-            </a:r>
-            <a:r>
-              <a:rPr lang="zh-CN" altLang="en-US" sz="2200" dirty="0">
-                <a:solidFill>
-                  <a:schemeClr val="tx1"/>
-                </a:solidFill>
-              </a:rPr>
-              <a:t>：</a:t>
-            </a:r>
-            <a:r>
-              <a:rPr lang="zh-CN" altLang="en-US" sz="2200" dirty="0">
-                <a:solidFill>
-                  <a:srgbClr val="FFFF00"/>
-                </a:solidFill>
-              </a:rPr>
-              <a:t>浮点数乘法精度可能不一致</a:t>
-            </a:r>
-            <a:endParaRPr lang="en-US" altLang="zh-CN" sz="2200" dirty="0">
-              <a:solidFill>
-                <a:srgbClr val="FFFF00"/>
-              </a:solidFill>
-            </a:endParaRPr>
-          </a:p>
-          <a:p>
-            <a:pPr lvl="1"/>
-            <a:r>
-              <a:rPr lang="en-US" altLang="zh-CN" sz="2200" dirty="0">
-                <a:solidFill>
-                  <a:schemeClr val="tx1"/>
-                </a:solidFill>
-              </a:rPr>
-              <a:t>E</a:t>
-            </a:r>
-            <a:r>
-              <a:rPr lang="zh-CN" altLang="en-US" sz="2200" dirty="0">
-                <a:solidFill>
-                  <a:schemeClr val="tx1"/>
-                </a:solidFill>
-              </a:rPr>
-              <a:t>：</a:t>
-            </a:r>
-            <a:r>
-              <a:rPr lang="zh-CN" altLang="en-US" sz="2200" dirty="0">
-                <a:solidFill>
-                  <a:srgbClr val="FFFF00"/>
-                </a:solidFill>
-              </a:rPr>
-              <a:t>为</a:t>
-            </a:r>
-            <a:r>
-              <a:rPr lang="en-US" altLang="zh-CN" sz="2200" dirty="0">
-                <a:solidFill>
-                  <a:srgbClr val="FFFF00"/>
-                </a:solidFill>
-              </a:rPr>
-              <a:t>0</a:t>
-            </a:r>
-            <a:r>
-              <a:rPr lang="zh-CN" altLang="en-US" sz="2200" dirty="0">
-                <a:solidFill>
-                  <a:srgbClr val="FFFF00"/>
-                </a:solidFill>
-              </a:rPr>
-              <a:t>时会得到</a:t>
-            </a:r>
-            <a:r>
-              <a:rPr lang="en-US" altLang="zh-CN" sz="2200" dirty="0" err="1">
-                <a:solidFill>
-                  <a:srgbClr val="FFFF00"/>
-                </a:solidFill>
-              </a:rPr>
-              <a:t>NaN</a:t>
-            </a:r>
-            <a:endParaRPr lang="en-US" altLang="zh-CN" sz="2200" dirty="0">
-              <a:solidFill>
-                <a:srgbClr val="FFFF00"/>
-              </a:solidFill>
-            </a:endParaRPr>
-          </a:p>
-          <a:p>
-            <a:endParaRPr lang="en-US" altLang="zh-CN" sz="2400" dirty="0"/>
-          </a:p>
-        </p:txBody>
-      </p:sp>
-      <p:pic>
-        <p:nvPicPr>
-          <p:cNvPr id="5" name="图片 4">
-            <a:extLst>
-              <a:ext uri="{FF2B5EF4-FFF2-40B4-BE49-F238E27FC236}">
-                <a16:creationId xmlns:a16="http://schemas.microsoft.com/office/drawing/2014/main" id="{0308808A-DA1A-1842-8595-513C3888B14E}"/>
-              </a:ext>
-            </a:extLst>
-          </p:cNvPr>
-          <p:cNvPicPr>
-            <a:picLocks noChangeAspect="1"/>
-          </p:cNvPicPr>
-          <p:nvPr/>
-        </p:nvPicPr>
-        <p:blipFill>
-          <a:blip r:embed="rId2"/>
-          <a:stretch>
-            <a:fillRect/>
-          </a:stretch>
-        </p:blipFill>
-        <p:spPr>
-          <a:xfrm>
-            <a:off x="1468582" y="0"/>
-            <a:ext cx="7946552" cy="4876545"/>
-          </a:xfrm>
-          <a:prstGeom prst="rect">
-            <a:avLst/>
-          </a:prstGeom>
-        </p:spPr>
-      </p:pic>
-    </p:spTree>
-    <p:extLst>
-      <p:ext uri="{BB962C8B-B14F-4D97-AF65-F5344CB8AC3E}">
-        <p14:creationId xmlns:p14="http://schemas.microsoft.com/office/powerpoint/2010/main" val="2138587271"/>
-      </p:ext>
-    </p:extLst>
-  </p:cSld>
-  <p:clrMapOvr>
-    <a:masterClrMapping/>
-  </p:clrMapOvr>
-  <p:timing>
-    <p:tnLst>
-      <p:par>
-        <p:cTn id="1" dur="indefinite" restart="never" nodeType="tmRoot">
-          <p:childTnLst>
-            <p:seq concurrent="1" nextAc="seek">
-              <p:cTn id="2" dur="indefinite" nodeType="mainSeq">
-                <p:childTnLst>
-                  <p:par>
-                    <p:cTn id="3" fill="hold">
-                      <p:stCondLst>
-                        <p:cond delay="indefinite"/>
-                      </p:stCondLst>
-                      <p:childTnLst>
-                        <p:par>
-                          <p:cTn id="4" fill="hold">
-                            <p:stCondLst>
-                              <p:cond delay="0"/>
-                            </p:stCondLst>
-                            <p:childTnLst>
-                              <p:par>
-                                <p:cTn id="5" presetID="1" presetClass="entr" presetSubtype="0" fill="hold" nodeType="clickEffect">
-                                  <p:stCondLst>
-                                    <p:cond delay="0"/>
-                                  </p:stCondLst>
-                                  <p:childTnLst>
-                                    <p:set>
-                                      <p:cBhvr>
-                                        <p:cTn id="6" dur="1" fill="hold">
-                                          <p:stCondLst>
-                                            <p:cond delay="0"/>
-                                          </p:stCondLst>
-                                        </p:cTn>
-                                        <p:tgtEl>
-                                          <p:spTgt spid="5"/>
-                                        </p:tgtEl>
-                                        <p:attrNameLst>
-                                          <p:attrName>style.visibility</p:attrName>
-                                        </p:attrNameLst>
-                                      </p:cBhvr>
-                                      <p:to>
-                                        <p:strVal val="visible"/>
-                                      </p:to>
-                                    </p:set>
-                                  </p:childTnLst>
-                                </p:cTn>
-                              </p:par>
-                            </p:childTnLst>
-                          </p:cTn>
-                        </p:par>
-                      </p:childTnLst>
-                    </p:cTn>
-                  </p:par>
-                  <p:par>
-                    <p:cTn id="7" fill="hold">
-                      <p:stCondLst>
-                        <p:cond delay="indefinite"/>
-                      </p:stCondLst>
-                      <p:childTnLst>
-                        <p:par>
-                          <p:cTn id="8" fill="hold">
-                            <p:stCondLst>
-                              <p:cond delay="0"/>
-                            </p:stCondLst>
-                            <p:childTnLst>
-                              <p:par>
-                                <p:cTn id="9" presetID="1" presetClass="entr" presetSubtype="0" fill="hold" nodeType="clickEffect">
-                                  <p:stCondLst>
-                                    <p:cond delay="0"/>
-                                  </p:stCondLst>
-                                  <p:childTnLst>
-                                    <p:set>
-                                      <p:cBhvr>
-                                        <p:cTn id="10" dur="1" fill="hold">
-                                          <p:stCondLst>
-                                            <p:cond delay="0"/>
-                                          </p:stCondLst>
-                                        </p:cTn>
-                                        <p:tgtEl>
-                                          <p:spTgt spid="3">
-                                            <p:txEl>
-                                              <p:pRg st="4" end="4"/>
-                                            </p:txEl>
-                                          </p:spTgt>
-                                        </p:tgtEl>
-                                        <p:attrNameLst>
-                                          <p:attrName>style.visibility</p:attrName>
-                                        </p:attrNameLst>
-                                      </p:cBhvr>
-                                      <p:to>
-                                        <p:strVal val="visible"/>
-                                      </p:to>
-                                    </p:set>
-                                  </p:childTnLst>
-                                </p:cTn>
-                              </p:par>
-                            </p:childTnLst>
-                          </p:cTn>
-                        </p:par>
-                      </p:childTnLst>
-                    </p:cTn>
-                  </p:par>
-                  <p:par>
-                    <p:cTn id="11" fill="hold">
-                      <p:stCondLst>
-                        <p:cond delay="indefinite"/>
-                      </p:stCondLst>
-                      <p:childTnLst>
-                        <p:par>
-                          <p:cTn id="12" fill="hold">
-                            <p:stCondLst>
-                              <p:cond delay="0"/>
-                            </p:stCondLst>
-                            <p:childTnLst>
-                              <p:par>
-                                <p:cTn id="13" presetID="1" presetClass="entr" presetSubtype="0" fill="hold" nodeType="clickEffect">
-                                  <p:stCondLst>
-                                    <p:cond delay="0"/>
-                                  </p:stCondLst>
-                                  <p:childTnLst>
-                                    <p:set>
-                                      <p:cBhvr>
-                                        <p:cTn id="14" dur="1" fill="hold">
-                                          <p:stCondLst>
-                                            <p:cond delay="0"/>
-                                          </p:stCondLst>
-                                        </p:cTn>
-                                        <p:tgtEl>
-                                          <p:spTgt spid="3">
-                                            <p:txEl>
-                                              <p:pRg st="5" end="5"/>
-                                            </p:txEl>
-                                          </p:spTgt>
-                                        </p:tgtEl>
-                                        <p:attrNameLst>
-                                          <p:attrName>style.visibility</p:attrName>
-                                        </p:attrNameLst>
-                                      </p:cBhvr>
-                                      <p:to>
-                                        <p:strVal val="visible"/>
-                                      </p:to>
-                                    </p:set>
-                                  </p:childTnLst>
-                                </p:cTn>
-                              </p:par>
-                            </p:childTnLst>
-                          </p:cTn>
-                        </p:par>
-                      </p:childTnLst>
-                    </p:cTn>
-                  </p:par>
-                  <p:par>
-                    <p:cTn id="15" fill="hold">
-                      <p:stCondLst>
-                        <p:cond delay="indefinite"/>
-                      </p:stCondLst>
-                      <p:childTnLst>
-                        <p:par>
-                          <p:cTn id="16" fill="hold">
-                            <p:stCondLst>
-                              <p:cond delay="0"/>
-                            </p:stCondLst>
-                            <p:childTnLst>
-                              <p:par>
-                                <p:cTn id="17" presetID="1" presetClass="entr" presetSubtype="0" fill="hold" nodeType="clickEffect">
-                                  <p:stCondLst>
-                                    <p:cond delay="0"/>
-                                  </p:stCondLst>
-                                  <p:childTnLst>
-                                    <p:set>
-                                      <p:cBhvr>
-                                        <p:cTn id="18" dur="1" fill="hold">
-                                          <p:stCondLst>
-                                            <p:cond delay="0"/>
-                                          </p:stCondLst>
-                                        </p:cTn>
-                                        <p:tgtEl>
-                                          <p:spTgt spid="3">
-                                            <p:txEl>
-                                              <p:pRg st="6" end="6"/>
-                                            </p:txEl>
-                                          </p:spTgt>
-                                        </p:tgtEl>
-                                        <p:attrNameLst>
-                                          <p:attrName>style.visibility</p:attrName>
-                                        </p:attrNameLst>
-                                      </p:cBhvr>
-                                      <p:to>
-                                        <p:strVal val="visible"/>
-                                      </p:to>
-                                    </p:set>
-                                  </p:childTnLst>
-                                </p:cTn>
-                              </p:par>
-                            </p:childTnLst>
-                          </p:cTn>
-                        </p:par>
-                      </p:childTnLst>
-                    </p:cTn>
-                  </p:par>
-                  <p:par>
-                    <p:cTn id="19" fill="hold">
-                      <p:stCondLst>
-                        <p:cond delay="indefinite"/>
-                      </p:stCondLst>
-                      <p:childTnLst>
-                        <p:par>
-                          <p:cTn id="20" fill="hold">
-                            <p:stCondLst>
-                              <p:cond delay="0"/>
-                            </p:stCondLst>
-                            <p:childTnLst>
-                              <p:par>
-                                <p:cTn id="21" presetID="1" presetClass="entr" presetSubtype="0" fill="hold" nodeType="clickEffect">
-                                  <p:stCondLst>
-                                    <p:cond delay="0"/>
-                                  </p:stCondLst>
-                                  <p:childTnLst>
-                                    <p:set>
-                                      <p:cBhvr>
-                                        <p:cTn id="22" dur="1" fill="hold">
-                                          <p:stCondLst>
-                                            <p:cond delay="0"/>
-                                          </p:stCondLst>
-                                        </p:cTn>
-                                        <p:tgtEl>
-                                          <p:spTgt spid="3">
-                                            <p:txEl>
-                                              <p:pRg st="7" end="7"/>
-                                            </p:txEl>
-                                          </p:spTgt>
-                                        </p:tgtEl>
-                                        <p:attrNameLst>
-                                          <p:attrName>style.visibility</p:attrName>
-                                        </p:attrNameLst>
-                                      </p:cBhvr>
-                                      <p:to>
-                                        <p:strVal val="visible"/>
-                                      </p:to>
-                                    </p:set>
-                                  </p:childTnLst>
-                                </p:cTn>
-                              </p:par>
-                            </p:childTnLst>
-                          </p:cTn>
-                        </p:par>
-                      </p:childTnLst>
-                    </p:cTn>
-                  </p:par>
-                  <p:par>
-                    <p:cTn id="23" fill="hold">
-                      <p:stCondLst>
-                        <p:cond delay="indefinite"/>
-                      </p:stCondLst>
-                      <p:childTnLst>
-                        <p:par>
-                          <p:cTn id="24" fill="hold">
-                            <p:stCondLst>
-                              <p:cond delay="0"/>
-                            </p:stCondLst>
-                            <p:childTnLst>
-                              <p:par>
-                                <p:cTn id="25" presetID="1" presetClass="entr" presetSubtype="0" fill="hold" nodeType="clickEffect">
-                                  <p:stCondLst>
-                                    <p:cond delay="0"/>
-                                  </p:stCondLst>
-                                  <p:childTnLst>
-                                    <p:set>
-                                      <p:cBhvr>
-                                        <p:cTn id="26" dur="1" fill="hold">
-                                          <p:stCondLst>
-                                            <p:cond delay="0"/>
-                                          </p:stCondLst>
-                                        </p:cTn>
-                                        <p:tgtEl>
-                                          <p:spTgt spid="3">
-                                            <p:txEl>
-                                              <p:pRg st="8" end="8"/>
-                                            </p:txEl>
-                                          </p:spTgt>
-                                        </p:tgtEl>
-                                        <p:attrNameLst>
-                                          <p:attrName>style.visibility</p:attrName>
-                                        </p:attrNameLst>
-                                      </p:cBhvr>
-                                      <p:to>
-                                        <p:strVal val="visible"/>
-                                      </p:to>
-                                    </p:set>
-                                  </p:childTnLst>
-                                </p:cTn>
-                              </p:par>
-                            </p:childTnLst>
-                          </p:cTn>
-                        </p:par>
-                      </p:childTnLst>
-                    </p:cTn>
-                  </p:par>
-                </p:childTnLst>
-              </p:cTn>
-              <p:prevCondLst>
-                <p:cond evt="onPrev" delay="0">
-                  <p:tgtEl>
-                    <p:sldTgt/>
-                  </p:tgtEl>
-                </p:cond>
-              </p:prevCondLst>
-              <p:nextCondLst>
-                <p:cond evt="onNext" delay="0">
-                  <p:tgtEl>
-                    <p:sldTgt/>
-                  </p:tgtEl>
-                </p:cond>
-              </p:nextCondLst>
-            </p:seq>
-          </p:childTnLst>
-        </p:cTn>
-      </p:par>
-    </p:tnLst>
-  </p:timing>
-</p:sld>
-</file>
-
-<file path=ppt/slides/slide7.xml><?xml version="1.0" encoding="utf-8"?>
-<p:sld xmlns:a="http://schemas.openxmlformats.org/drawingml/2006/main" xmlns:r="http://schemas.openxmlformats.org/officeDocument/2006/relationships" xmlns:p="http://schemas.openxmlformats.org/presentationml/2006/main">
-  <p:cSld>
-    <p:spTree>
-      <p:nvGrpSpPr>
-        <p:cNvPr id="1" name=""/>
-        <p:cNvGrpSpPr/>
-        <p:nvPr/>
-      </p:nvGrpSpPr>
-      <p:grpSpPr>
-        <a:xfrm>
-          <a:off x="0" y="0"/>
-          <a:ext cx="0" cy="0"/>
-          <a:chOff x="0" y="0"/>
-          <a:chExt cx="0" cy="0"/>
-        </a:xfrm>
-      </p:grpSpPr>
-      <p:sp>
-        <p:nvSpPr>
-          <p:cNvPr id="2" name="标题 1">
-            <a:extLst>
-              <a:ext uri="{FF2B5EF4-FFF2-40B4-BE49-F238E27FC236}">
-                <a16:creationId xmlns:a16="http://schemas.microsoft.com/office/drawing/2014/main" id="{07001542-D27A-4787-A5CC-276C71315575}"/>
-              </a:ext>
-            </a:extLst>
-          </p:cNvPr>
-          <p:cNvSpPr>
-            <a:spLocks noGrp="1"/>
-          </p:cNvSpPr>
-          <p:nvPr>
-            <p:ph type="title"/>
-          </p:nvPr>
-        </p:nvSpPr>
-        <p:spPr/>
-        <p:txBody>
-          <a:bodyPr/>
-          <a:lstStyle/>
-          <a:p>
-            <a:r>
-              <a:rPr lang="en-US" altLang="zh-CN" dirty="0"/>
-              <a:t>Machine Programming</a:t>
-            </a:r>
-            <a:endParaRPr lang="zh-CN" altLang="en-US" dirty="0"/>
-          </a:p>
-        </p:txBody>
-      </p:sp>
-      <p:sp>
-        <p:nvSpPr>
-          <p:cNvPr id="3" name="内容占位符 2">
-            <a:extLst>
-              <a:ext uri="{FF2B5EF4-FFF2-40B4-BE49-F238E27FC236}">
-                <a16:creationId xmlns:a16="http://schemas.microsoft.com/office/drawing/2014/main" id="{8118AFAD-7285-4324-B45B-B49B327AD925}"/>
-              </a:ext>
-            </a:extLst>
-          </p:cNvPr>
-          <p:cNvSpPr>
-            <a:spLocks noGrp="1"/>
-          </p:cNvSpPr>
-          <p:nvPr>
-            <p:ph idx="1"/>
-          </p:nvPr>
-        </p:nvSpPr>
-        <p:spPr/>
-        <p:txBody>
-          <a:bodyPr>
-            <a:normAutofit/>
-          </a:bodyPr>
-          <a:lstStyle/>
-          <a:p>
-            <a:r>
-              <a:rPr lang="zh-CN" altLang="en-US" sz="2400" dirty="0"/>
-              <a:t>基础知识</a:t>
-            </a:r>
-            <a:endParaRPr lang="en-US" altLang="zh-CN" sz="2400" dirty="0"/>
-          </a:p>
-          <a:p>
-            <a:r>
-              <a:rPr lang="zh-CN" altLang="en-US" sz="2400" dirty="0"/>
-              <a:t>数据传送指令</a:t>
-            </a:r>
-            <a:endParaRPr lang="en-US" altLang="zh-CN" sz="2400" dirty="0"/>
-          </a:p>
-          <a:p>
-            <a:r>
-              <a:rPr lang="zh-CN" altLang="en-US" sz="2400" dirty="0"/>
-              <a:t>算术和逻辑操作</a:t>
-            </a:r>
-            <a:endParaRPr lang="en-US" altLang="zh-CN" sz="2400" dirty="0"/>
-          </a:p>
-          <a:p>
-            <a:r>
-              <a:rPr lang="zh-CN" altLang="en-US" sz="2400" dirty="0"/>
-              <a:t>条件分支与循环</a:t>
-            </a:r>
-            <a:endParaRPr lang="en-US" altLang="zh-CN" sz="2400" dirty="0"/>
-          </a:p>
-          <a:p>
-            <a:r>
-              <a:rPr lang="zh-CN" altLang="en-US" sz="2400" dirty="0"/>
-              <a:t>栈与函数调用</a:t>
-            </a:r>
-          </a:p>
-        </p:txBody>
-      </p:sp>
-    </p:spTree>
-    <p:extLst>
-      <p:ext uri="{BB962C8B-B14F-4D97-AF65-F5344CB8AC3E}">
-        <p14:creationId xmlns:p14="http://schemas.microsoft.com/office/powerpoint/2010/main" val="4101196955"/>
-      </p:ext>
-    </p:extLst>
-  </p:cSld>
-  <p:clrMapOvr>
-    <a:masterClrMapping/>
-  </p:clrMapOvr>
-</p:sld>
-</file>
-
-<file path=ppt/slides/slide8.xml><?xml version="1.0" encoding="utf-8"?>
-<p:sld xmlns:a="http://schemas.openxmlformats.org/drawingml/2006/main" xmlns:r="http://schemas.openxmlformats.org/officeDocument/2006/relationships" xmlns:p="http://schemas.openxmlformats.org/presentationml/2006/main">
-  <p:cSld>
-    <p:spTree>
-      <p:nvGrpSpPr>
-        <p:cNvPr id="1" name=""/>
-        <p:cNvGrpSpPr/>
-        <p:nvPr/>
-      </p:nvGrpSpPr>
-      <p:grpSpPr>
-        <a:xfrm>
-          <a:off x="0" y="0"/>
-          <a:ext cx="0" cy="0"/>
-          <a:chOff x="0" y="0"/>
-          <a:chExt cx="0" cy="0"/>
-        </a:xfrm>
-      </p:grpSpPr>
-      <p:sp>
-        <p:nvSpPr>
-          <p:cNvPr id="2" name="标题 1">
-            <a:extLst>
-              <a:ext uri="{FF2B5EF4-FFF2-40B4-BE49-F238E27FC236}">
-                <a16:creationId xmlns:a16="http://schemas.microsoft.com/office/drawing/2014/main" id="{86734213-08A5-4F06-87EC-4ECF4417278B}"/>
-              </a:ext>
-            </a:extLst>
-          </p:cNvPr>
-          <p:cNvSpPr>
-            <a:spLocks noGrp="1"/>
-          </p:cNvSpPr>
-          <p:nvPr>
-            <p:ph type="title"/>
-          </p:nvPr>
-        </p:nvSpPr>
-        <p:spPr/>
-        <p:txBody>
-          <a:bodyPr/>
-          <a:lstStyle/>
-          <a:p>
-            <a:r>
-              <a:rPr lang="zh-CN" altLang="en-US" dirty="0"/>
-              <a:t>基础知识</a:t>
-            </a:r>
-          </a:p>
-        </p:txBody>
-      </p:sp>
-      <p:sp>
-        <p:nvSpPr>
-          <p:cNvPr id="3" name="内容占位符 2">
-            <a:extLst>
-              <a:ext uri="{FF2B5EF4-FFF2-40B4-BE49-F238E27FC236}">
-                <a16:creationId xmlns:a16="http://schemas.microsoft.com/office/drawing/2014/main" id="{85ED4F9F-B24F-40CB-89AC-2A85317A48A9}"/>
-              </a:ext>
-            </a:extLst>
-          </p:cNvPr>
-          <p:cNvSpPr>
-            <a:spLocks noGrp="1"/>
-          </p:cNvSpPr>
-          <p:nvPr>
-            <p:ph idx="1"/>
-          </p:nvPr>
-        </p:nvSpPr>
-        <p:spPr/>
-        <p:txBody>
-          <a:bodyPr>
-            <a:normAutofit/>
-          </a:bodyPr>
-          <a:lstStyle/>
-          <a:p>
-            <a:pPr>
-              <a:lnSpc>
-                <a:spcPct val="120000"/>
-              </a:lnSpc>
-            </a:pPr>
-            <a:r>
-              <a:rPr lang="zh-CN" altLang="en-US" sz="2400" dirty="0"/>
-              <a:t>寄存器</a:t>
-            </a:r>
-            <a:endParaRPr lang="en-US" altLang="zh-CN" sz="2400" dirty="0"/>
-          </a:p>
-          <a:p>
-            <a:pPr lvl="1">
-              <a:lnSpc>
-                <a:spcPct val="120000"/>
-              </a:lnSpc>
-            </a:pPr>
-            <a:r>
-              <a:rPr lang="zh-CN" altLang="en-US" sz="1800" dirty="0"/>
-              <a:t>特殊寄存器：</a:t>
-            </a:r>
-            <a:r>
-              <a:rPr lang="en-US" altLang="zh-CN" sz="1800" dirty="0"/>
-              <a:t>%rsp % rax %rdi %rsi</a:t>
-            </a:r>
-          </a:p>
-          <a:p>
-            <a:pPr lvl="1">
-              <a:lnSpc>
-                <a:spcPct val="120000"/>
-              </a:lnSpc>
-            </a:pPr>
-            <a:r>
-              <a:rPr lang="en-US" altLang="zh-CN" sz="1800" dirty="0"/>
-              <a:t>64</a:t>
-            </a:r>
-            <a:r>
-              <a:rPr lang="zh-CN" altLang="en-US" sz="1800" dirty="0"/>
-              <a:t>位和</a:t>
-            </a:r>
-            <a:r>
-              <a:rPr lang="en-US" altLang="zh-CN" sz="1800" dirty="0"/>
-              <a:t>32</a:t>
-            </a:r>
-            <a:r>
-              <a:rPr lang="zh-CN" altLang="en-US" sz="1800" dirty="0"/>
-              <a:t>位比较常用</a:t>
-            </a:r>
-            <a:endParaRPr lang="en-US" altLang="zh-CN" sz="1800" dirty="0"/>
-          </a:p>
-          <a:p>
-            <a:pPr lvl="1">
-              <a:lnSpc>
-                <a:spcPct val="120000"/>
-              </a:lnSpc>
-            </a:pPr>
-            <a:r>
-              <a:rPr lang="zh-CN" altLang="en-US" sz="1800" dirty="0">
-                <a:solidFill>
-                  <a:srgbClr val="FFFF00"/>
-                </a:solidFill>
-              </a:rPr>
-              <a:t>生成</a:t>
-            </a:r>
-            <a:r>
-              <a:rPr lang="en-US" altLang="zh-CN" sz="1800" dirty="0">
-                <a:solidFill>
-                  <a:srgbClr val="FFFF00"/>
-                </a:solidFill>
-              </a:rPr>
-              <a:t>4</a:t>
-            </a:r>
-            <a:r>
-              <a:rPr lang="zh-CN" altLang="en-US" sz="1800" dirty="0">
-                <a:solidFill>
-                  <a:srgbClr val="FFFF00"/>
-                </a:solidFill>
-              </a:rPr>
-              <a:t>字节指令的数字会把高位</a:t>
-            </a:r>
-            <a:r>
-              <a:rPr lang="en-US" altLang="zh-CN" sz="1800" dirty="0">
-                <a:solidFill>
-                  <a:srgbClr val="FFFF00"/>
-                </a:solidFill>
-              </a:rPr>
-              <a:t>4</a:t>
-            </a:r>
-            <a:r>
-              <a:rPr lang="zh-CN" altLang="en-US" sz="1800" dirty="0">
-                <a:solidFill>
-                  <a:srgbClr val="FFFF00"/>
-                </a:solidFill>
-              </a:rPr>
-              <a:t>个字节置为</a:t>
-            </a:r>
-            <a:r>
-              <a:rPr lang="en-US" altLang="zh-CN" sz="1800" dirty="0">
-                <a:solidFill>
-                  <a:srgbClr val="FFFF00"/>
-                </a:solidFill>
-              </a:rPr>
-              <a:t>0</a:t>
-            </a:r>
-            <a:r>
-              <a:rPr lang="zh-CN" altLang="en-US" sz="1800" dirty="0">
-                <a:solidFill>
-                  <a:srgbClr val="FFFF00"/>
-                </a:solidFill>
-              </a:rPr>
-              <a:t>；</a:t>
-            </a:r>
-            <a:r>
-              <a:rPr lang="en-US" altLang="zh-CN" sz="1800" dirty="0">
-                <a:solidFill>
-                  <a:srgbClr val="FFFF00"/>
-                </a:solidFill>
-              </a:rPr>
-              <a:t>1 or 2</a:t>
-            </a:r>
-            <a:r>
-              <a:rPr lang="zh-CN" altLang="en-US" sz="1800" dirty="0">
-                <a:solidFill>
-                  <a:srgbClr val="FFFF00"/>
-                </a:solidFill>
-              </a:rPr>
-              <a:t>字节不变</a:t>
-            </a:r>
-            <a:endParaRPr lang="en-US" altLang="zh-CN" sz="1800" dirty="0">
-              <a:solidFill>
-                <a:srgbClr val="FFFF00"/>
-              </a:solidFill>
-            </a:endParaRPr>
-          </a:p>
-          <a:p>
-            <a:pPr>
-              <a:lnSpc>
-                <a:spcPct val="120000"/>
-              </a:lnSpc>
-            </a:pPr>
-            <a:r>
-              <a:rPr lang="zh-CN" altLang="en-US" sz="2400" dirty="0"/>
-              <a:t>操作数的格式</a:t>
-            </a:r>
-            <a:endParaRPr lang="en-US" altLang="zh-CN" sz="2400" dirty="0"/>
-          </a:p>
-          <a:p>
-            <a:pPr lvl="1">
-              <a:lnSpc>
-                <a:spcPct val="120000"/>
-              </a:lnSpc>
-            </a:pPr>
-            <a:r>
-              <a:rPr lang="zh-CN" altLang="en-US" sz="1800" dirty="0"/>
-              <a:t>立即数与存储器的绝对寻址的区别（</a:t>
-            </a:r>
-            <a:r>
-              <a:rPr lang="en-US" altLang="zh-CN" sz="1800" dirty="0"/>
-              <a:t>$</a:t>
-            </a:r>
-            <a:r>
-              <a:rPr lang="zh-CN" altLang="en-US" sz="1800" dirty="0"/>
-              <a:t>）</a:t>
-            </a:r>
-            <a:endParaRPr lang="en-US" altLang="zh-CN" sz="1800" dirty="0"/>
-          </a:p>
-          <a:p>
-            <a:pPr lvl="1">
-              <a:lnSpc>
-                <a:spcPct val="120000"/>
-              </a:lnSpc>
-            </a:pPr>
-            <a:r>
-              <a:rPr lang="zh-CN" altLang="en-US" sz="1800" dirty="0"/>
-              <a:t>基址和变址寄存器都是</a:t>
-            </a:r>
-            <a:r>
-              <a:rPr lang="en-US" altLang="zh-CN" sz="1800" dirty="0">
-                <a:solidFill>
-                  <a:srgbClr val="FFFF00"/>
-                </a:solidFill>
-              </a:rPr>
-              <a:t>64</a:t>
-            </a:r>
-            <a:r>
-              <a:rPr lang="zh-CN" altLang="en-US" sz="1800" dirty="0">
-                <a:solidFill>
-                  <a:srgbClr val="FFFF00"/>
-                </a:solidFill>
-              </a:rPr>
-              <a:t>位寄存器</a:t>
-            </a:r>
-            <a:r>
-              <a:rPr lang="zh-CN" altLang="en-US" sz="1800" dirty="0"/>
-              <a:t>（</a:t>
-            </a:r>
-            <a:r>
-              <a:rPr lang="en-US" altLang="zh-CN" sz="1800" dirty="0"/>
-              <a:t>x86-64</a:t>
-            </a:r>
-            <a:r>
-              <a:rPr lang="zh-CN" altLang="en-US" sz="1800" dirty="0"/>
-              <a:t>）</a:t>
-            </a:r>
-            <a:endParaRPr lang="en-US" altLang="zh-CN" sz="1800" dirty="0"/>
-          </a:p>
-          <a:p>
-            <a:pPr lvl="1">
-              <a:lnSpc>
-                <a:spcPct val="120000"/>
-              </a:lnSpc>
-            </a:pPr>
-            <a:r>
-              <a:rPr lang="zh-CN" altLang="en-US" sz="1800" dirty="0"/>
-              <a:t>比例因子必须是</a:t>
-            </a:r>
-            <a:r>
-              <a:rPr lang="en-US" altLang="zh-CN" sz="1800" dirty="0"/>
-              <a:t>1,2,4,8</a:t>
-            </a:r>
-            <a:endParaRPr lang="zh-CN" altLang="en-US" sz="1800" dirty="0"/>
-          </a:p>
-          <a:p>
-            <a:pPr>
-              <a:lnSpc>
-                <a:spcPct val="120000"/>
-              </a:lnSpc>
-            </a:pPr>
-            <a:endParaRPr lang="en-US" altLang="zh-CN" sz="2400" dirty="0"/>
-          </a:p>
-        </p:txBody>
-      </p:sp>
-      <p:pic>
-        <p:nvPicPr>
-          <p:cNvPr id="4" name="图片 3">
-            <a:extLst>
-              <a:ext uri="{FF2B5EF4-FFF2-40B4-BE49-F238E27FC236}">
-                <a16:creationId xmlns:a16="http://schemas.microsoft.com/office/drawing/2014/main" id="{E1157CEA-9AF0-4D03-B3F9-1B1E6FF0B3AD}"/>
-              </a:ext>
-            </a:extLst>
-          </p:cNvPr>
-          <p:cNvPicPr>
-            <a:picLocks noChangeAspect="1"/>
-          </p:cNvPicPr>
-          <p:nvPr/>
-        </p:nvPicPr>
-        <p:blipFill>
-          <a:blip r:embed="rId3"/>
-          <a:stretch>
-            <a:fillRect/>
-          </a:stretch>
-        </p:blipFill>
-        <p:spPr>
-          <a:xfrm>
-            <a:off x="6979059" y="4823951"/>
-            <a:ext cx="1714500" cy="533400"/>
-          </a:xfrm>
-          <a:prstGeom prst="rect">
-            <a:avLst/>
-          </a:prstGeom>
-        </p:spPr>
-      </p:pic>
-    </p:spTree>
-    <p:extLst>
-      <p:ext uri="{BB962C8B-B14F-4D97-AF65-F5344CB8AC3E}">
-        <p14:creationId xmlns:p14="http://schemas.microsoft.com/office/powerpoint/2010/main" val="444693354"/>
-      </p:ext>
-    </p:extLst>
-  </p:cSld>
-  <p:clrMapOvr>
-    <a:masterClrMapping/>
-  </p:clrMapOvr>
-</p:sld>
-</file>
-
-<file path=ppt/slides/slide9.xml><?xml version="1.0" encoding="utf-8"?>
 <p:sld xmlns:a="http://schemas.openxmlformats.org/drawingml/2006/main" xmlns:r="http://schemas.openxmlformats.org/officeDocument/2006/relationships" xmlns:p="http://schemas.openxmlformats.org/presentationml/2006/main">
   <p:cSld>
     <p:spTree>
@@ -10786,6 +6137,4771 @@
 </p:sld>
 </file>
 
+<file path=ppt/slides/slide11.xml><?xml version="1.0" encoding="utf-8"?>
+<p:sld xmlns:a="http://schemas.openxmlformats.org/drawingml/2006/main" xmlns:r="http://schemas.openxmlformats.org/officeDocument/2006/relationships" xmlns:p="http://schemas.openxmlformats.org/presentationml/2006/main">
+  <p:cSld>
+    <p:spTree>
+      <p:nvGrpSpPr>
+        <p:cNvPr id="1" name=""/>
+        <p:cNvGrpSpPr/>
+        <p:nvPr/>
+      </p:nvGrpSpPr>
+      <p:grpSpPr>
+        <a:xfrm>
+          <a:off x="0" y="0"/>
+          <a:ext cx="0" cy="0"/>
+          <a:chOff x="0" y="0"/>
+          <a:chExt cx="0" cy="0"/>
+        </a:xfrm>
+      </p:grpSpPr>
+      <p:sp>
+        <p:nvSpPr>
+          <p:cNvPr id="2" name="标题 1">
+            <a:extLst>
+              <a:ext uri="{FF2B5EF4-FFF2-40B4-BE49-F238E27FC236}">
+                <a16:creationId xmlns:a16="http://schemas.microsoft.com/office/drawing/2014/main" id="{B931DEA0-405B-4A19-BF90-89C4ABB84FF7}"/>
+              </a:ext>
+            </a:extLst>
+          </p:cNvPr>
+          <p:cNvSpPr>
+            <a:spLocks noGrp="1"/>
+          </p:cNvSpPr>
+          <p:nvPr>
+            <p:ph type="title"/>
+          </p:nvPr>
+        </p:nvSpPr>
+        <p:spPr/>
+        <p:txBody>
+          <a:bodyPr/>
+          <a:lstStyle/>
+          <a:p>
+            <a:r>
+              <a:rPr lang="zh-CN" altLang="en-US" dirty="0"/>
+              <a:t>算术与逻辑操作</a:t>
+            </a:r>
+          </a:p>
+        </p:txBody>
+      </p:sp>
+      <p:sp>
+        <p:nvSpPr>
+          <p:cNvPr id="3" name="内容占位符 2">
+            <a:extLst>
+              <a:ext uri="{FF2B5EF4-FFF2-40B4-BE49-F238E27FC236}">
+                <a16:creationId xmlns:a16="http://schemas.microsoft.com/office/drawing/2014/main" id="{689AADBA-6A81-4B43-8F0F-4C92449CF5FE}"/>
+              </a:ext>
+            </a:extLst>
+          </p:cNvPr>
+          <p:cNvSpPr>
+            <a:spLocks noGrp="1"/>
+          </p:cNvSpPr>
+          <p:nvPr>
+            <p:ph idx="1"/>
+          </p:nvPr>
+        </p:nvSpPr>
+        <p:spPr>
+          <a:xfrm>
+            <a:off x="1261871" y="1828800"/>
+            <a:ext cx="9612605" cy="4663440"/>
+          </a:xfrm>
+        </p:spPr>
+        <p:txBody>
+          <a:bodyPr>
+            <a:normAutofit lnSpcReduction="10000"/>
+          </a:bodyPr>
+          <a:lstStyle/>
+          <a:p>
+            <a:pPr>
+              <a:lnSpc>
+                <a:spcPct val="120000"/>
+              </a:lnSpc>
+            </a:pPr>
+            <a:r>
+              <a:rPr lang="en-US" altLang="zh-CN" sz="2400" dirty="0"/>
+              <a:t>leaq</a:t>
+            </a:r>
+            <a:r>
+              <a:rPr lang="zh-CN" altLang="en-US" sz="2400" dirty="0"/>
+              <a:t>：写入地址，也可以用于计算数值</a:t>
+            </a:r>
+            <a:endParaRPr lang="en-US" altLang="zh-CN" sz="2400" dirty="0"/>
+          </a:p>
+          <a:p>
+            <a:pPr>
+              <a:lnSpc>
+                <a:spcPct val="120000"/>
+              </a:lnSpc>
+            </a:pPr>
+            <a:r>
+              <a:rPr lang="en-US" altLang="zh-CN" sz="2400" dirty="0"/>
+              <a:t>Q</a:t>
+            </a:r>
+            <a:r>
+              <a:rPr lang="zh-CN" altLang="en-US" sz="2400" dirty="0"/>
+              <a:t>：移位操作的移位量如何确定？</a:t>
+            </a:r>
+            <a:endParaRPr lang="en-US" altLang="zh-CN" sz="2400" dirty="0"/>
+          </a:p>
+          <a:p>
+            <a:pPr lvl="1">
+              <a:lnSpc>
+                <a:spcPct val="120000"/>
+              </a:lnSpc>
+            </a:pPr>
+            <a:r>
+              <a:rPr lang="zh-CN" altLang="en-US" sz="1800" dirty="0"/>
+              <a:t>立即数，或者</a:t>
+            </a:r>
+            <a:r>
+              <a:rPr lang="zh-CN" altLang="en-US" sz="1800" dirty="0">
+                <a:solidFill>
+                  <a:srgbClr val="FFFF00"/>
+                </a:solidFill>
+              </a:rPr>
+              <a:t>单字节寄存器</a:t>
+            </a:r>
+            <a:r>
+              <a:rPr lang="en-US" altLang="zh-CN" sz="1800" dirty="0">
+                <a:solidFill>
+                  <a:srgbClr val="FFFF00"/>
+                </a:solidFill>
+              </a:rPr>
+              <a:t>%cl</a:t>
+            </a:r>
+            <a:r>
+              <a:rPr lang="zh-CN" altLang="en-US" sz="1800" dirty="0">
+                <a:solidFill>
+                  <a:schemeClr val="tx1"/>
+                </a:solidFill>
+              </a:rPr>
+              <a:t>（练习题</a:t>
+            </a:r>
+            <a:r>
+              <a:rPr lang="en-US" altLang="zh-CN" sz="1800" dirty="0">
+                <a:solidFill>
+                  <a:schemeClr val="tx1"/>
+                </a:solidFill>
+              </a:rPr>
+              <a:t>3.9</a:t>
+            </a:r>
+            <a:r>
+              <a:rPr lang="zh-CN" altLang="en-US" sz="1800" dirty="0">
+                <a:solidFill>
+                  <a:schemeClr val="tx1"/>
+                </a:solidFill>
+              </a:rPr>
+              <a:t>）</a:t>
+            </a:r>
+            <a:endParaRPr lang="en-US" altLang="zh-CN" sz="1800" dirty="0">
+              <a:solidFill>
+                <a:srgbClr val="FFFF00"/>
+              </a:solidFill>
+            </a:endParaRPr>
+          </a:p>
+          <a:p>
+            <a:pPr>
+              <a:lnSpc>
+                <a:spcPct val="120000"/>
+              </a:lnSpc>
+            </a:pPr>
+            <a:r>
+              <a:rPr lang="en-US" altLang="zh-CN" sz="2400" dirty="0"/>
+              <a:t>Q</a:t>
+            </a:r>
+            <a:r>
+              <a:rPr lang="zh-CN" altLang="en-US" sz="2400" dirty="0"/>
+              <a:t>：清零寄存器的一种可选方式？</a:t>
+            </a:r>
+            <a:endParaRPr lang="en-US" altLang="zh-CN" sz="2400" dirty="0"/>
+          </a:p>
+          <a:p>
+            <a:pPr lvl="1">
+              <a:lnSpc>
+                <a:spcPct val="120000"/>
+              </a:lnSpc>
+            </a:pPr>
+            <a:r>
+              <a:rPr lang="en-US" altLang="zh-CN" sz="1800" dirty="0"/>
+              <a:t>xor REG REG</a:t>
+            </a:r>
+            <a:r>
+              <a:rPr lang="zh-CN" altLang="en-US" sz="1800" dirty="0"/>
+              <a:t>（练习题</a:t>
+            </a:r>
+            <a:r>
+              <a:rPr lang="en-US" altLang="zh-CN" sz="1800" dirty="0"/>
+              <a:t>3.11</a:t>
+            </a:r>
+            <a:r>
+              <a:rPr lang="zh-CN" altLang="en-US" sz="1800" dirty="0"/>
+              <a:t>）</a:t>
+            </a:r>
+            <a:endParaRPr lang="en-US" altLang="zh-CN" sz="1800" dirty="0"/>
+          </a:p>
+          <a:p>
+            <a:pPr>
+              <a:lnSpc>
+                <a:spcPct val="120000"/>
+              </a:lnSpc>
+            </a:pPr>
+            <a:r>
+              <a:rPr lang="zh-CN" altLang="en-US" sz="2400" dirty="0"/>
+              <a:t>特殊的运算</a:t>
+            </a:r>
+            <a:endParaRPr lang="en-US" altLang="zh-CN" sz="2400" dirty="0"/>
+          </a:p>
+          <a:p>
+            <a:pPr lvl="1">
+              <a:lnSpc>
+                <a:spcPct val="120000"/>
+              </a:lnSpc>
+            </a:pPr>
+            <a:r>
+              <a:rPr lang="en-US" altLang="zh-CN" sz="1800" dirty="0"/>
+              <a:t>128</a:t>
+            </a:r>
+            <a:r>
+              <a:rPr lang="zh-CN" altLang="en-US" sz="1800" dirty="0"/>
+              <a:t>位乘法：一个参数在</a:t>
+            </a:r>
+            <a:r>
+              <a:rPr lang="en-US" altLang="zh-CN" sz="1800" dirty="0"/>
+              <a:t>%rax</a:t>
+            </a:r>
+            <a:r>
+              <a:rPr lang="zh-CN" altLang="en-US" sz="1800" dirty="0"/>
+              <a:t>中，另一个参数作为源操作数，结果低</a:t>
+            </a:r>
+            <a:r>
+              <a:rPr lang="en-US" altLang="zh-CN" sz="1800" dirty="0"/>
+              <a:t>64</a:t>
+            </a:r>
+            <a:r>
+              <a:rPr lang="zh-CN" altLang="en-US" sz="1800" dirty="0"/>
+              <a:t>位存放在</a:t>
+            </a:r>
+            <a:r>
+              <a:rPr lang="en-US" altLang="zh-CN" sz="1800" dirty="0"/>
+              <a:t>%rax</a:t>
+            </a:r>
+            <a:r>
+              <a:rPr lang="zh-CN" altLang="en-US" sz="1800" dirty="0"/>
+              <a:t>，高</a:t>
+            </a:r>
+            <a:r>
+              <a:rPr lang="en-US" altLang="zh-CN" sz="1800" dirty="0"/>
+              <a:t>64</a:t>
+            </a:r>
+            <a:r>
+              <a:rPr lang="zh-CN" altLang="en-US" sz="1800" dirty="0"/>
+              <a:t>位存放在</a:t>
+            </a:r>
+            <a:r>
+              <a:rPr lang="en-US" altLang="zh-CN" sz="1800" dirty="0"/>
+              <a:t>%rdx</a:t>
+            </a:r>
+          </a:p>
+          <a:p>
+            <a:pPr lvl="1">
+              <a:lnSpc>
+                <a:spcPct val="120000"/>
+              </a:lnSpc>
+            </a:pPr>
+            <a:r>
+              <a:rPr lang="en-US" altLang="zh-CN" sz="1800" dirty="0"/>
+              <a:t>128</a:t>
+            </a:r>
+            <a:r>
+              <a:rPr lang="zh-CN" altLang="en-US" sz="1800" dirty="0"/>
+              <a:t>位除法：</a:t>
+            </a:r>
+            <a:r>
+              <a:rPr lang="en-US" altLang="zh-CN" sz="1800" dirty="0"/>
+              <a:t>128</a:t>
+            </a:r>
+            <a:r>
+              <a:rPr lang="zh-CN" altLang="en-US" sz="1800" dirty="0"/>
+              <a:t>位被除数高</a:t>
+            </a:r>
+            <a:r>
+              <a:rPr lang="en-US" altLang="zh-CN" sz="1800" dirty="0"/>
+              <a:t>64</a:t>
+            </a:r>
+            <a:r>
+              <a:rPr lang="zh-CN" altLang="en-US" sz="1800" dirty="0"/>
+              <a:t>位在</a:t>
+            </a:r>
+            <a:r>
+              <a:rPr lang="en-US" altLang="zh-CN" sz="1800" dirty="0"/>
+              <a:t>%rdx</a:t>
+            </a:r>
+            <a:r>
+              <a:rPr lang="zh-CN" altLang="en-US" sz="1800" dirty="0"/>
+              <a:t>，低</a:t>
+            </a:r>
+            <a:r>
+              <a:rPr lang="en-US" altLang="zh-CN" sz="1800" dirty="0"/>
+              <a:t>64</a:t>
+            </a:r>
+            <a:r>
+              <a:rPr lang="zh-CN" altLang="en-US" sz="1800" dirty="0"/>
+              <a:t>位在</a:t>
+            </a:r>
+            <a:r>
+              <a:rPr lang="en-US" altLang="zh-CN" sz="1800" dirty="0"/>
+              <a:t>%rax</a:t>
+            </a:r>
+            <a:r>
+              <a:rPr lang="zh-CN" altLang="en-US" sz="1800" dirty="0"/>
+              <a:t>；商存于</a:t>
+            </a:r>
+            <a:r>
+              <a:rPr lang="en-US" altLang="zh-CN" sz="1800" dirty="0"/>
+              <a:t>%rax</a:t>
+            </a:r>
+            <a:r>
+              <a:rPr lang="zh-CN" altLang="en-US" sz="1800" dirty="0"/>
+              <a:t>，余数存于</a:t>
+            </a:r>
+            <a:r>
+              <a:rPr lang="en-US" altLang="zh-CN" sz="1800" dirty="0"/>
+              <a:t>%rdx</a:t>
+            </a:r>
+          </a:p>
+          <a:p>
+            <a:pPr lvl="1">
+              <a:lnSpc>
+                <a:spcPct val="120000"/>
+              </a:lnSpc>
+            </a:pPr>
+            <a:r>
+              <a:rPr lang="en-US" altLang="zh-CN" sz="1800" dirty="0"/>
+              <a:t>cqto</a:t>
+            </a:r>
+            <a:r>
+              <a:rPr lang="zh-CN" altLang="en-US" sz="1800" dirty="0"/>
+              <a:t>：</a:t>
+            </a:r>
+            <a:r>
+              <a:rPr lang="en-US" altLang="zh-CN" sz="1800" dirty="0"/>
+              <a:t>%rax</a:t>
+            </a:r>
+            <a:r>
+              <a:rPr lang="zh-CN" altLang="en-US" sz="1800" dirty="0"/>
+              <a:t>符号拓展至</a:t>
+            </a:r>
+            <a:r>
+              <a:rPr lang="en-US" altLang="zh-CN" sz="1800" dirty="0"/>
+              <a:t>%rdx</a:t>
+            </a:r>
+            <a:endParaRPr lang="zh-CN" altLang="en-US" sz="1800" dirty="0"/>
+          </a:p>
+        </p:txBody>
+      </p:sp>
+    </p:spTree>
+    <p:extLst>
+      <p:ext uri="{BB962C8B-B14F-4D97-AF65-F5344CB8AC3E}">
+        <p14:creationId xmlns:p14="http://schemas.microsoft.com/office/powerpoint/2010/main" val="1084007837"/>
+      </p:ext>
+    </p:extLst>
+  </p:cSld>
+  <p:clrMapOvr>
+    <a:masterClrMapping/>
+  </p:clrMapOvr>
+  <p:timing>
+    <p:tnLst>
+      <p:par>
+        <p:cTn id="1" dur="indefinite" restart="never" nodeType="tmRoot">
+          <p:childTnLst>
+            <p:seq concurrent="1" nextAc="seek">
+              <p:cTn id="2" dur="indefinite" nodeType="mainSeq">
+                <p:childTnLst>
+                  <p:par>
+                    <p:cTn id="3" fill="hold">
+                      <p:stCondLst>
+                        <p:cond delay="indefinite"/>
+                      </p:stCondLst>
+                      <p:childTnLst>
+                        <p:par>
+                          <p:cTn id="4" fill="hold">
+                            <p:stCondLst>
+                              <p:cond delay="0"/>
+                            </p:stCondLst>
+                            <p:childTnLst>
+                              <p:par>
+                                <p:cTn id="5" presetID="1" presetClass="entr" presetSubtype="0" fill="hold" nodeType="clickEffect">
+                                  <p:stCondLst>
+                                    <p:cond delay="0"/>
+                                  </p:stCondLst>
+                                  <p:childTnLst>
+                                    <p:set>
+                                      <p:cBhvr>
+                                        <p:cTn id="6" dur="1" fill="hold">
+                                          <p:stCondLst>
+                                            <p:cond delay="0"/>
+                                          </p:stCondLst>
+                                        </p:cTn>
+                                        <p:tgtEl>
+                                          <p:spTgt spid="3">
+                                            <p:txEl>
+                                              <p:pRg st="2" end="2"/>
+                                            </p:txEl>
+                                          </p:spTgt>
+                                        </p:tgtEl>
+                                        <p:attrNameLst>
+                                          <p:attrName>style.visibility</p:attrName>
+                                        </p:attrNameLst>
+                                      </p:cBhvr>
+                                      <p:to>
+                                        <p:strVal val="visible"/>
+                                      </p:to>
+                                    </p:set>
+                                  </p:childTnLst>
+                                </p:cTn>
+                              </p:par>
+                            </p:childTnLst>
+                          </p:cTn>
+                        </p:par>
+                      </p:childTnLst>
+                    </p:cTn>
+                  </p:par>
+                  <p:par>
+                    <p:cTn id="7" fill="hold">
+                      <p:stCondLst>
+                        <p:cond delay="indefinite"/>
+                      </p:stCondLst>
+                      <p:childTnLst>
+                        <p:par>
+                          <p:cTn id="8" fill="hold">
+                            <p:stCondLst>
+                              <p:cond delay="0"/>
+                            </p:stCondLst>
+                            <p:childTnLst>
+                              <p:par>
+                                <p:cTn id="9" presetID="1" presetClass="entr" presetSubtype="0" fill="hold" nodeType="clickEffect">
+                                  <p:stCondLst>
+                                    <p:cond delay="0"/>
+                                  </p:stCondLst>
+                                  <p:childTnLst>
+                                    <p:set>
+                                      <p:cBhvr>
+                                        <p:cTn id="10" dur="1" fill="hold">
+                                          <p:stCondLst>
+                                            <p:cond delay="0"/>
+                                          </p:stCondLst>
+                                        </p:cTn>
+                                        <p:tgtEl>
+                                          <p:spTgt spid="3">
+                                            <p:txEl>
+                                              <p:pRg st="4" end="4"/>
+                                            </p:txEl>
+                                          </p:spTgt>
+                                        </p:tgtEl>
+                                        <p:attrNameLst>
+                                          <p:attrName>style.visibility</p:attrName>
+                                        </p:attrNameLst>
+                                      </p:cBhvr>
+                                      <p:to>
+                                        <p:strVal val="visible"/>
+                                      </p:to>
+                                    </p:set>
+                                  </p:childTnLst>
+                                </p:cTn>
+                              </p:par>
+                            </p:childTnLst>
+                          </p:cTn>
+                        </p:par>
+                      </p:childTnLst>
+                    </p:cTn>
+                  </p:par>
+                </p:childTnLst>
+              </p:cTn>
+              <p:prevCondLst>
+                <p:cond evt="onPrev" delay="0">
+                  <p:tgtEl>
+                    <p:sldTgt/>
+                  </p:tgtEl>
+                </p:cond>
+              </p:prevCondLst>
+              <p:nextCondLst>
+                <p:cond evt="onNext" delay="0">
+                  <p:tgtEl>
+                    <p:sldTgt/>
+                  </p:tgtEl>
+                </p:cond>
+              </p:nextCondLst>
+            </p:seq>
+          </p:childTnLst>
+        </p:cTn>
+      </p:par>
+    </p:tnLst>
+  </p:timing>
+</p:sld>
+</file>
+
+<file path=ppt/slides/slide12.xml><?xml version="1.0" encoding="utf-8"?>
+<p:sld xmlns:a="http://schemas.openxmlformats.org/drawingml/2006/main" xmlns:r="http://schemas.openxmlformats.org/officeDocument/2006/relationships" xmlns:p="http://schemas.openxmlformats.org/presentationml/2006/main">
+  <p:cSld>
+    <p:spTree>
+      <p:nvGrpSpPr>
+        <p:cNvPr id="1" name=""/>
+        <p:cNvGrpSpPr/>
+        <p:nvPr/>
+      </p:nvGrpSpPr>
+      <p:grpSpPr>
+        <a:xfrm>
+          <a:off x="0" y="0"/>
+          <a:ext cx="0" cy="0"/>
+          <a:chOff x="0" y="0"/>
+          <a:chExt cx="0" cy="0"/>
+        </a:xfrm>
+      </p:grpSpPr>
+      <p:sp>
+        <p:nvSpPr>
+          <p:cNvPr id="2" name="标题 1">
+            <a:extLst>
+              <a:ext uri="{FF2B5EF4-FFF2-40B4-BE49-F238E27FC236}">
+                <a16:creationId xmlns:a16="http://schemas.microsoft.com/office/drawing/2014/main" id="{4651987E-209C-4ED1-AFF6-22DBA1B0984B}"/>
+              </a:ext>
+            </a:extLst>
+          </p:cNvPr>
+          <p:cNvSpPr>
+            <a:spLocks noGrp="1"/>
+          </p:cNvSpPr>
+          <p:nvPr>
+            <p:ph type="title"/>
+          </p:nvPr>
+        </p:nvSpPr>
+        <p:spPr/>
+        <p:txBody>
+          <a:bodyPr/>
+          <a:lstStyle/>
+          <a:p>
+            <a:r>
+              <a:rPr lang="zh-CN" altLang="en-US" dirty="0"/>
+              <a:t>条件分支与循环</a:t>
+            </a:r>
+          </a:p>
+        </p:txBody>
+      </p:sp>
+      <p:sp>
+        <p:nvSpPr>
+          <p:cNvPr id="3" name="内容占位符 2">
+            <a:extLst>
+              <a:ext uri="{FF2B5EF4-FFF2-40B4-BE49-F238E27FC236}">
+                <a16:creationId xmlns:a16="http://schemas.microsoft.com/office/drawing/2014/main" id="{6756772E-15ED-4181-B9FB-CDD4C5BDEB5A}"/>
+              </a:ext>
+            </a:extLst>
+          </p:cNvPr>
+          <p:cNvSpPr>
+            <a:spLocks noGrp="1"/>
+          </p:cNvSpPr>
+          <p:nvPr>
+            <p:ph idx="1"/>
+          </p:nvPr>
+        </p:nvSpPr>
+        <p:spPr>
+          <a:xfrm>
+            <a:off x="1261872" y="1828800"/>
+            <a:ext cx="9347134" cy="4886632"/>
+          </a:xfrm>
+        </p:spPr>
+        <p:txBody>
+          <a:bodyPr>
+            <a:normAutofit/>
+          </a:bodyPr>
+          <a:lstStyle/>
+          <a:p>
+            <a:pPr>
+              <a:lnSpc>
+                <a:spcPct val="120000"/>
+              </a:lnSpc>
+            </a:pPr>
+            <a:r>
+              <a:rPr lang="en-US" altLang="zh-CN" sz="2000" dirty="0"/>
+              <a:t>Q</a:t>
+            </a:r>
+            <a:r>
+              <a:rPr lang="zh-CN" altLang="en-US" sz="2000" dirty="0"/>
+              <a:t>：什么是直接跳转，什么是间接跳转？</a:t>
+            </a:r>
+            <a:endParaRPr lang="en-US" altLang="zh-CN" sz="2000" dirty="0"/>
+          </a:p>
+          <a:p>
+            <a:pPr lvl="1">
+              <a:lnSpc>
+                <a:spcPct val="120000"/>
+              </a:lnSpc>
+            </a:pPr>
+            <a:r>
+              <a:rPr lang="en-US" altLang="zh-CN" sz="1800" dirty="0"/>
+              <a:t>A</a:t>
+            </a:r>
+            <a:r>
+              <a:rPr lang="zh-CN" altLang="en-US" sz="1800" dirty="0"/>
+              <a:t>：直接跳转的跳转目标作为指令的一部分编码，以标号给出    </a:t>
+            </a:r>
+            <a:r>
+              <a:rPr lang="en-US" altLang="zh-CN" sz="1800" dirty="0"/>
+              <a:t>jmp .L1</a:t>
+            </a:r>
+          </a:p>
+          <a:p>
+            <a:pPr marL="274320" lvl="1" indent="0">
+              <a:lnSpc>
+                <a:spcPct val="120000"/>
+              </a:lnSpc>
+              <a:buNone/>
+            </a:pPr>
+            <a:r>
+              <a:rPr lang="en-US" altLang="zh-CN" sz="1800" dirty="0"/>
+              <a:t>         </a:t>
+            </a:r>
+            <a:r>
+              <a:rPr lang="zh-CN" altLang="en-US" sz="1800" dirty="0"/>
+              <a:t>间接跳转的目标从寄存器或者内存中读出     </a:t>
+            </a:r>
+            <a:r>
+              <a:rPr lang="en-US" altLang="zh-CN" sz="1800" dirty="0"/>
+              <a:t>jmp *%rax</a:t>
+            </a:r>
+            <a:r>
+              <a:rPr lang="zh-CN" altLang="en-US" sz="1800" dirty="0"/>
+              <a:t>（</a:t>
+            </a:r>
+            <a:r>
+              <a:rPr lang="en-US" altLang="zh-CN" sz="1800" dirty="0"/>
+              <a:t>P139</a:t>
+            </a:r>
+            <a:r>
+              <a:rPr lang="zh-CN" altLang="en-US" sz="1800" dirty="0"/>
+              <a:t>）</a:t>
+            </a:r>
+            <a:endParaRPr lang="en-US" altLang="zh-CN" sz="1800" dirty="0"/>
+          </a:p>
+          <a:p>
+            <a:pPr>
+              <a:lnSpc>
+                <a:spcPct val="120000"/>
+              </a:lnSpc>
+            </a:pPr>
+            <a:r>
+              <a:rPr lang="en-US" altLang="zh-CN" sz="2000" dirty="0"/>
+              <a:t>Q</a:t>
+            </a:r>
+            <a:r>
+              <a:rPr lang="zh-CN" altLang="en-US" sz="2000" dirty="0"/>
+              <a:t>：</a:t>
+            </a:r>
+            <a:r>
+              <a:rPr lang="en-US" altLang="zh-CN" sz="2000" dirty="0"/>
+              <a:t>jmp </a:t>
+            </a:r>
+            <a:r>
+              <a:rPr lang="zh-CN" altLang="en-US" sz="2000" dirty="0"/>
+              <a:t>*</a:t>
+            </a:r>
+            <a:r>
+              <a:rPr lang="en-US" altLang="zh-CN" sz="2000" dirty="0"/>
+              <a:t>%rax </a:t>
+            </a:r>
+            <a:r>
+              <a:rPr lang="zh-CN" altLang="en-US" sz="2000" dirty="0"/>
+              <a:t>与 </a:t>
+            </a:r>
+            <a:r>
+              <a:rPr lang="en-US" altLang="zh-CN" sz="2000" dirty="0"/>
+              <a:t>jmp *(%rax)</a:t>
+            </a:r>
+            <a:r>
+              <a:rPr lang="zh-CN" altLang="en-US" sz="2000" dirty="0"/>
+              <a:t>的区别？</a:t>
+            </a:r>
+            <a:endParaRPr lang="en-US" altLang="zh-CN" sz="2000" dirty="0"/>
+          </a:p>
+          <a:p>
+            <a:pPr lvl="1">
+              <a:lnSpc>
+                <a:spcPct val="120000"/>
+              </a:lnSpc>
+            </a:pPr>
+            <a:r>
+              <a:rPr lang="en-US" altLang="zh-CN" sz="1800" dirty="0"/>
+              <a:t>A</a:t>
+            </a:r>
+            <a:r>
+              <a:rPr lang="zh-CN" altLang="en-US" sz="1800" dirty="0"/>
+              <a:t>：</a:t>
+            </a:r>
+            <a:r>
+              <a:rPr lang="en-US" altLang="zh-CN" sz="1800" dirty="0"/>
+              <a:t> jmp %rax</a:t>
+            </a:r>
+            <a:r>
+              <a:rPr lang="zh-CN" altLang="en-US" sz="1800" dirty="0"/>
+              <a:t>以寄存器中的值作为跳转目标</a:t>
+            </a:r>
+            <a:endParaRPr lang="en-US" altLang="zh-CN" sz="1800" dirty="0"/>
+          </a:p>
+          <a:p>
+            <a:pPr marL="274320" lvl="1" indent="0">
+              <a:lnSpc>
+                <a:spcPct val="120000"/>
+              </a:lnSpc>
+              <a:buNone/>
+            </a:pPr>
+            <a:r>
+              <a:rPr lang="en-US" altLang="zh-CN" sz="1800" dirty="0"/>
+              <a:t>          jmp *(%rax)</a:t>
+            </a:r>
+            <a:r>
+              <a:rPr lang="zh-CN" altLang="en-US" sz="1800" dirty="0"/>
+              <a:t>以寄存器中的值作为地址，从内存中读出跳转目标（</a:t>
+            </a:r>
+            <a:r>
+              <a:rPr lang="en-US" altLang="zh-CN" sz="1800" dirty="0"/>
+              <a:t>P139</a:t>
+            </a:r>
+            <a:r>
+              <a:rPr lang="zh-CN" altLang="en-US" sz="1800" dirty="0"/>
+              <a:t>）</a:t>
+            </a:r>
+            <a:endParaRPr lang="en-US" altLang="zh-CN" sz="1800" dirty="0"/>
+          </a:p>
+          <a:p>
+            <a:r>
+              <a:rPr lang="en-US" altLang="zh-CN" sz="2000" dirty="0"/>
+              <a:t>Q</a:t>
+            </a:r>
+            <a:r>
+              <a:rPr lang="zh-CN" altLang="en-US" sz="2000" dirty="0">
+                <a:sym typeface="Wingdings" panose="05000000000000000000" pitchFamily="2" charset="2"/>
+              </a:rPr>
+              <a:t>：</a:t>
+            </a:r>
+            <a:r>
+              <a:rPr lang="en-US" altLang="zh-CN" sz="2000" dirty="0">
+                <a:sym typeface="Wingdings" panose="05000000000000000000" pitchFamily="2" charset="2"/>
+              </a:rPr>
+              <a:t>(</a:t>
+            </a:r>
+            <a:r>
+              <a:rPr lang="zh-CN" altLang="en-US" sz="2000" dirty="0">
+                <a:sym typeface="Wingdings" panose="05000000000000000000" pitchFamily="2" charset="2"/>
+              </a:rPr>
+              <a:t>判断</a:t>
+            </a:r>
+            <a:r>
+              <a:rPr lang="en-US" altLang="zh-CN" sz="2000" dirty="0">
+                <a:sym typeface="Wingdings" panose="05000000000000000000" pitchFamily="2" charset="2"/>
+              </a:rPr>
+              <a:t>) CMOV</a:t>
+            </a:r>
+            <a:r>
+              <a:rPr lang="zh-CN" altLang="en-US" sz="2000" dirty="0">
+                <a:sym typeface="Wingdings" panose="05000000000000000000" pitchFamily="2" charset="2"/>
+              </a:rPr>
+              <a:t>类指令和</a:t>
+            </a:r>
+            <a:r>
+              <a:rPr lang="en-US" altLang="zh-CN" sz="2000" dirty="0">
+                <a:sym typeface="Wingdings" panose="05000000000000000000" pitchFamily="2" charset="2"/>
+              </a:rPr>
+              <a:t>MOV</a:t>
+            </a:r>
+            <a:r>
+              <a:rPr lang="zh-CN" altLang="en-US" sz="2000" dirty="0">
+                <a:sym typeface="Wingdings" panose="05000000000000000000" pitchFamily="2" charset="2"/>
+              </a:rPr>
+              <a:t>类指令相同，都可以以内存地址作为传送目标</a:t>
+            </a:r>
+            <a:endParaRPr lang="en-US" altLang="zh-CN" sz="2000" dirty="0">
+              <a:sym typeface="Wingdings" panose="05000000000000000000" pitchFamily="2" charset="2"/>
+            </a:endParaRPr>
+          </a:p>
+          <a:p>
+            <a:pPr lvl="1"/>
+            <a:r>
+              <a:rPr lang="en-US" altLang="zh-CN" sz="1800" dirty="0">
+                <a:sym typeface="Wingdings" panose="05000000000000000000" pitchFamily="2" charset="2"/>
+              </a:rPr>
+              <a:t>A</a:t>
+            </a:r>
+            <a:r>
+              <a:rPr lang="zh-CN" altLang="en-US" sz="1800" dirty="0">
+                <a:sym typeface="Wingdings" panose="05000000000000000000" pitchFamily="2" charset="2"/>
+              </a:rPr>
+              <a:t>：错误，条件传送的两个操作数分别为：寄存器和内存地址</a:t>
+            </a:r>
+            <a:r>
+              <a:rPr lang="en-US" altLang="zh-CN" sz="1800" dirty="0">
+                <a:sym typeface="Wingdings" panose="05000000000000000000" pitchFamily="2" charset="2"/>
+              </a:rPr>
+              <a:t>S</a:t>
+            </a:r>
+            <a:r>
+              <a:rPr lang="zh-CN" altLang="en-US" sz="1800" dirty="0">
+                <a:sym typeface="Wingdings" panose="05000000000000000000" pitchFamily="2" charset="2"/>
+              </a:rPr>
+              <a:t>、目的</a:t>
+            </a:r>
+            <a:r>
+              <a:rPr lang="zh-CN" altLang="en-US" sz="1800" dirty="0">
+                <a:solidFill>
+                  <a:srgbClr val="FFFF00"/>
+                </a:solidFill>
+                <a:sym typeface="Wingdings" panose="05000000000000000000" pitchFamily="2" charset="2"/>
+              </a:rPr>
+              <a:t>寄存器</a:t>
+            </a:r>
+            <a:r>
+              <a:rPr lang="en-US" altLang="zh-CN" sz="1800" dirty="0">
+                <a:sym typeface="Wingdings" panose="05000000000000000000" pitchFamily="2" charset="2"/>
+              </a:rPr>
+              <a:t>R</a:t>
+            </a:r>
+            <a:r>
+              <a:rPr lang="zh-CN" altLang="en-US" sz="1800" dirty="0">
+                <a:sym typeface="Wingdings" panose="05000000000000000000" pitchFamily="2" charset="2"/>
+              </a:rPr>
+              <a:t>（</a:t>
+            </a:r>
+            <a:r>
+              <a:rPr lang="en-US" altLang="zh-CN" sz="1800" dirty="0">
+                <a:sym typeface="Wingdings" panose="05000000000000000000" pitchFamily="2" charset="2"/>
+              </a:rPr>
+              <a:t>P146</a:t>
+            </a:r>
+            <a:r>
+              <a:rPr lang="zh-CN" altLang="en-US" sz="1800" dirty="0">
+                <a:sym typeface="Wingdings" panose="05000000000000000000" pitchFamily="2" charset="2"/>
+              </a:rPr>
+              <a:t>）</a:t>
+            </a:r>
+            <a:endParaRPr lang="en-US" altLang="zh-CN" sz="1800" dirty="0">
+              <a:sym typeface="Wingdings" panose="05000000000000000000" pitchFamily="2" charset="2"/>
+            </a:endParaRPr>
+          </a:p>
+          <a:p>
+            <a:r>
+              <a:rPr lang="en-US" altLang="zh-CN" sz="2000" dirty="0"/>
+              <a:t>Q</a:t>
+            </a:r>
+            <a:r>
+              <a:rPr lang="zh-CN" altLang="en-US" sz="2000" dirty="0"/>
+              <a:t>：条件传送支持传送多长的数据？</a:t>
+            </a:r>
+            <a:endParaRPr lang="en-US" altLang="zh-CN" sz="2000" dirty="0"/>
+          </a:p>
+          <a:p>
+            <a:pPr lvl="1"/>
+            <a:r>
+              <a:rPr lang="en-US" altLang="zh-CN" sz="1800" dirty="0"/>
+              <a:t>A</a:t>
+            </a:r>
+            <a:r>
+              <a:rPr lang="zh-CN" altLang="en-US" sz="1800" dirty="0"/>
+              <a:t>：</a:t>
+            </a:r>
+            <a:r>
+              <a:rPr lang="en-US" altLang="zh-CN" sz="1800" dirty="0"/>
+              <a:t>16</a:t>
+            </a:r>
+            <a:r>
+              <a:rPr lang="zh-CN" altLang="en-US" sz="1800" dirty="0"/>
+              <a:t>位、</a:t>
+            </a:r>
+            <a:r>
+              <a:rPr lang="en-US" altLang="zh-CN" sz="1800" dirty="0"/>
+              <a:t>32</a:t>
+            </a:r>
+            <a:r>
+              <a:rPr lang="zh-CN" altLang="en-US" sz="1800" dirty="0"/>
+              <a:t>位、</a:t>
+            </a:r>
+            <a:r>
+              <a:rPr lang="en-US" altLang="zh-CN" sz="1800" dirty="0"/>
+              <a:t>64</a:t>
+            </a:r>
+            <a:r>
+              <a:rPr lang="zh-CN" altLang="en-US" sz="1800" dirty="0"/>
+              <a:t>位，</a:t>
+            </a:r>
+            <a:r>
+              <a:rPr lang="zh-CN" altLang="en-US" sz="1800" dirty="0">
+                <a:solidFill>
+                  <a:srgbClr val="FFFF00"/>
+                </a:solidFill>
+              </a:rPr>
+              <a:t>不支持单字节的条件传送</a:t>
+            </a:r>
+            <a:r>
+              <a:rPr lang="zh-CN" altLang="en-US" sz="1800" dirty="0">
+                <a:sym typeface="Wingdings" panose="05000000000000000000" pitchFamily="2" charset="2"/>
+              </a:rPr>
+              <a:t>（</a:t>
+            </a:r>
+            <a:r>
+              <a:rPr lang="en-US" altLang="zh-CN" sz="1800" dirty="0">
+                <a:sym typeface="Wingdings" panose="05000000000000000000" pitchFamily="2" charset="2"/>
+              </a:rPr>
+              <a:t>P146</a:t>
+            </a:r>
+            <a:r>
+              <a:rPr lang="zh-CN" altLang="en-US" sz="1800" dirty="0">
+                <a:sym typeface="Wingdings" panose="05000000000000000000" pitchFamily="2" charset="2"/>
+              </a:rPr>
+              <a:t>）</a:t>
+            </a:r>
+            <a:endParaRPr lang="en-US" altLang="zh-CN" sz="1800" dirty="0">
+              <a:sym typeface="Wingdings" panose="05000000000000000000" pitchFamily="2" charset="2"/>
+            </a:endParaRPr>
+          </a:p>
+          <a:p>
+            <a:pPr lvl="1"/>
+            <a:endParaRPr lang="zh-CN" altLang="en-US" sz="1800" dirty="0"/>
+          </a:p>
+        </p:txBody>
+      </p:sp>
+    </p:spTree>
+    <p:extLst>
+      <p:ext uri="{BB962C8B-B14F-4D97-AF65-F5344CB8AC3E}">
+        <p14:creationId xmlns:p14="http://schemas.microsoft.com/office/powerpoint/2010/main" val="369866325"/>
+      </p:ext>
+    </p:extLst>
+  </p:cSld>
+  <p:clrMapOvr>
+    <a:masterClrMapping/>
+  </p:clrMapOvr>
+  <p:timing>
+    <p:tnLst>
+      <p:par>
+        <p:cTn id="1" dur="indefinite" restart="never" nodeType="tmRoot">
+          <p:childTnLst>
+            <p:seq concurrent="1" nextAc="seek">
+              <p:cTn id="2" dur="indefinite" nodeType="mainSeq">
+                <p:childTnLst>
+                  <p:par>
+                    <p:cTn id="3" fill="hold">
+                      <p:stCondLst>
+                        <p:cond delay="indefinite"/>
+                      </p:stCondLst>
+                      <p:childTnLst>
+                        <p:par>
+                          <p:cTn id="4" fill="hold">
+                            <p:stCondLst>
+                              <p:cond delay="0"/>
+                            </p:stCondLst>
+                            <p:childTnLst>
+                              <p:par>
+                                <p:cTn id="5" presetID="1" presetClass="entr" presetSubtype="0" fill="hold" nodeType="clickEffect">
+                                  <p:stCondLst>
+                                    <p:cond delay="0"/>
+                                  </p:stCondLst>
+                                  <p:childTnLst>
+                                    <p:set>
+                                      <p:cBhvr>
+                                        <p:cTn id="6" dur="1" fill="hold">
+                                          <p:stCondLst>
+                                            <p:cond delay="0"/>
+                                          </p:stCondLst>
+                                        </p:cTn>
+                                        <p:tgtEl>
+                                          <p:spTgt spid="3">
+                                            <p:txEl>
+                                              <p:pRg st="0" end="0"/>
+                                            </p:txEl>
+                                          </p:spTgt>
+                                        </p:tgtEl>
+                                        <p:attrNameLst>
+                                          <p:attrName>style.visibility</p:attrName>
+                                        </p:attrNameLst>
+                                      </p:cBhvr>
+                                      <p:to>
+                                        <p:strVal val="visible"/>
+                                      </p:to>
+                                    </p:set>
+                                  </p:childTnLst>
+                                </p:cTn>
+                              </p:par>
+                            </p:childTnLst>
+                          </p:cTn>
+                        </p:par>
+                      </p:childTnLst>
+                    </p:cTn>
+                  </p:par>
+                  <p:par>
+                    <p:cTn id="7" fill="hold">
+                      <p:stCondLst>
+                        <p:cond delay="indefinite"/>
+                      </p:stCondLst>
+                      <p:childTnLst>
+                        <p:par>
+                          <p:cTn id="8" fill="hold">
+                            <p:stCondLst>
+                              <p:cond delay="0"/>
+                            </p:stCondLst>
+                            <p:childTnLst>
+                              <p:par>
+                                <p:cTn id="9" presetID="1" presetClass="entr" presetSubtype="0" fill="hold" nodeType="clickEffect">
+                                  <p:stCondLst>
+                                    <p:cond delay="0"/>
+                                  </p:stCondLst>
+                                  <p:childTnLst>
+                                    <p:set>
+                                      <p:cBhvr>
+                                        <p:cTn id="10" dur="1" fill="hold">
+                                          <p:stCondLst>
+                                            <p:cond delay="0"/>
+                                          </p:stCondLst>
+                                        </p:cTn>
+                                        <p:tgtEl>
+                                          <p:spTgt spid="3">
+                                            <p:txEl>
+                                              <p:pRg st="1" end="1"/>
+                                            </p:txEl>
+                                          </p:spTgt>
+                                        </p:tgtEl>
+                                        <p:attrNameLst>
+                                          <p:attrName>style.visibility</p:attrName>
+                                        </p:attrNameLst>
+                                      </p:cBhvr>
+                                      <p:to>
+                                        <p:strVal val="visible"/>
+                                      </p:to>
+                                    </p:set>
+                                  </p:childTnLst>
+                                </p:cTn>
+                              </p:par>
+                            </p:childTnLst>
+                          </p:cTn>
+                        </p:par>
+                      </p:childTnLst>
+                    </p:cTn>
+                  </p:par>
+                  <p:par>
+                    <p:cTn id="11" fill="hold">
+                      <p:stCondLst>
+                        <p:cond delay="indefinite"/>
+                      </p:stCondLst>
+                      <p:childTnLst>
+                        <p:par>
+                          <p:cTn id="12" fill="hold">
+                            <p:stCondLst>
+                              <p:cond delay="0"/>
+                            </p:stCondLst>
+                            <p:childTnLst>
+                              <p:par>
+                                <p:cTn id="13" presetID="1" presetClass="entr" presetSubtype="0" fill="hold" nodeType="clickEffect">
+                                  <p:stCondLst>
+                                    <p:cond delay="0"/>
+                                  </p:stCondLst>
+                                  <p:childTnLst>
+                                    <p:set>
+                                      <p:cBhvr>
+                                        <p:cTn id="14" dur="1" fill="hold">
+                                          <p:stCondLst>
+                                            <p:cond delay="0"/>
+                                          </p:stCondLst>
+                                        </p:cTn>
+                                        <p:tgtEl>
+                                          <p:spTgt spid="3">
+                                            <p:txEl>
+                                              <p:pRg st="2" end="2"/>
+                                            </p:txEl>
+                                          </p:spTgt>
+                                        </p:tgtEl>
+                                        <p:attrNameLst>
+                                          <p:attrName>style.visibility</p:attrName>
+                                        </p:attrNameLst>
+                                      </p:cBhvr>
+                                      <p:to>
+                                        <p:strVal val="visible"/>
+                                      </p:to>
+                                    </p:set>
+                                  </p:childTnLst>
+                                </p:cTn>
+                              </p:par>
+                            </p:childTnLst>
+                          </p:cTn>
+                        </p:par>
+                      </p:childTnLst>
+                    </p:cTn>
+                  </p:par>
+                  <p:par>
+                    <p:cTn id="15" fill="hold">
+                      <p:stCondLst>
+                        <p:cond delay="indefinite"/>
+                      </p:stCondLst>
+                      <p:childTnLst>
+                        <p:par>
+                          <p:cTn id="16" fill="hold">
+                            <p:stCondLst>
+                              <p:cond delay="0"/>
+                            </p:stCondLst>
+                            <p:childTnLst>
+                              <p:par>
+                                <p:cTn id="17" presetID="1" presetClass="entr" presetSubtype="0" fill="hold" nodeType="clickEffect">
+                                  <p:stCondLst>
+                                    <p:cond delay="0"/>
+                                  </p:stCondLst>
+                                  <p:childTnLst>
+                                    <p:set>
+                                      <p:cBhvr>
+                                        <p:cTn id="18" dur="1" fill="hold">
+                                          <p:stCondLst>
+                                            <p:cond delay="0"/>
+                                          </p:stCondLst>
+                                        </p:cTn>
+                                        <p:tgtEl>
+                                          <p:spTgt spid="3">
+                                            <p:txEl>
+                                              <p:pRg st="3" end="3"/>
+                                            </p:txEl>
+                                          </p:spTgt>
+                                        </p:tgtEl>
+                                        <p:attrNameLst>
+                                          <p:attrName>style.visibility</p:attrName>
+                                        </p:attrNameLst>
+                                      </p:cBhvr>
+                                      <p:to>
+                                        <p:strVal val="visible"/>
+                                      </p:to>
+                                    </p:set>
+                                  </p:childTnLst>
+                                </p:cTn>
+                              </p:par>
+                            </p:childTnLst>
+                          </p:cTn>
+                        </p:par>
+                      </p:childTnLst>
+                    </p:cTn>
+                  </p:par>
+                  <p:par>
+                    <p:cTn id="19" fill="hold">
+                      <p:stCondLst>
+                        <p:cond delay="indefinite"/>
+                      </p:stCondLst>
+                      <p:childTnLst>
+                        <p:par>
+                          <p:cTn id="20" fill="hold">
+                            <p:stCondLst>
+                              <p:cond delay="0"/>
+                            </p:stCondLst>
+                            <p:childTnLst>
+                              <p:par>
+                                <p:cTn id="21" presetID="1" presetClass="entr" presetSubtype="0" fill="hold" nodeType="clickEffect">
+                                  <p:stCondLst>
+                                    <p:cond delay="0"/>
+                                  </p:stCondLst>
+                                  <p:childTnLst>
+                                    <p:set>
+                                      <p:cBhvr>
+                                        <p:cTn id="22" dur="1" fill="hold">
+                                          <p:stCondLst>
+                                            <p:cond delay="0"/>
+                                          </p:stCondLst>
+                                        </p:cTn>
+                                        <p:tgtEl>
+                                          <p:spTgt spid="3">
+                                            <p:txEl>
+                                              <p:pRg st="4" end="4"/>
+                                            </p:txEl>
+                                          </p:spTgt>
+                                        </p:tgtEl>
+                                        <p:attrNameLst>
+                                          <p:attrName>style.visibility</p:attrName>
+                                        </p:attrNameLst>
+                                      </p:cBhvr>
+                                      <p:to>
+                                        <p:strVal val="visible"/>
+                                      </p:to>
+                                    </p:set>
+                                  </p:childTnLst>
+                                </p:cTn>
+                              </p:par>
+                            </p:childTnLst>
+                          </p:cTn>
+                        </p:par>
+                      </p:childTnLst>
+                    </p:cTn>
+                  </p:par>
+                  <p:par>
+                    <p:cTn id="23" fill="hold">
+                      <p:stCondLst>
+                        <p:cond delay="indefinite"/>
+                      </p:stCondLst>
+                      <p:childTnLst>
+                        <p:par>
+                          <p:cTn id="24" fill="hold">
+                            <p:stCondLst>
+                              <p:cond delay="0"/>
+                            </p:stCondLst>
+                            <p:childTnLst>
+                              <p:par>
+                                <p:cTn id="25" presetID="1" presetClass="entr" presetSubtype="0" fill="hold" nodeType="clickEffect">
+                                  <p:stCondLst>
+                                    <p:cond delay="0"/>
+                                  </p:stCondLst>
+                                  <p:childTnLst>
+                                    <p:set>
+                                      <p:cBhvr>
+                                        <p:cTn id="26" dur="1" fill="hold">
+                                          <p:stCondLst>
+                                            <p:cond delay="0"/>
+                                          </p:stCondLst>
+                                        </p:cTn>
+                                        <p:tgtEl>
+                                          <p:spTgt spid="3">
+                                            <p:txEl>
+                                              <p:pRg st="5" end="5"/>
+                                            </p:txEl>
+                                          </p:spTgt>
+                                        </p:tgtEl>
+                                        <p:attrNameLst>
+                                          <p:attrName>style.visibility</p:attrName>
+                                        </p:attrNameLst>
+                                      </p:cBhvr>
+                                      <p:to>
+                                        <p:strVal val="visible"/>
+                                      </p:to>
+                                    </p:set>
+                                  </p:childTnLst>
+                                </p:cTn>
+                              </p:par>
+                            </p:childTnLst>
+                          </p:cTn>
+                        </p:par>
+                      </p:childTnLst>
+                    </p:cTn>
+                  </p:par>
+                  <p:par>
+                    <p:cTn id="27" fill="hold">
+                      <p:stCondLst>
+                        <p:cond delay="indefinite"/>
+                      </p:stCondLst>
+                      <p:childTnLst>
+                        <p:par>
+                          <p:cTn id="28" fill="hold">
+                            <p:stCondLst>
+                              <p:cond delay="0"/>
+                            </p:stCondLst>
+                            <p:childTnLst>
+                              <p:par>
+                                <p:cTn id="29" presetID="1" presetClass="entr" presetSubtype="0" fill="hold" nodeType="clickEffect">
+                                  <p:stCondLst>
+                                    <p:cond delay="0"/>
+                                  </p:stCondLst>
+                                  <p:childTnLst>
+                                    <p:set>
+                                      <p:cBhvr>
+                                        <p:cTn id="30" dur="1" fill="hold">
+                                          <p:stCondLst>
+                                            <p:cond delay="0"/>
+                                          </p:stCondLst>
+                                        </p:cTn>
+                                        <p:tgtEl>
+                                          <p:spTgt spid="3">
+                                            <p:txEl>
+                                              <p:pRg st="6" end="6"/>
+                                            </p:txEl>
+                                          </p:spTgt>
+                                        </p:tgtEl>
+                                        <p:attrNameLst>
+                                          <p:attrName>style.visibility</p:attrName>
+                                        </p:attrNameLst>
+                                      </p:cBhvr>
+                                      <p:to>
+                                        <p:strVal val="visible"/>
+                                      </p:to>
+                                    </p:set>
+                                  </p:childTnLst>
+                                </p:cTn>
+                              </p:par>
+                            </p:childTnLst>
+                          </p:cTn>
+                        </p:par>
+                      </p:childTnLst>
+                    </p:cTn>
+                  </p:par>
+                  <p:par>
+                    <p:cTn id="31" fill="hold">
+                      <p:stCondLst>
+                        <p:cond delay="indefinite"/>
+                      </p:stCondLst>
+                      <p:childTnLst>
+                        <p:par>
+                          <p:cTn id="32" fill="hold">
+                            <p:stCondLst>
+                              <p:cond delay="0"/>
+                            </p:stCondLst>
+                            <p:childTnLst>
+                              <p:par>
+                                <p:cTn id="33" presetID="1" presetClass="entr" presetSubtype="0" fill="hold" nodeType="clickEffect">
+                                  <p:stCondLst>
+                                    <p:cond delay="0"/>
+                                  </p:stCondLst>
+                                  <p:childTnLst>
+                                    <p:set>
+                                      <p:cBhvr>
+                                        <p:cTn id="34" dur="1" fill="hold">
+                                          <p:stCondLst>
+                                            <p:cond delay="0"/>
+                                          </p:stCondLst>
+                                        </p:cTn>
+                                        <p:tgtEl>
+                                          <p:spTgt spid="3">
+                                            <p:txEl>
+                                              <p:pRg st="7" end="7"/>
+                                            </p:txEl>
+                                          </p:spTgt>
+                                        </p:tgtEl>
+                                        <p:attrNameLst>
+                                          <p:attrName>style.visibility</p:attrName>
+                                        </p:attrNameLst>
+                                      </p:cBhvr>
+                                      <p:to>
+                                        <p:strVal val="visible"/>
+                                      </p:to>
+                                    </p:set>
+                                  </p:childTnLst>
+                                </p:cTn>
+                              </p:par>
+                            </p:childTnLst>
+                          </p:cTn>
+                        </p:par>
+                      </p:childTnLst>
+                    </p:cTn>
+                  </p:par>
+                  <p:par>
+                    <p:cTn id="35" fill="hold">
+                      <p:stCondLst>
+                        <p:cond delay="indefinite"/>
+                      </p:stCondLst>
+                      <p:childTnLst>
+                        <p:par>
+                          <p:cTn id="36" fill="hold">
+                            <p:stCondLst>
+                              <p:cond delay="0"/>
+                            </p:stCondLst>
+                            <p:childTnLst>
+                              <p:par>
+                                <p:cTn id="37" presetID="1" presetClass="entr" presetSubtype="0" fill="hold" nodeType="clickEffect">
+                                  <p:stCondLst>
+                                    <p:cond delay="0"/>
+                                  </p:stCondLst>
+                                  <p:childTnLst>
+                                    <p:set>
+                                      <p:cBhvr>
+                                        <p:cTn id="38" dur="1" fill="hold">
+                                          <p:stCondLst>
+                                            <p:cond delay="0"/>
+                                          </p:stCondLst>
+                                        </p:cTn>
+                                        <p:tgtEl>
+                                          <p:spTgt spid="3">
+                                            <p:txEl>
+                                              <p:pRg st="8" end="8"/>
+                                            </p:txEl>
+                                          </p:spTgt>
+                                        </p:tgtEl>
+                                        <p:attrNameLst>
+                                          <p:attrName>style.visibility</p:attrName>
+                                        </p:attrNameLst>
+                                      </p:cBhvr>
+                                      <p:to>
+                                        <p:strVal val="visible"/>
+                                      </p:to>
+                                    </p:set>
+                                  </p:childTnLst>
+                                </p:cTn>
+                              </p:par>
+                            </p:childTnLst>
+                          </p:cTn>
+                        </p:par>
+                      </p:childTnLst>
+                    </p:cTn>
+                  </p:par>
+                  <p:par>
+                    <p:cTn id="39" fill="hold">
+                      <p:stCondLst>
+                        <p:cond delay="indefinite"/>
+                      </p:stCondLst>
+                      <p:childTnLst>
+                        <p:par>
+                          <p:cTn id="40" fill="hold">
+                            <p:stCondLst>
+                              <p:cond delay="0"/>
+                            </p:stCondLst>
+                            <p:childTnLst>
+                              <p:par>
+                                <p:cTn id="41" presetID="1" presetClass="entr" presetSubtype="0" fill="hold" nodeType="clickEffect">
+                                  <p:stCondLst>
+                                    <p:cond delay="0"/>
+                                  </p:stCondLst>
+                                  <p:childTnLst>
+                                    <p:set>
+                                      <p:cBhvr>
+                                        <p:cTn id="42" dur="1" fill="hold">
+                                          <p:stCondLst>
+                                            <p:cond delay="0"/>
+                                          </p:stCondLst>
+                                        </p:cTn>
+                                        <p:tgtEl>
+                                          <p:spTgt spid="3">
+                                            <p:txEl>
+                                              <p:pRg st="9" end="9"/>
+                                            </p:txEl>
+                                          </p:spTgt>
+                                        </p:tgtEl>
+                                        <p:attrNameLst>
+                                          <p:attrName>style.visibility</p:attrName>
+                                        </p:attrNameLst>
+                                      </p:cBhvr>
+                                      <p:to>
+                                        <p:strVal val="visible"/>
+                                      </p:to>
+                                    </p:set>
+                                  </p:childTnLst>
+                                </p:cTn>
+                              </p:par>
+                            </p:childTnLst>
+                          </p:cTn>
+                        </p:par>
+                      </p:childTnLst>
+                    </p:cTn>
+                  </p:par>
+                </p:childTnLst>
+              </p:cTn>
+              <p:prevCondLst>
+                <p:cond evt="onPrev" delay="0">
+                  <p:tgtEl>
+                    <p:sldTgt/>
+                  </p:tgtEl>
+                </p:cond>
+              </p:prevCondLst>
+              <p:nextCondLst>
+                <p:cond evt="onNext" delay="0">
+                  <p:tgtEl>
+                    <p:sldTgt/>
+                  </p:tgtEl>
+                </p:cond>
+              </p:nextCondLst>
+            </p:seq>
+          </p:childTnLst>
+        </p:cTn>
+      </p:par>
+    </p:tnLst>
+  </p:timing>
+</p:sld>
+</file>
+
+<file path=ppt/slides/slide13.xml><?xml version="1.0" encoding="utf-8"?>
+<p:sld xmlns:a="http://schemas.openxmlformats.org/drawingml/2006/main" xmlns:r="http://schemas.openxmlformats.org/officeDocument/2006/relationships" xmlns:p="http://schemas.openxmlformats.org/presentationml/2006/main">
+  <p:cSld>
+    <p:spTree>
+      <p:nvGrpSpPr>
+        <p:cNvPr id="1" name=""/>
+        <p:cNvGrpSpPr/>
+        <p:nvPr/>
+      </p:nvGrpSpPr>
+      <p:grpSpPr>
+        <a:xfrm>
+          <a:off x="0" y="0"/>
+          <a:ext cx="0" cy="0"/>
+          <a:chOff x="0" y="0"/>
+          <a:chExt cx="0" cy="0"/>
+        </a:xfrm>
+      </p:grpSpPr>
+      <p:sp>
+        <p:nvSpPr>
+          <p:cNvPr id="2" name="标题 1">
+            <a:extLst>
+              <a:ext uri="{FF2B5EF4-FFF2-40B4-BE49-F238E27FC236}">
+                <a16:creationId xmlns:a16="http://schemas.microsoft.com/office/drawing/2014/main" id="{507A1AFF-461C-4C8C-8BA2-C46D486D2BEC}"/>
+              </a:ext>
+            </a:extLst>
+          </p:cNvPr>
+          <p:cNvSpPr>
+            <a:spLocks noGrp="1"/>
+          </p:cNvSpPr>
+          <p:nvPr>
+            <p:ph type="title"/>
+          </p:nvPr>
+        </p:nvSpPr>
+        <p:spPr/>
+        <p:txBody>
+          <a:bodyPr/>
+          <a:lstStyle/>
+          <a:p>
+            <a:r>
+              <a:rPr lang="zh-CN" altLang="en-US" dirty="0"/>
+              <a:t>条件分支与循环</a:t>
+            </a:r>
+          </a:p>
+        </p:txBody>
+      </p:sp>
+      <p:sp>
+        <p:nvSpPr>
+          <p:cNvPr id="3" name="内容占位符 2">
+            <a:extLst>
+              <a:ext uri="{FF2B5EF4-FFF2-40B4-BE49-F238E27FC236}">
+                <a16:creationId xmlns:a16="http://schemas.microsoft.com/office/drawing/2014/main" id="{79F2809D-84E0-4CB2-B56E-0F7BF5B891A1}"/>
+              </a:ext>
+            </a:extLst>
+          </p:cNvPr>
+          <p:cNvSpPr>
+            <a:spLocks noGrp="1"/>
+          </p:cNvSpPr>
+          <p:nvPr>
+            <p:ph idx="1"/>
+          </p:nvPr>
+        </p:nvSpPr>
+        <p:spPr>
+          <a:xfrm>
+            <a:off x="1261871" y="1828800"/>
+            <a:ext cx="9042335" cy="4351337"/>
+          </a:xfrm>
+        </p:spPr>
+        <p:txBody>
+          <a:bodyPr>
+            <a:normAutofit/>
+          </a:bodyPr>
+          <a:lstStyle/>
+          <a:p>
+            <a:r>
+              <a:rPr lang="zh-CN" altLang="en-US" sz="2400" dirty="0"/>
+              <a:t>跳转指令的一种编码</a:t>
+            </a:r>
+            <a:r>
+              <a:rPr lang="en-US" altLang="zh-CN" sz="2400" dirty="0"/>
+              <a:t>——PC</a:t>
+            </a:r>
+            <a:r>
+              <a:rPr lang="zh-CN" altLang="en-US" sz="2400" dirty="0"/>
+              <a:t>相对寻址</a:t>
+            </a:r>
+            <a:endParaRPr lang="en-US" altLang="zh-CN" sz="2400" dirty="0"/>
+          </a:p>
+          <a:p>
+            <a:endParaRPr lang="en-US" altLang="zh-CN" sz="2400" dirty="0"/>
+          </a:p>
+          <a:p>
+            <a:endParaRPr lang="en-US" altLang="zh-CN" sz="2400" dirty="0"/>
+          </a:p>
+          <a:p>
+            <a:endParaRPr lang="en-US" altLang="zh-CN" sz="2400" dirty="0"/>
+          </a:p>
+          <a:p>
+            <a:r>
+              <a:rPr lang="zh-CN" altLang="en-US" sz="2400" dirty="0"/>
+              <a:t>第二行，欲跳转到</a:t>
+            </a:r>
+            <a:r>
+              <a:rPr lang="en-US" altLang="zh-CN" sz="2400" dirty="0"/>
+              <a:t>0x8</a:t>
+            </a:r>
+            <a:r>
+              <a:rPr lang="zh-CN" altLang="en-US" sz="2400" dirty="0"/>
+              <a:t>处，此时</a:t>
+            </a:r>
+            <a:r>
+              <a:rPr lang="en-US" altLang="zh-CN" sz="2400" dirty="0"/>
+              <a:t>PC</a:t>
+            </a:r>
+            <a:r>
+              <a:rPr lang="zh-CN" altLang="en-US" sz="2400" dirty="0"/>
+              <a:t>的值是</a:t>
+            </a:r>
+            <a:r>
+              <a:rPr lang="en-US" altLang="zh-CN" sz="2400" dirty="0"/>
+              <a:t>0x5</a:t>
+            </a:r>
+            <a:r>
+              <a:rPr lang="zh-CN" altLang="en-US" sz="2400" dirty="0"/>
+              <a:t>（下一条指令），</a:t>
+            </a:r>
+            <a:r>
+              <a:rPr lang="en-US" altLang="zh-CN" sz="2400" dirty="0"/>
+              <a:t>PC</a:t>
+            </a:r>
+            <a:r>
+              <a:rPr lang="zh-CN" altLang="en-US" sz="2400" dirty="0"/>
+              <a:t>相对寻址使用 跳转指令起始地址 </a:t>
+            </a:r>
+            <a:r>
+              <a:rPr lang="en-US" altLang="zh-CN" sz="2400" dirty="0"/>
+              <a:t>– </a:t>
+            </a:r>
+            <a:r>
+              <a:rPr lang="zh-CN" altLang="en-US" sz="2400" dirty="0"/>
+              <a:t>当前</a:t>
+            </a:r>
+            <a:r>
+              <a:rPr lang="en-US" altLang="zh-CN" sz="2400" dirty="0"/>
+              <a:t>PC</a:t>
+            </a:r>
+            <a:r>
+              <a:rPr lang="zh-CN" altLang="en-US" sz="2400" dirty="0"/>
+              <a:t>值 的结果来编码</a:t>
+            </a:r>
+            <a:endParaRPr lang="en-US" altLang="zh-CN" sz="2400" dirty="0"/>
+          </a:p>
+          <a:p>
+            <a:r>
+              <a:rPr lang="zh-CN" altLang="en-US" sz="2400" dirty="0"/>
+              <a:t>第五行类似，不过 </a:t>
+            </a:r>
+            <a:r>
+              <a:rPr lang="en-US" altLang="zh-CN" sz="2400" dirty="0"/>
+              <a:t>5 – d </a:t>
+            </a:r>
+            <a:r>
+              <a:rPr lang="zh-CN" altLang="en-US" sz="2400" dirty="0"/>
+              <a:t>为负数，用补码表示</a:t>
+            </a:r>
+            <a:endParaRPr lang="en-US" altLang="zh-CN" sz="2400" dirty="0"/>
+          </a:p>
+          <a:p>
+            <a:r>
+              <a:rPr lang="zh-CN" altLang="en-US" sz="2400" dirty="0"/>
+              <a:t>多字节时，注意大小端和相邻指令的地址</a:t>
+            </a:r>
+            <a:r>
+              <a:rPr lang="en-US" altLang="zh-CN" sz="2400" dirty="0"/>
+              <a:t> </a:t>
+            </a:r>
+            <a:endParaRPr lang="zh-CN" altLang="en-US" sz="2000" dirty="0"/>
+          </a:p>
+        </p:txBody>
+      </p:sp>
+      <p:pic>
+        <p:nvPicPr>
+          <p:cNvPr id="4" name="图片 3">
+            <a:extLst>
+              <a:ext uri="{FF2B5EF4-FFF2-40B4-BE49-F238E27FC236}">
+                <a16:creationId xmlns:a16="http://schemas.microsoft.com/office/drawing/2014/main" id="{B40087C1-41F7-4217-BE59-87F2A4C6F206}"/>
+              </a:ext>
+            </a:extLst>
+          </p:cNvPr>
+          <p:cNvPicPr>
+            <a:picLocks noChangeAspect="1"/>
+          </p:cNvPicPr>
+          <p:nvPr/>
+        </p:nvPicPr>
+        <p:blipFill>
+          <a:blip r:embed="rId3"/>
+          <a:stretch>
+            <a:fillRect/>
+          </a:stretch>
+        </p:blipFill>
+        <p:spPr>
+          <a:xfrm>
+            <a:off x="1587909" y="2462827"/>
+            <a:ext cx="5181600" cy="1362075"/>
+          </a:xfrm>
+          <a:prstGeom prst="rect">
+            <a:avLst/>
+          </a:prstGeom>
+        </p:spPr>
+      </p:pic>
+    </p:spTree>
+    <p:extLst>
+      <p:ext uri="{BB962C8B-B14F-4D97-AF65-F5344CB8AC3E}">
+        <p14:creationId xmlns:p14="http://schemas.microsoft.com/office/powerpoint/2010/main" val="2599877655"/>
+      </p:ext>
+    </p:extLst>
+  </p:cSld>
+  <p:clrMapOvr>
+    <a:masterClrMapping/>
+  </p:clrMapOvr>
+</p:sld>
+</file>
+
+<file path=ppt/slides/slide14.xml><?xml version="1.0" encoding="utf-8"?>
+<p:sld xmlns:a="http://schemas.openxmlformats.org/drawingml/2006/main" xmlns:r="http://schemas.openxmlformats.org/officeDocument/2006/relationships" xmlns:p="http://schemas.openxmlformats.org/presentationml/2006/main">
+  <p:cSld>
+    <p:spTree>
+      <p:nvGrpSpPr>
+        <p:cNvPr id="1" name=""/>
+        <p:cNvGrpSpPr/>
+        <p:nvPr/>
+      </p:nvGrpSpPr>
+      <p:grpSpPr>
+        <a:xfrm>
+          <a:off x="0" y="0"/>
+          <a:ext cx="0" cy="0"/>
+          <a:chOff x="0" y="0"/>
+          <a:chExt cx="0" cy="0"/>
+        </a:xfrm>
+      </p:grpSpPr>
+      <p:sp>
+        <p:nvSpPr>
+          <p:cNvPr id="2" name="标题 1">
+            <a:extLst>
+              <a:ext uri="{FF2B5EF4-FFF2-40B4-BE49-F238E27FC236}">
+                <a16:creationId xmlns:a16="http://schemas.microsoft.com/office/drawing/2014/main" id="{A617D1DA-CA01-45EF-ACC9-71BB2FD520C7}"/>
+              </a:ext>
+            </a:extLst>
+          </p:cNvPr>
+          <p:cNvSpPr>
+            <a:spLocks noGrp="1"/>
+          </p:cNvSpPr>
+          <p:nvPr>
+            <p:ph type="title"/>
+          </p:nvPr>
+        </p:nvSpPr>
+        <p:spPr/>
+        <p:txBody>
+          <a:bodyPr/>
+          <a:lstStyle/>
+          <a:p>
+            <a:r>
+              <a:rPr lang="zh-CN" altLang="en-US" dirty="0"/>
+              <a:t>栈与函数调用</a:t>
+            </a:r>
+          </a:p>
+        </p:txBody>
+      </p:sp>
+      <p:sp>
+        <p:nvSpPr>
+          <p:cNvPr id="3" name="内容占位符 2">
+            <a:extLst>
+              <a:ext uri="{FF2B5EF4-FFF2-40B4-BE49-F238E27FC236}">
+                <a16:creationId xmlns:a16="http://schemas.microsoft.com/office/drawing/2014/main" id="{857AF7C5-D85A-400B-AE2A-983A972B6E3C}"/>
+              </a:ext>
+            </a:extLst>
+          </p:cNvPr>
+          <p:cNvSpPr>
+            <a:spLocks noGrp="1"/>
+          </p:cNvSpPr>
+          <p:nvPr>
+            <p:ph idx="1"/>
+          </p:nvPr>
+        </p:nvSpPr>
+        <p:spPr>
+          <a:xfrm>
+            <a:off x="966904" y="1828800"/>
+            <a:ext cx="8595360" cy="4866968"/>
+          </a:xfrm>
+        </p:spPr>
+        <p:txBody>
+          <a:bodyPr>
+            <a:normAutofit/>
+          </a:bodyPr>
+          <a:lstStyle/>
+          <a:p>
+            <a:pPr>
+              <a:lnSpc>
+                <a:spcPct val="120000"/>
+              </a:lnSpc>
+            </a:pPr>
+            <a:r>
+              <a:rPr lang="zh-CN" altLang="en-US" sz="2400" dirty="0"/>
+              <a:t>栈帧的结构</a:t>
+            </a:r>
+            <a:endParaRPr lang="en-US" altLang="zh-CN" sz="2400" dirty="0"/>
+          </a:p>
+          <a:p>
+            <a:pPr lvl="1"/>
+            <a:r>
+              <a:rPr lang="zh-CN" altLang="en-US" sz="1800" dirty="0"/>
+              <a:t>调用函数前，首先从后往前压参数入栈（多于</a:t>
+            </a:r>
+            <a:r>
+              <a:rPr lang="en-US" altLang="zh-CN" sz="1800" dirty="0"/>
+              <a:t>6</a:t>
+            </a:r>
+            <a:r>
+              <a:rPr lang="zh-CN" altLang="en-US" sz="1800" dirty="0"/>
+              <a:t>个时）</a:t>
+            </a:r>
+            <a:endParaRPr lang="en-US" altLang="zh-CN" sz="1800" dirty="0"/>
+          </a:p>
+          <a:p>
+            <a:pPr lvl="1"/>
+            <a:r>
+              <a:rPr lang="zh-CN" altLang="en-US" sz="1800" dirty="0"/>
+              <a:t>然后</a:t>
+            </a:r>
+            <a:r>
+              <a:rPr lang="en-US" altLang="zh-CN" sz="1800" dirty="0"/>
+              <a:t>call</a:t>
+            </a:r>
+            <a:r>
+              <a:rPr lang="zh-CN" altLang="en-US" sz="1800" dirty="0"/>
+              <a:t>指令会把返回地址（下一条指令的地址）压入栈</a:t>
+            </a:r>
+            <a:endParaRPr lang="en-US" altLang="zh-CN" sz="1800" dirty="0"/>
+          </a:p>
+          <a:p>
+            <a:pPr lvl="1"/>
+            <a:r>
+              <a:rPr lang="zh-CN" altLang="en-US" sz="1800" dirty="0"/>
+              <a:t>接下来的栈帧归由调用的函数管辖</a:t>
+            </a:r>
+            <a:endParaRPr lang="en-US" altLang="zh-CN" sz="1800" dirty="0"/>
+          </a:p>
+          <a:p>
+            <a:pPr lvl="1"/>
+            <a:r>
+              <a:rPr lang="zh-CN" altLang="en-US" sz="1800" dirty="0"/>
+              <a:t>返回之前，会首先清空被调用函数使用的栈帧，再调用</a:t>
+            </a:r>
+            <a:r>
+              <a:rPr lang="en-US" altLang="zh-CN" sz="1800" dirty="0"/>
+              <a:t>ret</a:t>
+            </a:r>
+            <a:endParaRPr lang="zh-CN" altLang="en-US" sz="1800" dirty="0"/>
+          </a:p>
+          <a:p>
+            <a:pPr>
+              <a:lnSpc>
+                <a:spcPct val="120000"/>
+              </a:lnSpc>
+            </a:pPr>
+            <a:r>
+              <a:rPr lang="zh-CN" altLang="en-US" sz="2400" dirty="0"/>
+              <a:t>栈上的数据存储</a:t>
+            </a:r>
+            <a:endParaRPr lang="en-US" altLang="zh-CN" sz="2400" dirty="0"/>
+          </a:p>
+          <a:p>
+            <a:pPr lvl="1">
+              <a:lnSpc>
+                <a:spcPct val="120000"/>
+              </a:lnSpc>
+            </a:pPr>
+            <a:r>
+              <a:rPr lang="en-US" altLang="zh-CN" sz="1800" dirty="0"/>
+              <a:t>Q</a:t>
+            </a:r>
+            <a:r>
+              <a:rPr lang="zh-CN" altLang="en-US" sz="1800" dirty="0"/>
+              <a:t>：何时使用栈存放局部变量？</a:t>
+            </a:r>
+            <a:endParaRPr lang="en-US" altLang="zh-CN" sz="1800" dirty="0"/>
+          </a:p>
+          <a:p>
+            <a:pPr lvl="2">
+              <a:lnSpc>
+                <a:spcPct val="120000"/>
+              </a:lnSpc>
+            </a:pPr>
+            <a:r>
+              <a:rPr lang="zh-CN" altLang="en-US" sz="1600" dirty="0"/>
+              <a:t>寄存器不够</a:t>
+            </a:r>
+            <a:endParaRPr lang="en-US" altLang="zh-CN" sz="1600" dirty="0"/>
+          </a:p>
+          <a:p>
+            <a:pPr lvl="2">
+              <a:lnSpc>
+                <a:spcPct val="120000"/>
+              </a:lnSpc>
+            </a:pPr>
+            <a:r>
+              <a:rPr lang="zh-CN" altLang="en-US" sz="1600" dirty="0"/>
+              <a:t>对某个局部变量取址</a:t>
+            </a:r>
+            <a:endParaRPr lang="en-US" altLang="zh-CN" sz="1600" dirty="0"/>
+          </a:p>
+          <a:p>
+            <a:pPr lvl="2">
+              <a:lnSpc>
+                <a:spcPct val="120000"/>
+              </a:lnSpc>
+            </a:pPr>
+            <a:r>
+              <a:rPr lang="zh-CN" altLang="en-US" sz="1600" dirty="0"/>
+              <a:t>要求能够用指针访问的局部变量（结构、数组）</a:t>
+            </a:r>
+            <a:endParaRPr lang="en-US" altLang="zh-CN" sz="1600" dirty="0"/>
+          </a:p>
+          <a:p>
+            <a:pPr lvl="1">
+              <a:lnSpc>
+                <a:spcPct val="120000"/>
+              </a:lnSpc>
+            </a:pPr>
+            <a:r>
+              <a:rPr lang="en-US" altLang="zh-CN" sz="1800" dirty="0"/>
+              <a:t>Q</a:t>
+            </a:r>
+            <a:r>
+              <a:rPr lang="zh-CN" altLang="en-US" sz="1800" dirty="0"/>
+              <a:t>：栈上数据的对齐规则？</a:t>
+            </a:r>
+            <a:endParaRPr lang="en-US" altLang="zh-CN" sz="1800" dirty="0"/>
+          </a:p>
+          <a:p>
+            <a:pPr lvl="2">
+              <a:lnSpc>
+                <a:spcPct val="120000"/>
+              </a:lnSpc>
+            </a:pPr>
+            <a:r>
+              <a:rPr lang="zh-CN" altLang="en-US" sz="1600" dirty="0"/>
+              <a:t>传递参数时</a:t>
+            </a:r>
+            <a:r>
+              <a:rPr lang="en-US" altLang="zh-CN" sz="1600" dirty="0"/>
+              <a:t>8</a:t>
+            </a:r>
+            <a:r>
+              <a:rPr lang="zh-CN" altLang="en-US" sz="1600" dirty="0"/>
+              <a:t>字节对齐（栈帧</a:t>
+            </a:r>
+            <a:r>
+              <a:rPr lang="en-US" altLang="zh-CN" sz="1600" dirty="0"/>
+              <a:t>16</a:t>
+            </a:r>
+            <a:r>
+              <a:rPr lang="zh-CN" altLang="en-US" sz="1600" dirty="0"/>
+              <a:t>字节对齐）</a:t>
+            </a:r>
+            <a:endParaRPr lang="en-US" altLang="zh-CN" sz="1600" dirty="0"/>
+          </a:p>
+          <a:p>
+            <a:pPr lvl="1">
+              <a:lnSpc>
+                <a:spcPct val="120000"/>
+              </a:lnSpc>
+            </a:pPr>
+            <a:endParaRPr lang="en-US" altLang="zh-CN" sz="2200" dirty="0"/>
+          </a:p>
+        </p:txBody>
+      </p:sp>
+      <p:pic>
+        <p:nvPicPr>
+          <p:cNvPr id="5" name="图片 4">
+            <a:extLst>
+              <a:ext uri="{FF2B5EF4-FFF2-40B4-BE49-F238E27FC236}">
+                <a16:creationId xmlns:a16="http://schemas.microsoft.com/office/drawing/2014/main" id="{200DFACB-99A8-4448-B6F5-92BEA3A1F249}"/>
+              </a:ext>
+            </a:extLst>
+          </p:cNvPr>
+          <p:cNvPicPr>
+            <a:picLocks noChangeAspect="1"/>
+          </p:cNvPicPr>
+          <p:nvPr/>
+        </p:nvPicPr>
+        <p:blipFill>
+          <a:blip r:embed="rId3"/>
+          <a:stretch>
+            <a:fillRect/>
+          </a:stretch>
+        </p:blipFill>
+        <p:spPr>
+          <a:xfrm>
+            <a:off x="7639597" y="367665"/>
+            <a:ext cx="4238625" cy="6124575"/>
+          </a:xfrm>
+          <a:prstGeom prst="rect">
+            <a:avLst/>
+          </a:prstGeom>
+        </p:spPr>
+      </p:pic>
+    </p:spTree>
+    <p:extLst>
+      <p:ext uri="{BB962C8B-B14F-4D97-AF65-F5344CB8AC3E}">
+        <p14:creationId xmlns:p14="http://schemas.microsoft.com/office/powerpoint/2010/main" val="965499667"/>
+      </p:ext>
+    </p:extLst>
+  </p:cSld>
+  <p:clrMapOvr>
+    <a:masterClrMapping/>
+  </p:clrMapOvr>
+  <p:timing>
+    <p:tnLst>
+      <p:par>
+        <p:cTn id="1" dur="indefinite" restart="never" nodeType="tmRoot">
+          <p:childTnLst>
+            <p:seq concurrent="1" nextAc="seek">
+              <p:cTn id="2" dur="indefinite" nodeType="mainSeq">
+                <p:childTnLst>
+                  <p:par>
+                    <p:cTn id="3" fill="hold">
+                      <p:stCondLst>
+                        <p:cond delay="indefinite"/>
+                      </p:stCondLst>
+                      <p:childTnLst>
+                        <p:par>
+                          <p:cTn id="4" fill="hold">
+                            <p:stCondLst>
+                              <p:cond delay="0"/>
+                            </p:stCondLst>
+                            <p:childTnLst>
+                              <p:par>
+                                <p:cTn id="5" presetID="1" presetClass="entr" presetSubtype="0" fill="hold" nodeType="clickEffect">
+                                  <p:stCondLst>
+                                    <p:cond delay="0"/>
+                                  </p:stCondLst>
+                                  <p:childTnLst>
+                                    <p:set>
+                                      <p:cBhvr>
+                                        <p:cTn id="6" dur="1" fill="hold">
+                                          <p:stCondLst>
+                                            <p:cond delay="0"/>
+                                          </p:stCondLst>
+                                        </p:cTn>
+                                        <p:tgtEl>
+                                          <p:spTgt spid="3">
+                                            <p:txEl>
+                                              <p:pRg st="7" end="7"/>
+                                            </p:txEl>
+                                          </p:spTgt>
+                                        </p:tgtEl>
+                                        <p:attrNameLst>
+                                          <p:attrName>style.visibility</p:attrName>
+                                        </p:attrNameLst>
+                                      </p:cBhvr>
+                                      <p:to>
+                                        <p:strVal val="visible"/>
+                                      </p:to>
+                                    </p:set>
+                                  </p:childTnLst>
+                                </p:cTn>
+                              </p:par>
+                            </p:childTnLst>
+                          </p:cTn>
+                        </p:par>
+                      </p:childTnLst>
+                    </p:cTn>
+                  </p:par>
+                  <p:par>
+                    <p:cTn id="7" fill="hold">
+                      <p:stCondLst>
+                        <p:cond delay="indefinite"/>
+                      </p:stCondLst>
+                      <p:childTnLst>
+                        <p:par>
+                          <p:cTn id="8" fill="hold">
+                            <p:stCondLst>
+                              <p:cond delay="0"/>
+                            </p:stCondLst>
+                            <p:childTnLst>
+                              <p:par>
+                                <p:cTn id="9" presetID="1" presetClass="entr" presetSubtype="0" fill="hold" nodeType="clickEffect">
+                                  <p:stCondLst>
+                                    <p:cond delay="0"/>
+                                  </p:stCondLst>
+                                  <p:childTnLst>
+                                    <p:set>
+                                      <p:cBhvr>
+                                        <p:cTn id="10" dur="1" fill="hold">
+                                          <p:stCondLst>
+                                            <p:cond delay="0"/>
+                                          </p:stCondLst>
+                                        </p:cTn>
+                                        <p:tgtEl>
+                                          <p:spTgt spid="3">
+                                            <p:txEl>
+                                              <p:pRg st="8" end="8"/>
+                                            </p:txEl>
+                                          </p:spTgt>
+                                        </p:tgtEl>
+                                        <p:attrNameLst>
+                                          <p:attrName>style.visibility</p:attrName>
+                                        </p:attrNameLst>
+                                      </p:cBhvr>
+                                      <p:to>
+                                        <p:strVal val="visible"/>
+                                      </p:to>
+                                    </p:set>
+                                  </p:childTnLst>
+                                </p:cTn>
+                              </p:par>
+                            </p:childTnLst>
+                          </p:cTn>
+                        </p:par>
+                      </p:childTnLst>
+                    </p:cTn>
+                  </p:par>
+                  <p:par>
+                    <p:cTn id="11" fill="hold">
+                      <p:stCondLst>
+                        <p:cond delay="indefinite"/>
+                      </p:stCondLst>
+                      <p:childTnLst>
+                        <p:par>
+                          <p:cTn id="12" fill="hold">
+                            <p:stCondLst>
+                              <p:cond delay="0"/>
+                            </p:stCondLst>
+                            <p:childTnLst>
+                              <p:par>
+                                <p:cTn id="13" presetID="1" presetClass="entr" presetSubtype="0" fill="hold" nodeType="clickEffect">
+                                  <p:stCondLst>
+                                    <p:cond delay="0"/>
+                                  </p:stCondLst>
+                                  <p:childTnLst>
+                                    <p:set>
+                                      <p:cBhvr>
+                                        <p:cTn id="14" dur="1" fill="hold">
+                                          <p:stCondLst>
+                                            <p:cond delay="0"/>
+                                          </p:stCondLst>
+                                        </p:cTn>
+                                        <p:tgtEl>
+                                          <p:spTgt spid="3">
+                                            <p:txEl>
+                                              <p:pRg st="9" end="9"/>
+                                            </p:txEl>
+                                          </p:spTgt>
+                                        </p:tgtEl>
+                                        <p:attrNameLst>
+                                          <p:attrName>style.visibility</p:attrName>
+                                        </p:attrNameLst>
+                                      </p:cBhvr>
+                                      <p:to>
+                                        <p:strVal val="visible"/>
+                                      </p:to>
+                                    </p:set>
+                                  </p:childTnLst>
+                                </p:cTn>
+                              </p:par>
+                            </p:childTnLst>
+                          </p:cTn>
+                        </p:par>
+                      </p:childTnLst>
+                    </p:cTn>
+                  </p:par>
+                  <p:par>
+                    <p:cTn id="15" fill="hold">
+                      <p:stCondLst>
+                        <p:cond delay="indefinite"/>
+                      </p:stCondLst>
+                      <p:childTnLst>
+                        <p:par>
+                          <p:cTn id="16" fill="hold">
+                            <p:stCondLst>
+                              <p:cond delay="0"/>
+                            </p:stCondLst>
+                            <p:childTnLst>
+                              <p:par>
+                                <p:cTn id="17" presetID="1" presetClass="entr" presetSubtype="0" fill="hold" nodeType="clickEffect">
+                                  <p:stCondLst>
+                                    <p:cond delay="0"/>
+                                  </p:stCondLst>
+                                  <p:childTnLst>
+                                    <p:set>
+                                      <p:cBhvr>
+                                        <p:cTn id="18" dur="1" fill="hold">
+                                          <p:stCondLst>
+                                            <p:cond delay="0"/>
+                                          </p:stCondLst>
+                                        </p:cTn>
+                                        <p:tgtEl>
+                                          <p:spTgt spid="3">
+                                            <p:txEl>
+                                              <p:pRg st="11" end="11"/>
+                                            </p:txEl>
+                                          </p:spTgt>
+                                        </p:tgtEl>
+                                        <p:attrNameLst>
+                                          <p:attrName>style.visibility</p:attrName>
+                                        </p:attrNameLst>
+                                      </p:cBhvr>
+                                      <p:to>
+                                        <p:strVal val="visible"/>
+                                      </p:to>
+                                    </p:set>
+                                  </p:childTnLst>
+                                </p:cTn>
+                              </p:par>
+                            </p:childTnLst>
+                          </p:cTn>
+                        </p:par>
+                      </p:childTnLst>
+                    </p:cTn>
+                  </p:par>
+                </p:childTnLst>
+              </p:cTn>
+              <p:prevCondLst>
+                <p:cond evt="onPrev" delay="0">
+                  <p:tgtEl>
+                    <p:sldTgt/>
+                  </p:tgtEl>
+                </p:cond>
+              </p:prevCondLst>
+              <p:nextCondLst>
+                <p:cond evt="onNext" delay="0">
+                  <p:tgtEl>
+                    <p:sldTgt/>
+                  </p:tgtEl>
+                </p:cond>
+              </p:nextCondLst>
+            </p:seq>
+          </p:childTnLst>
+        </p:cTn>
+      </p:par>
+    </p:tnLst>
+  </p:timing>
+</p:sld>
+</file>
+
+<file path=ppt/slides/slide15.xml><?xml version="1.0" encoding="utf-8"?>
+<p:sld xmlns:a="http://schemas.openxmlformats.org/drawingml/2006/main" xmlns:r="http://schemas.openxmlformats.org/officeDocument/2006/relationships" xmlns:p="http://schemas.openxmlformats.org/presentationml/2006/main">
+  <p:cSld>
+    <p:spTree>
+      <p:nvGrpSpPr>
+        <p:cNvPr id="1" name=""/>
+        <p:cNvGrpSpPr/>
+        <p:nvPr/>
+      </p:nvGrpSpPr>
+      <p:grpSpPr>
+        <a:xfrm>
+          <a:off x="0" y="0"/>
+          <a:ext cx="0" cy="0"/>
+          <a:chOff x="0" y="0"/>
+          <a:chExt cx="0" cy="0"/>
+        </a:xfrm>
+      </p:grpSpPr>
+      <p:sp>
+        <p:nvSpPr>
+          <p:cNvPr id="2" name="标题 1">
+            <a:extLst>
+              <a:ext uri="{FF2B5EF4-FFF2-40B4-BE49-F238E27FC236}">
+                <a16:creationId xmlns:a16="http://schemas.microsoft.com/office/drawing/2014/main" id="{3B8E5ED0-4749-452A-9F06-34C211DCFF19}"/>
+              </a:ext>
+            </a:extLst>
+          </p:cNvPr>
+          <p:cNvSpPr>
+            <a:spLocks noGrp="1"/>
+          </p:cNvSpPr>
+          <p:nvPr>
+            <p:ph type="title"/>
+          </p:nvPr>
+        </p:nvSpPr>
+        <p:spPr/>
+        <p:txBody>
+          <a:bodyPr/>
+          <a:lstStyle/>
+          <a:p>
+            <a:r>
+              <a:rPr lang="zh-CN" altLang="en-US" dirty="0"/>
+              <a:t>栈与函数调用</a:t>
+            </a:r>
+          </a:p>
+        </p:txBody>
+      </p:sp>
+      <p:sp>
+        <p:nvSpPr>
+          <p:cNvPr id="3" name="内容占位符 2">
+            <a:extLst>
+              <a:ext uri="{FF2B5EF4-FFF2-40B4-BE49-F238E27FC236}">
+                <a16:creationId xmlns:a16="http://schemas.microsoft.com/office/drawing/2014/main" id="{0DB5F682-3F26-4B18-BE73-47D0E29E0304}"/>
+              </a:ext>
+            </a:extLst>
+          </p:cNvPr>
+          <p:cNvSpPr>
+            <a:spLocks noGrp="1"/>
+          </p:cNvSpPr>
+          <p:nvPr>
+            <p:ph idx="1"/>
+          </p:nvPr>
+        </p:nvSpPr>
+        <p:spPr>
+          <a:xfrm>
+            <a:off x="989571" y="1828800"/>
+            <a:ext cx="6043496" cy="4739148"/>
+          </a:xfrm>
+        </p:spPr>
+        <p:txBody>
+          <a:bodyPr>
+            <a:normAutofit/>
+          </a:bodyPr>
+          <a:lstStyle/>
+          <a:p>
+            <a:r>
+              <a:rPr lang="zh-CN" altLang="en-US" sz="2000" dirty="0"/>
+              <a:t>“调用者保存”与“被调用者保存”（使用惯例）</a:t>
+            </a:r>
+            <a:endParaRPr lang="en-US" altLang="zh-CN" sz="2000" dirty="0"/>
+          </a:p>
+          <a:p>
+            <a:pPr lvl="1">
+              <a:lnSpc>
+                <a:spcPct val="120000"/>
+              </a:lnSpc>
+            </a:pPr>
+            <a:r>
+              <a:rPr lang="zh-CN" altLang="en-US" sz="1800" dirty="0"/>
+              <a:t>“</a:t>
+            </a:r>
+            <a:r>
+              <a:rPr lang="en-US" altLang="zh-CN" sz="1800" dirty="0" err="1"/>
+              <a:t>callee</a:t>
+            </a:r>
+            <a:r>
+              <a:rPr lang="zh-CN" altLang="en-US" sz="1800" dirty="0"/>
+              <a:t> </a:t>
+            </a:r>
+            <a:r>
+              <a:rPr lang="en-US" altLang="zh-CN" sz="1800" dirty="0"/>
+              <a:t>saved</a:t>
+            </a:r>
+            <a:r>
+              <a:rPr lang="zh-CN" altLang="en-US" sz="1800" dirty="0"/>
+              <a:t>”指的是，如果这个函数被别的函数调用，</a:t>
+            </a:r>
+            <a:r>
+              <a:rPr lang="zh-CN" altLang="en-US" sz="1800" dirty="0">
+                <a:solidFill>
+                  <a:srgbClr val="FFFF00"/>
+                </a:solidFill>
+              </a:rPr>
+              <a:t>在运行的开头和结尾</a:t>
+            </a:r>
+            <a:r>
+              <a:rPr lang="zh-CN" altLang="en-US" sz="1800" dirty="0"/>
+              <a:t>，这些寄存器的值必须保持一致；尽管它们的值在运行过程中可以有变化。</a:t>
+            </a:r>
+            <a:r>
+              <a:rPr lang="en-US" altLang="zh-CN" sz="1800" dirty="0"/>
+              <a:t>%</a:t>
+            </a:r>
+            <a:r>
+              <a:rPr lang="en-US" altLang="zh-CN" sz="1800" dirty="0" err="1"/>
+              <a:t>rbp</a:t>
+            </a:r>
+            <a:r>
+              <a:rPr lang="en-US" altLang="zh-CN" sz="1800" dirty="0"/>
+              <a:t>,</a:t>
+            </a:r>
+            <a:r>
+              <a:rPr lang="zh-CN" altLang="en-US" sz="1800" dirty="0"/>
+              <a:t> </a:t>
+            </a:r>
+            <a:r>
+              <a:rPr lang="en-US" altLang="zh-CN" sz="1800" dirty="0"/>
+              <a:t>%</a:t>
+            </a:r>
+            <a:r>
+              <a:rPr lang="en-US" altLang="zh-CN" sz="1800" dirty="0" err="1"/>
+              <a:t>rbx</a:t>
+            </a:r>
+            <a:r>
+              <a:rPr lang="en-US" altLang="zh-CN" sz="1800" dirty="0"/>
+              <a:t>,</a:t>
+            </a:r>
+            <a:r>
+              <a:rPr lang="zh-CN" altLang="en-US" sz="1800" dirty="0"/>
+              <a:t> </a:t>
+            </a:r>
+            <a:r>
+              <a:rPr lang="en-US" altLang="zh-CN" sz="1800" dirty="0"/>
+              <a:t>%r12-%r15</a:t>
+            </a:r>
+            <a:endParaRPr lang="zh-CN" altLang="en-US" sz="1800" dirty="0"/>
+          </a:p>
+          <a:p>
+            <a:pPr lvl="1">
+              <a:lnSpc>
+                <a:spcPct val="120000"/>
+              </a:lnSpc>
+            </a:pPr>
+            <a:r>
+              <a:rPr lang="zh-CN" altLang="en-US" sz="1800" dirty="0"/>
+              <a:t>“</a:t>
+            </a:r>
+            <a:r>
+              <a:rPr lang="en-US" altLang="zh-CN" sz="1800" dirty="0"/>
+              <a:t>caller</a:t>
+            </a:r>
+            <a:r>
+              <a:rPr lang="zh-CN" altLang="en-US" sz="1800" dirty="0"/>
+              <a:t> </a:t>
+            </a:r>
+            <a:r>
+              <a:rPr lang="en-US" altLang="zh-CN" sz="1800" dirty="0"/>
+              <a:t>saved</a:t>
+            </a:r>
+            <a:r>
+              <a:rPr lang="zh-CN" altLang="en-US" sz="1800" dirty="0"/>
+              <a:t>”指的是，如果当前函数要调用其他函数，由于</a:t>
+            </a:r>
+            <a:r>
+              <a:rPr lang="zh-CN" altLang="en-US" sz="1800" dirty="0">
+                <a:solidFill>
+                  <a:srgbClr val="FFFF00"/>
+                </a:solidFill>
+              </a:rPr>
+              <a:t>任何过程都可以修改它们</a:t>
+            </a:r>
+            <a:r>
+              <a:rPr lang="zh-CN" altLang="en-US" sz="1800" dirty="0"/>
+              <a:t>，所以当前函数要先把这些寄存器保管好</a:t>
+            </a:r>
+            <a:endParaRPr lang="en-US" altLang="zh-CN" sz="1800" dirty="0"/>
+          </a:p>
+          <a:p>
+            <a:r>
+              <a:rPr lang="zh-CN" altLang="en-US" sz="2000" dirty="0"/>
+              <a:t>右侧代码的</a:t>
+            </a:r>
+            <a:r>
+              <a:rPr lang="en-US" altLang="zh-CN" sz="2000" dirty="0"/>
+              <a:t>2-3</a:t>
+            </a:r>
+            <a:r>
+              <a:rPr lang="zh-CN" altLang="en-US" sz="2000" dirty="0"/>
+              <a:t>行、</a:t>
+            </a:r>
+            <a:r>
+              <a:rPr lang="en-US" altLang="zh-CN" sz="2000" dirty="0"/>
+              <a:t>13-14</a:t>
+            </a:r>
+            <a:r>
+              <a:rPr lang="zh-CN" altLang="en-US" sz="2000" dirty="0"/>
+              <a:t>行</a:t>
+            </a:r>
+            <a:endParaRPr lang="en-US" altLang="zh-CN" sz="2000" dirty="0"/>
+          </a:p>
+          <a:p>
+            <a:pPr lvl="1">
+              <a:lnSpc>
+                <a:spcPct val="120000"/>
+              </a:lnSpc>
+            </a:pPr>
+            <a:r>
+              <a:rPr lang="zh-CN" altLang="en-US" sz="1800" dirty="0"/>
+              <a:t>因为</a:t>
+            </a:r>
+            <a:r>
+              <a:rPr lang="en-US" altLang="zh-CN" sz="1800" dirty="0"/>
+              <a:t>5</a:t>
+            </a:r>
+            <a:r>
+              <a:rPr lang="zh-CN" altLang="en-US" sz="1800" dirty="0"/>
+              <a:t>、</a:t>
+            </a:r>
+            <a:r>
+              <a:rPr lang="en-US" altLang="zh-CN" sz="1800" dirty="0"/>
+              <a:t>8</a:t>
+            </a:r>
+            <a:r>
+              <a:rPr lang="zh-CN" altLang="en-US" sz="1800" dirty="0"/>
+              <a:t>行使用了这两个被调用者保存寄存器</a:t>
+            </a:r>
+          </a:p>
+        </p:txBody>
+      </p:sp>
+      <p:pic>
+        <p:nvPicPr>
+          <p:cNvPr id="4" name="图片 3">
+            <a:extLst>
+              <a:ext uri="{FF2B5EF4-FFF2-40B4-BE49-F238E27FC236}">
+                <a16:creationId xmlns:a16="http://schemas.microsoft.com/office/drawing/2014/main" id="{5978E099-3BD4-4F05-A5E4-B8EF30AC1ED6}"/>
+              </a:ext>
+            </a:extLst>
+          </p:cNvPr>
+          <p:cNvPicPr>
+            <a:picLocks noChangeAspect="1"/>
+          </p:cNvPicPr>
+          <p:nvPr/>
+        </p:nvPicPr>
+        <p:blipFill>
+          <a:blip r:embed="rId3"/>
+          <a:stretch>
+            <a:fillRect/>
+          </a:stretch>
+        </p:blipFill>
+        <p:spPr>
+          <a:xfrm>
+            <a:off x="8299891" y="677863"/>
+            <a:ext cx="2493750" cy="1664694"/>
+          </a:xfrm>
+          <a:prstGeom prst="rect">
+            <a:avLst/>
+          </a:prstGeom>
+        </p:spPr>
+      </p:pic>
+      <p:pic>
+        <p:nvPicPr>
+          <p:cNvPr id="5" name="图片 4">
+            <a:extLst>
+              <a:ext uri="{FF2B5EF4-FFF2-40B4-BE49-F238E27FC236}">
+                <a16:creationId xmlns:a16="http://schemas.microsoft.com/office/drawing/2014/main" id="{2D193291-E4B0-4E79-869B-B73592AF2414}"/>
+              </a:ext>
+            </a:extLst>
+          </p:cNvPr>
+          <p:cNvPicPr>
+            <a:picLocks noChangeAspect="1"/>
+          </p:cNvPicPr>
+          <p:nvPr/>
+        </p:nvPicPr>
+        <p:blipFill>
+          <a:blip r:embed="rId4"/>
+          <a:stretch>
+            <a:fillRect/>
+          </a:stretch>
+        </p:blipFill>
+        <p:spPr>
+          <a:xfrm>
+            <a:off x="7207045" y="2654660"/>
+            <a:ext cx="4679442" cy="3231301"/>
+          </a:xfrm>
+          <a:prstGeom prst="rect">
+            <a:avLst/>
+          </a:prstGeom>
+        </p:spPr>
+      </p:pic>
+    </p:spTree>
+    <p:extLst>
+      <p:ext uri="{BB962C8B-B14F-4D97-AF65-F5344CB8AC3E}">
+        <p14:creationId xmlns:p14="http://schemas.microsoft.com/office/powerpoint/2010/main" val="864192025"/>
+      </p:ext>
+    </p:extLst>
+  </p:cSld>
+  <p:clrMapOvr>
+    <a:masterClrMapping/>
+  </p:clrMapOvr>
+</p:sld>
+</file>
+
+<file path=ppt/slides/slide2.xml><?xml version="1.0" encoding="utf-8"?>
+<p:sld xmlns:a="http://schemas.openxmlformats.org/drawingml/2006/main" xmlns:r="http://schemas.openxmlformats.org/officeDocument/2006/relationships" xmlns:p="http://schemas.openxmlformats.org/presentationml/2006/main">
+  <p:cSld>
+    <p:spTree>
+      <p:nvGrpSpPr>
+        <p:cNvPr id="1" name=""/>
+        <p:cNvGrpSpPr/>
+        <p:nvPr/>
+      </p:nvGrpSpPr>
+      <p:grpSpPr>
+        <a:xfrm>
+          <a:off x="0" y="0"/>
+          <a:ext cx="0" cy="0"/>
+          <a:chOff x="0" y="0"/>
+          <a:chExt cx="0" cy="0"/>
+        </a:xfrm>
+      </p:grpSpPr>
+      <p:sp>
+        <p:nvSpPr>
+          <p:cNvPr id="2" name="标题 1">
+            <a:extLst>
+              <a:ext uri="{FF2B5EF4-FFF2-40B4-BE49-F238E27FC236}">
+                <a16:creationId xmlns:a16="http://schemas.microsoft.com/office/drawing/2014/main" id="{9BA915F5-E477-AB4B-90CF-EFC26AE8B8C2}"/>
+              </a:ext>
+            </a:extLst>
+          </p:cNvPr>
+          <p:cNvSpPr>
+            <a:spLocks noGrp="1"/>
+          </p:cNvSpPr>
+          <p:nvPr>
+            <p:ph type="title"/>
+          </p:nvPr>
+        </p:nvSpPr>
+        <p:spPr/>
+        <p:txBody>
+          <a:bodyPr/>
+          <a:lstStyle/>
+          <a:p>
+            <a:r>
+              <a:rPr kumimoji="1" lang="zh-CN" altLang="en-US" dirty="0"/>
+              <a:t>安排</a:t>
+            </a:r>
+          </a:p>
+        </p:txBody>
+      </p:sp>
+      <p:sp>
+        <p:nvSpPr>
+          <p:cNvPr id="3" name="内容占位符 2">
+            <a:extLst>
+              <a:ext uri="{FF2B5EF4-FFF2-40B4-BE49-F238E27FC236}">
+                <a16:creationId xmlns:a16="http://schemas.microsoft.com/office/drawing/2014/main" id="{D9C6BC7E-8885-C34D-A838-131FA53CC478}"/>
+              </a:ext>
+            </a:extLst>
+          </p:cNvPr>
+          <p:cNvSpPr>
+            <a:spLocks noGrp="1"/>
+          </p:cNvSpPr>
+          <p:nvPr>
+            <p:ph idx="1"/>
+          </p:nvPr>
+        </p:nvSpPr>
+        <p:spPr/>
+        <p:txBody>
+          <a:bodyPr/>
+          <a:lstStyle/>
+          <a:p>
+            <a:r>
+              <a:rPr kumimoji="1" lang="zh-CN" altLang="en-US" dirty="0"/>
+              <a:t>回课</a:t>
+            </a:r>
+            <a:endParaRPr kumimoji="1" lang="en-US" altLang="zh-CN" dirty="0"/>
+          </a:p>
+          <a:p>
+            <a:r>
+              <a:rPr kumimoji="1" lang="zh-CN" altLang="en-US" dirty="0"/>
+              <a:t>讲一下这个</a:t>
+            </a:r>
+            <a:r>
+              <a:rPr kumimoji="1" lang="en-US" altLang="zh-CN" dirty="0"/>
+              <a:t>slides</a:t>
+            </a:r>
+            <a:r>
+              <a:rPr kumimoji="1" lang="zh-CN" altLang="en-US" dirty="0"/>
+              <a:t>和补充内容</a:t>
+            </a:r>
+            <a:endParaRPr kumimoji="1" lang="en-US" altLang="zh-CN" dirty="0"/>
+          </a:p>
+          <a:p>
+            <a:r>
+              <a:rPr kumimoji="1" lang="zh-CN" altLang="en-US" dirty="0"/>
+              <a:t>讲上节课剩下的几个题</a:t>
+            </a:r>
+            <a:endParaRPr kumimoji="1" lang="en-US" altLang="zh-CN" dirty="0"/>
+          </a:p>
+          <a:p>
+            <a:r>
+              <a:rPr kumimoji="1" lang="zh-CN" altLang="en-US" dirty="0"/>
+              <a:t>做和讲本节课的习题（最后一个大题可能要留到下次）</a:t>
+            </a:r>
+          </a:p>
+        </p:txBody>
+      </p:sp>
+    </p:spTree>
+    <p:extLst>
+      <p:ext uri="{BB962C8B-B14F-4D97-AF65-F5344CB8AC3E}">
+        <p14:creationId xmlns:p14="http://schemas.microsoft.com/office/powerpoint/2010/main" val="1918070599"/>
+      </p:ext>
+    </p:extLst>
+  </p:cSld>
+  <p:clrMapOvr>
+    <a:masterClrMapping/>
+  </p:clrMapOvr>
+</p:sld>
+</file>
+
+<file path=ppt/slides/slide3.xml><?xml version="1.0" encoding="utf-8"?>
+<p:sld xmlns:a="http://schemas.openxmlformats.org/drawingml/2006/main" xmlns:r="http://schemas.openxmlformats.org/officeDocument/2006/relationships" xmlns:p="http://schemas.openxmlformats.org/presentationml/2006/main">
+  <p:cSld>
+    <p:spTree>
+      <p:nvGrpSpPr>
+        <p:cNvPr id="1" name=""/>
+        <p:cNvGrpSpPr/>
+        <p:nvPr/>
+      </p:nvGrpSpPr>
+      <p:grpSpPr>
+        <a:xfrm>
+          <a:off x="0" y="0"/>
+          <a:ext cx="0" cy="0"/>
+          <a:chOff x="0" y="0"/>
+          <a:chExt cx="0" cy="0"/>
+        </a:xfrm>
+      </p:grpSpPr>
+      <p:sp>
+        <p:nvSpPr>
+          <p:cNvPr id="2" name="标题 1">
+            <a:extLst>
+              <a:ext uri="{FF2B5EF4-FFF2-40B4-BE49-F238E27FC236}">
+                <a16:creationId xmlns:a16="http://schemas.microsoft.com/office/drawing/2014/main" id="{70AAF145-5B26-4D43-957B-AE317080A7E0}"/>
+              </a:ext>
+            </a:extLst>
+          </p:cNvPr>
+          <p:cNvSpPr>
+            <a:spLocks noGrp="1"/>
+          </p:cNvSpPr>
+          <p:nvPr>
+            <p:ph type="title"/>
+          </p:nvPr>
+        </p:nvSpPr>
+        <p:spPr/>
+        <p:txBody>
+          <a:bodyPr/>
+          <a:lstStyle/>
+          <a:p>
+            <a:r>
+              <a:rPr lang="en-US" altLang="zh-CN" dirty="0"/>
+              <a:t>Contents</a:t>
+            </a:r>
+            <a:endParaRPr lang="zh-CN" altLang="en-US" dirty="0"/>
+          </a:p>
+        </p:txBody>
+      </p:sp>
+      <p:sp>
+        <p:nvSpPr>
+          <p:cNvPr id="3" name="内容占位符 2">
+            <a:extLst>
+              <a:ext uri="{FF2B5EF4-FFF2-40B4-BE49-F238E27FC236}">
+                <a16:creationId xmlns:a16="http://schemas.microsoft.com/office/drawing/2014/main" id="{809FEA75-499A-4113-90C2-2501C98E31D1}"/>
+              </a:ext>
+            </a:extLst>
+          </p:cNvPr>
+          <p:cNvSpPr>
+            <a:spLocks noGrp="1"/>
+          </p:cNvSpPr>
+          <p:nvPr>
+            <p:ph idx="1"/>
+          </p:nvPr>
+        </p:nvSpPr>
+        <p:spPr/>
+        <p:txBody>
+          <a:bodyPr/>
+          <a:lstStyle/>
+          <a:p>
+            <a:r>
+              <a:rPr lang="en-US" altLang="zh-CN" sz="2400" dirty="0"/>
+              <a:t>Floating Point</a:t>
+            </a:r>
+          </a:p>
+          <a:p>
+            <a:endParaRPr lang="en-US" altLang="zh-CN" sz="2400" dirty="0"/>
+          </a:p>
+          <a:p>
+            <a:r>
+              <a:rPr lang="en-US" altLang="zh-CN" sz="2400" dirty="0"/>
+              <a:t>Machine Programming</a:t>
+            </a:r>
+          </a:p>
+          <a:p>
+            <a:pPr lvl="1"/>
+            <a:r>
+              <a:rPr lang="en-US" altLang="zh-CN" sz="1800" dirty="0"/>
+              <a:t>Basics</a:t>
+            </a:r>
+          </a:p>
+          <a:p>
+            <a:pPr lvl="1"/>
+            <a:r>
+              <a:rPr lang="en-US" altLang="zh-CN" sz="1800" dirty="0"/>
+              <a:t>Control</a:t>
+            </a:r>
+          </a:p>
+          <a:p>
+            <a:pPr lvl="1"/>
+            <a:r>
+              <a:rPr lang="en-US" altLang="zh-CN" sz="1800" dirty="0"/>
+              <a:t>Procedures</a:t>
+            </a:r>
+          </a:p>
+          <a:p>
+            <a:endParaRPr lang="en-US" altLang="zh-CN" dirty="0"/>
+          </a:p>
+          <a:p>
+            <a:endParaRPr lang="en-US" altLang="zh-CN" dirty="0"/>
+          </a:p>
+          <a:p>
+            <a:endParaRPr lang="zh-CN" altLang="en-US" dirty="0"/>
+          </a:p>
+        </p:txBody>
+      </p:sp>
+    </p:spTree>
+    <p:extLst>
+      <p:ext uri="{BB962C8B-B14F-4D97-AF65-F5344CB8AC3E}">
+        <p14:creationId xmlns:p14="http://schemas.microsoft.com/office/powerpoint/2010/main" val="2349494563"/>
+      </p:ext>
+    </p:extLst>
+  </p:cSld>
+  <p:clrMapOvr>
+    <a:masterClrMapping/>
+  </p:clrMapOvr>
+</p:sld>
+</file>
+
+<file path=ppt/slides/slide4.xml><?xml version="1.0" encoding="utf-8"?>
+<p:sld xmlns:a="http://schemas.openxmlformats.org/drawingml/2006/main" xmlns:r="http://schemas.openxmlformats.org/officeDocument/2006/relationships" xmlns:p="http://schemas.openxmlformats.org/presentationml/2006/main">
+  <p:cSld>
+    <p:spTree>
+      <p:nvGrpSpPr>
+        <p:cNvPr id="1" name=""/>
+        <p:cNvGrpSpPr/>
+        <p:nvPr/>
+      </p:nvGrpSpPr>
+      <p:grpSpPr>
+        <a:xfrm>
+          <a:off x="0" y="0"/>
+          <a:ext cx="0" cy="0"/>
+          <a:chOff x="0" y="0"/>
+          <a:chExt cx="0" cy="0"/>
+        </a:xfrm>
+      </p:grpSpPr>
+      <p:sp>
+        <p:nvSpPr>
+          <p:cNvPr id="2" name="标题 1">
+            <a:extLst>
+              <a:ext uri="{FF2B5EF4-FFF2-40B4-BE49-F238E27FC236}">
+                <a16:creationId xmlns:a16="http://schemas.microsoft.com/office/drawing/2014/main" id="{890A1416-9619-447E-8523-67EE4513C296}"/>
+              </a:ext>
+            </a:extLst>
+          </p:cNvPr>
+          <p:cNvSpPr>
+            <a:spLocks noGrp="1"/>
+          </p:cNvSpPr>
+          <p:nvPr>
+            <p:ph type="title"/>
+          </p:nvPr>
+        </p:nvSpPr>
+        <p:spPr/>
+        <p:txBody>
+          <a:bodyPr/>
+          <a:lstStyle/>
+          <a:p>
+            <a:r>
+              <a:rPr lang="en-US" altLang="zh-CN" dirty="0"/>
+              <a:t>Floating Point</a:t>
+            </a:r>
+            <a:endParaRPr lang="zh-CN" altLang="en-US" dirty="0"/>
+          </a:p>
+        </p:txBody>
+      </p:sp>
+      <p:sp>
+        <p:nvSpPr>
+          <p:cNvPr id="3" name="内容占位符 2">
+            <a:extLst>
+              <a:ext uri="{FF2B5EF4-FFF2-40B4-BE49-F238E27FC236}">
+                <a16:creationId xmlns:a16="http://schemas.microsoft.com/office/drawing/2014/main" id="{7B3A624F-0893-4B98-8214-E762901CF4A2}"/>
+              </a:ext>
+            </a:extLst>
+          </p:cNvPr>
+          <p:cNvSpPr>
+            <a:spLocks noGrp="1"/>
+          </p:cNvSpPr>
+          <p:nvPr>
+            <p:ph idx="1"/>
+          </p:nvPr>
+        </p:nvSpPr>
+        <p:spPr/>
+        <p:txBody>
+          <a:bodyPr>
+            <a:normAutofit/>
+          </a:bodyPr>
+          <a:lstStyle/>
+          <a:p>
+            <a:pPr>
+              <a:lnSpc>
+                <a:spcPct val="150000"/>
+              </a:lnSpc>
+            </a:pPr>
+            <a:r>
+              <a:rPr lang="zh-CN" altLang="en-US" sz="2400" dirty="0"/>
+              <a:t>表示方法（</a:t>
+            </a:r>
+            <a:r>
+              <a:rPr lang="en-US" altLang="zh-CN" sz="2400" dirty="0"/>
+              <a:t>IEEE 754</a:t>
+            </a:r>
+            <a:r>
+              <a:rPr lang="zh-CN" altLang="en-US" sz="2400" dirty="0"/>
+              <a:t>）</a:t>
+            </a:r>
+            <a:endParaRPr lang="en-US" altLang="zh-CN" sz="2400" dirty="0"/>
+          </a:p>
+          <a:p>
+            <a:pPr>
+              <a:lnSpc>
+                <a:spcPct val="150000"/>
+              </a:lnSpc>
+            </a:pPr>
+            <a:r>
+              <a:rPr lang="zh-CN" altLang="en-US" sz="2400" dirty="0"/>
+              <a:t>舍入规则与浮点运算</a:t>
+            </a:r>
+            <a:endParaRPr lang="en-US" altLang="zh-CN" sz="2400" dirty="0"/>
+          </a:p>
+          <a:p>
+            <a:pPr>
+              <a:lnSpc>
+                <a:spcPct val="150000"/>
+              </a:lnSpc>
+            </a:pPr>
+            <a:r>
+              <a:rPr lang="en-US" altLang="zh-CN" sz="2400" dirty="0"/>
+              <a:t>C</a:t>
+            </a:r>
+            <a:r>
+              <a:rPr lang="zh-CN" altLang="en-US" sz="2400" dirty="0"/>
+              <a:t>语言中的浮点数</a:t>
+            </a:r>
+          </a:p>
+        </p:txBody>
+      </p:sp>
+    </p:spTree>
+    <p:extLst>
+      <p:ext uri="{BB962C8B-B14F-4D97-AF65-F5344CB8AC3E}">
+        <p14:creationId xmlns:p14="http://schemas.microsoft.com/office/powerpoint/2010/main" val="475967699"/>
+      </p:ext>
+    </p:extLst>
+  </p:cSld>
+  <p:clrMapOvr>
+    <a:masterClrMapping/>
+  </p:clrMapOvr>
+</p:sld>
+</file>
+
+<file path=ppt/slides/slide5.xml><?xml version="1.0" encoding="utf-8"?>
+<p:sld xmlns:a="http://schemas.openxmlformats.org/drawingml/2006/main" xmlns:r="http://schemas.openxmlformats.org/officeDocument/2006/relationships" xmlns:p="http://schemas.openxmlformats.org/presentationml/2006/main">
+  <p:cSld>
+    <p:spTree>
+      <p:nvGrpSpPr>
+        <p:cNvPr id="1" name=""/>
+        <p:cNvGrpSpPr/>
+        <p:nvPr/>
+      </p:nvGrpSpPr>
+      <p:grpSpPr>
+        <a:xfrm>
+          <a:off x="0" y="0"/>
+          <a:ext cx="0" cy="0"/>
+          <a:chOff x="0" y="0"/>
+          <a:chExt cx="0" cy="0"/>
+        </a:xfrm>
+      </p:grpSpPr>
+      <p:sp>
+        <p:nvSpPr>
+          <p:cNvPr id="2" name="标题 1">
+            <a:extLst>
+              <a:ext uri="{FF2B5EF4-FFF2-40B4-BE49-F238E27FC236}">
+                <a16:creationId xmlns:a16="http://schemas.microsoft.com/office/drawing/2014/main" id="{A24C746C-8389-40C5-B820-0DBBAF830CAC}"/>
+              </a:ext>
+            </a:extLst>
+          </p:cNvPr>
+          <p:cNvSpPr>
+            <a:spLocks noGrp="1"/>
+          </p:cNvSpPr>
+          <p:nvPr>
+            <p:ph type="title"/>
+          </p:nvPr>
+        </p:nvSpPr>
+        <p:spPr/>
+        <p:txBody>
+          <a:bodyPr/>
+          <a:lstStyle/>
+          <a:p>
+            <a:r>
+              <a:rPr lang="zh-CN" altLang="en-US" dirty="0"/>
+              <a:t>表示方法</a:t>
+            </a:r>
+          </a:p>
+        </p:txBody>
+      </p:sp>
+      <p:sp>
+        <p:nvSpPr>
+          <p:cNvPr id="3" name="内容占位符 2">
+            <a:extLst>
+              <a:ext uri="{FF2B5EF4-FFF2-40B4-BE49-F238E27FC236}">
+                <a16:creationId xmlns:a16="http://schemas.microsoft.com/office/drawing/2014/main" id="{3A0AC7D0-EF8A-497C-9D84-B4DAAEC7358D}"/>
+              </a:ext>
+            </a:extLst>
+          </p:cNvPr>
+          <p:cNvSpPr>
+            <a:spLocks noGrp="1"/>
+          </p:cNvSpPr>
+          <p:nvPr>
+            <p:ph idx="1"/>
+          </p:nvPr>
+        </p:nvSpPr>
+        <p:spPr>
+          <a:xfrm>
+            <a:off x="1261872" y="1828800"/>
+            <a:ext cx="9342438" cy="4351337"/>
+          </a:xfrm>
+        </p:spPr>
+        <p:txBody>
+          <a:bodyPr>
+            <a:normAutofit lnSpcReduction="10000"/>
+          </a:bodyPr>
+          <a:lstStyle/>
+          <a:p>
+            <a:pPr>
+              <a:lnSpc>
+                <a:spcPct val="120000"/>
+              </a:lnSpc>
+            </a:pPr>
+            <a:r>
+              <a:rPr lang="zh-CN" altLang="en-US" sz="2400" dirty="0"/>
+              <a:t>浮点数比较可以借用无符号整数的比较</a:t>
+            </a:r>
+            <a:endParaRPr lang="en-US" altLang="zh-CN" sz="2400" dirty="0"/>
+          </a:p>
+          <a:p>
+            <a:pPr lvl="1">
+              <a:lnSpc>
+                <a:spcPct val="120000"/>
+              </a:lnSpc>
+            </a:pPr>
+            <a:r>
+              <a:rPr lang="zh-CN" altLang="en-US" sz="1800" dirty="0"/>
+              <a:t>家庭作业</a:t>
+            </a:r>
+            <a:r>
+              <a:rPr lang="en-US" altLang="zh-CN" sz="1800" dirty="0"/>
+              <a:t>2.84</a:t>
+            </a:r>
+          </a:p>
+          <a:p>
+            <a:pPr lvl="1">
+              <a:lnSpc>
+                <a:spcPct val="120000"/>
+              </a:lnSpc>
+            </a:pPr>
+            <a:r>
+              <a:rPr lang="zh-CN" altLang="en-US" sz="1800" dirty="0"/>
+              <a:t>参考解答：</a:t>
+            </a:r>
+            <a:r>
+              <a:rPr lang="en-US" altLang="zh-CN" sz="1800" dirty="0"/>
+              <a:t>(sx &amp;&amp; !sy) || (!sx &amp;&amp; !sy &amp;&amp; ux &lt;= uy) || (sx &amp;&amp; sy &amp;&amp; ux &gt;= </a:t>
+            </a:r>
+            <a:r>
+              <a:rPr lang="en-US" altLang="zh-CN" sz="1800" dirty="0" err="1"/>
+              <a:t>uy</a:t>
+            </a:r>
+            <a:r>
+              <a:rPr lang="en-US" altLang="zh-CN" sz="1800" dirty="0"/>
+              <a:t>)</a:t>
+            </a:r>
+            <a:r>
+              <a:rPr lang="zh-CN" altLang="en-US" sz="1800" dirty="0"/>
+              <a:t> </a:t>
+            </a:r>
+            <a:r>
+              <a:rPr lang="en-US" altLang="zh-CN" sz="1800" dirty="0"/>
+              <a:t>||</a:t>
+            </a:r>
+            <a:r>
+              <a:rPr lang="zh-CN" altLang="en-US" sz="1800" dirty="0"/>
+              <a:t> </a:t>
+            </a:r>
+            <a:r>
+              <a:rPr lang="en-US" altLang="zh-CN" sz="1800" dirty="0"/>
+              <a:t>((</a:t>
+            </a:r>
+            <a:r>
+              <a:rPr lang="en-US" altLang="zh-CN" sz="1800" dirty="0" err="1"/>
+              <a:t>ux</a:t>
+            </a:r>
+            <a:r>
+              <a:rPr lang="zh-CN" altLang="en-US" sz="1800" dirty="0"/>
+              <a:t> </a:t>
+            </a:r>
+            <a:r>
+              <a:rPr lang="en-US" altLang="zh-CN" sz="1800" dirty="0"/>
+              <a:t>&lt;&lt;</a:t>
+            </a:r>
+            <a:r>
+              <a:rPr lang="zh-CN" altLang="en-US" sz="1800" dirty="0"/>
+              <a:t> </a:t>
+            </a:r>
+            <a:r>
+              <a:rPr lang="en-US" altLang="zh-CN" sz="1800" dirty="0"/>
+              <a:t>1</a:t>
+            </a:r>
+            <a:r>
+              <a:rPr lang="zh-CN" altLang="en-US" sz="1800" dirty="0"/>
+              <a:t> </a:t>
+            </a:r>
+            <a:r>
+              <a:rPr lang="en-US" altLang="zh-CN" sz="1800" dirty="0"/>
+              <a:t>==</a:t>
+            </a:r>
+            <a:r>
+              <a:rPr lang="zh-CN" altLang="en-US" sz="1800" dirty="0"/>
+              <a:t> </a:t>
+            </a:r>
+            <a:r>
+              <a:rPr lang="en-US" altLang="zh-CN" sz="1800" dirty="0"/>
+              <a:t>0</a:t>
+            </a:r>
+            <a:r>
+              <a:rPr lang="zh-CN" altLang="en-US" sz="1800" dirty="0"/>
+              <a:t> </a:t>
+            </a:r>
+            <a:r>
+              <a:rPr lang="en-US" altLang="zh-CN" sz="1800" dirty="0"/>
+              <a:t>&amp;&amp;</a:t>
+            </a:r>
+            <a:r>
+              <a:rPr lang="zh-CN" altLang="en-US" sz="1800" dirty="0"/>
+              <a:t> </a:t>
+            </a:r>
+            <a:r>
+              <a:rPr lang="en-US" altLang="zh-CN" sz="1800" dirty="0" err="1"/>
+              <a:t>uy</a:t>
+            </a:r>
+            <a:r>
+              <a:rPr lang="zh-CN" altLang="en-US" sz="1800" dirty="0"/>
+              <a:t> </a:t>
+            </a:r>
+            <a:r>
+              <a:rPr lang="en-US" altLang="zh-CN" sz="1800" dirty="0"/>
+              <a:t>&lt;&lt;</a:t>
+            </a:r>
+            <a:r>
+              <a:rPr lang="zh-CN" altLang="en-US" sz="1800" dirty="0"/>
+              <a:t> </a:t>
+            </a:r>
+            <a:r>
+              <a:rPr lang="en-US" altLang="zh-CN" sz="1800" dirty="0"/>
+              <a:t>1</a:t>
+            </a:r>
+            <a:r>
+              <a:rPr lang="zh-CN" altLang="en-US" sz="1800" dirty="0"/>
+              <a:t> </a:t>
+            </a:r>
+            <a:r>
+              <a:rPr lang="en-US" altLang="zh-CN" sz="1800" dirty="0"/>
+              <a:t>==</a:t>
+            </a:r>
+            <a:r>
+              <a:rPr lang="zh-CN" altLang="en-US" sz="1800" dirty="0"/>
+              <a:t> </a:t>
+            </a:r>
+            <a:r>
+              <a:rPr lang="en-US" altLang="zh-CN" sz="1800" dirty="0"/>
+              <a:t>0)</a:t>
+            </a:r>
+          </a:p>
+          <a:p>
+            <a:pPr>
+              <a:lnSpc>
+                <a:spcPct val="120000"/>
+              </a:lnSpc>
+            </a:pPr>
+            <a:endParaRPr lang="en-US" altLang="zh-CN" sz="2400" dirty="0"/>
+          </a:p>
+          <a:p>
+            <a:pPr>
+              <a:lnSpc>
+                <a:spcPct val="120000"/>
+              </a:lnSpc>
+            </a:pPr>
+            <a:endParaRPr lang="en-US" altLang="zh-CN" sz="2400" dirty="0"/>
+          </a:p>
+          <a:p>
+            <a:pPr>
+              <a:lnSpc>
+                <a:spcPct val="120000"/>
+              </a:lnSpc>
+            </a:pPr>
+            <a:endParaRPr lang="en-US" altLang="zh-CN" sz="2400" dirty="0"/>
+          </a:p>
+          <a:p>
+            <a:pPr>
+              <a:lnSpc>
+                <a:spcPct val="120000"/>
+              </a:lnSpc>
+            </a:pPr>
+            <a:r>
+              <a:rPr lang="zh-CN" altLang="en-US" sz="2400" dirty="0"/>
+              <a:t>浮点数小数部分二进制位与相应的整数二进制位的关系</a:t>
+            </a:r>
+            <a:endParaRPr lang="en-US" altLang="zh-CN" sz="2400" dirty="0"/>
+          </a:p>
+          <a:p>
+            <a:pPr lvl="1">
+              <a:lnSpc>
+                <a:spcPct val="120000"/>
+              </a:lnSpc>
+            </a:pPr>
+            <a:r>
+              <a:rPr lang="zh-CN" altLang="en-US" sz="1800" dirty="0"/>
+              <a:t>练习题</a:t>
+            </a:r>
+            <a:r>
+              <a:rPr lang="en-US" altLang="zh-CN" sz="1800" dirty="0"/>
+              <a:t>2.49 </a:t>
+            </a:r>
+          </a:p>
+        </p:txBody>
+      </p:sp>
+      <p:pic>
+        <p:nvPicPr>
+          <p:cNvPr id="4" name="图片 3">
+            <a:extLst>
+              <a:ext uri="{FF2B5EF4-FFF2-40B4-BE49-F238E27FC236}">
+                <a16:creationId xmlns:a16="http://schemas.microsoft.com/office/drawing/2014/main" id="{FBDA28AE-2C09-104E-8E81-F51BCD4115EA}"/>
+              </a:ext>
+            </a:extLst>
+          </p:cNvPr>
+          <p:cNvPicPr>
+            <a:picLocks noChangeAspect="1"/>
+          </p:cNvPicPr>
+          <p:nvPr/>
+        </p:nvPicPr>
+        <p:blipFill>
+          <a:blip r:embed="rId2"/>
+          <a:stretch>
+            <a:fillRect/>
+          </a:stretch>
+        </p:blipFill>
+        <p:spPr>
+          <a:xfrm>
+            <a:off x="1469690" y="2276948"/>
+            <a:ext cx="8379123" cy="2992544"/>
+          </a:xfrm>
+          <a:prstGeom prst="rect">
+            <a:avLst/>
+          </a:prstGeom>
+        </p:spPr>
+      </p:pic>
+      <p:pic>
+        <p:nvPicPr>
+          <p:cNvPr id="5" name="图片 4">
+            <a:extLst>
+              <a:ext uri="{FF2B5EF4-FFF2-40B4-BE49-F238E27FC236}">
+                <a16:creationId xmlns:a16="http://schemas.microsoft.com/office/drawing/2014/main" id="{52108B67-ED3F-C142-A2E5-7A8CB0012770}"/>
+              </a:ext>
+            </a:extLst>
+          </p:cNvPr>
+          <p:cNvPicPr>
+            <a:picLocks noChangeAspect="1"/>
+          </p:cNvPicPr>
+          <p:nvPr/>
+        </p:nvPicPr>
+        <p:blipFill>
+          <a:blip r:embed="rId3"/>
+          <a:stretch>
+            <a:fillRect/>
+          </a:stretch>
+        </p:blipFill>
+        <p:spPr>
+          <a:xfrm>
+            <a:off x="1469690" y="5269492"/>
+            <a:ext cx="8270055" cy="1580403"/>
+          </a:xfrm>
+          <a:prstGeom prst="rect">
+            <a:avLst/>
+          </a:prstGeom>
+        </p:spPr>
+      </p:pic>
+    </p:spTree>
+    <p:extLst>
+      <p:ext uri="{BB962C8B-B14F-4D97-AF65-F5344CB8AC3E}">
+        <p14:creationId xmlns:p14="http://schemas.microsoft.com/office/powerpoint/2010/main" val="1742950416"/>
+      </p:ext>
+    </p:extLst>
+  </p:cSld>
+  <p:clrMapOvr>
+    <a:masterClrMapping/>
+  </p:clrMapOvr>
+  <p:timing>
+    <p:tnLst>
+      <p:par>
+        <p:cTn id="1" dur="indefinite" restart="never" nodeType="tmRoot">
+          <p:childTnLst>
+            <p:seq concurrent="1" nextAc="seek">
+              <p:cTn id="2" dur="indefinite" nodeType="mainSeq">
+                <p:childTnLst>
+                  <p:par>
+                    <p:cTn id="3" fill="hold">
+                      <p:stCondLst>
+                        <p:cond delay="indefinite"/>
+                      </p:stCondLst>
+                      <p:childTnLst>
+                        <p:par>
+                          <p:cTn id="4" fill="hold">
+                            <p:stCondLst>
+                              <p:cond delay="0"/>
+                            </p:stCondLst>
+                            <p:childTnLst>
+                              <p:par>
+                                <p:cTn id="5" presetID="1" presetClass="exit" presetSubtype="0" fill="hold" nodeType="clickEffect">
+                                  <p:stCondLst>
+                                    <p:cond delay="0"/>
+                                  </p:stCondLst>
+                                  <p:childTnLst>
+                                    <p:set>
+                                      <p:cBhvr>
+                                        <p:cTn id="6" dur="1" fill="hold">
+                                          <p:stCondLst>
+                                            <p:cond delay="0"/>
+                                          </p:stCondLst>
+                                        </p:cTn>
+                                        <p:tgtEl>
+                                          <p:spTgt spid="4"/>
+                                        </p:tgtEl>
+                                        <p:attrNameLst>
+                                          <p:attrName>style.visibility</p:attrName>
+                                        </p:attrNameLst>
+                                      </p:cBhvr>
+                                      <p:to>
+                                        <p:strVal val="hidden"/>
+                                      </p:to>
+                                    </p:set>
+                                  </p:childTnLst>
+                                </p:cTn>
+                              </p:par>
+                            </p:childTnLst>
+                          </p:cTn>
+                        </p:par>
+                      </p:childTnLst>
+                    </p:cTn>
+                  </p:par>
+                  <p:par>
+                    <p:cTn id="7" fill="hold">
+                      <p:stCondLst>
+                        <p:cond delay="indefinite"/>
+                      </p:stCondLst>
+                      <p:childTnLst>
+                        <p:par>
+                          <p:cTn id="8" fill="hold">
+                            <p:stCondLst>
+                              <p:cond delay="0"/>
+                            </p:stCondLst>
+                            <p:childTnLst>
+                              <p:par>
+                                <p:cTn id="9" presetID="1" presetClass="entr" presetSubtype="0" fill="hold" nodeType="clickEffect">
+                                  <p:stCondLst>
+                                    <p:cond delay="0"/>
+                                  </p:stCondLst>
+                                  <p:childTnLst>
+                                    <p:set>
+                                      <p:cBhvr>
+                                        <p:cTn id="10" dur="1" fill="hold">
+                                          <p:stCondLst>
+                                            <p:cond delay="0"/>
+                                          </p:stCondLst>
+                                        </p:cTn>
+                                        <p:tgtEl>
+                                          <p:spTgt spid="5"/>
+                                        </p:tgtEl>
+                                        <p:attrNameLst>
+                                          <p:attrName>style.visibility</p:attrName>
+                                        </p:attrNameLst>
+                                      </p:cBhvr>
+                                      <p:to>
+                                        <p:strVal val="visible"/>
+                                      </p:to>
+                                    </p:set>
+                                  </p:childTnLst>
+                                </p:cTn>
+                              </p:par>
+                            </p:childTnLst>
+                          </p:cTn>
+                        </p:par>
+                      </p:childTnLst>
+                    </p:cTn>
+                  </p:par>
+                </p:childTnLst>
+              </p:cTn>
+              <p:prevCondLst>
+                <p:cond evt="onPrev" delay="0">
+                  <p:tgtEl>
+                    <p:sldTgt/>
+                  </p:tgtEl>
+                </p:cond>
+              </p:prevCondLst>
+              <p:nextCondLst>
+                <p:cond evt="onNext" delay="0">
+                  <p:tgtEl>
+                    <p:sldTgt/>
+                  </p:tgtEl>
+                </p:cond>
+              </p:nextCondLst>
+            </p:seq>
+          </p:childTnLst>
+        </p:cTn>
+      </p:par>
+    </p:tnLst>
+  </p:timing>
+</p:sld>
+</file>
+
+<file path=ppt/slides/slide6.xml><?xml version="1.0" encoding="utf-8"?>
+<p:sld xmlns:a="http://schemas.openxmlformats.org/drawingml/2006/main" xmlns:r="http://schemas.openxmlformats.org/officeDocument/2006/relationships" xmlns:p="http://schemas.openxmlformats.org/presentationml/2006/main">
+  <p:cSld>
+    <p:spTree>
+      <p:nvGrpSpPr>
+        <p:cNvPr id="1" name=""/>
+        <p:cNvGrpSpPr/>
+        <p:nvPr/>
+      </p:nvGrpSpPr>
+      <p:grpSpPr>
+        <a:xfrm>
+          <a:off x="0" y="0"/>
+          <a:ext cx="0" cy="0"/>
+          <a:chOff x="0" y="0"/>
+          <a:chExt cx="0" cy="0"/>
+        </a:xfrm>
+      </p:grpSpPr>
+      <p:sp>
+        <p:nvSpPr>
+          <p:cNvPr id="2" name="标题 1">
+            <a:extLst>
+              <a:ext uri="{FF2B5EF4-FFF2-40B4-BE49-F238E27FC236}">
+                <a16:creationId xmlns:a16="http://schemas.microsoft.com/office/drawing/2014/main" id="{13412762-659B-46A1-972F-A16F839FE0AA}"/>
+              </a:ext>
+            </a:extLst>
+          </p:cNvPr>
+          <p:cNvSpPr>
+            <a:spLocks noGrp="1"/>
+          </p:cNvSpPr>
+          <p:nvPr>
+            <p:ph type="title"/>
+          </p:nvPr>
+        </p:nvSpPr>
+        <p:spPr/>
+        <p:txBody>
+          <a:bodyPr/>
+          <a:lstStyle/>
+          <a:p>
+            <a:pPr>
+              <a:lnSpc>
+                <a:spcPct val="150000"/>
+              </a:lnSpc>
+            </a:pPr>
+            <a:r>
+              <a:rPr lang="zh-CN" altLang="en-US" dirty="0"/>
+              <a:t>舍入规则与浮点运算</a:t>
+            </a:r>
+            <a:endParaRPr lang="en-US" altLang="zh-CN" dirty="0"/>
+          </a:p>
+        </p:txBody>
+      </p:sp>
+      <p:sp>
+        <p:nvSpPr>
+          <p:cNvPr id="3" name="内容占位符 2">
+            <a:extLst>
+              <a:ext uri="{FF2B5EF4-FFF2-40B4-BE49-F238E27FC236}">
+                <a16:creationId xmlns:a16="http://schemas.microsoft.com/office/drawing/2014/main" id="{00E53AF4-0C47-4126-A5F9-A975E17951FC}"/>
+              </a:ext>
+            </a:extLst>
+          </p:cNvPr>
+          <p:cNvSpPr>
+            <a:spLocks noGrp="1"/>
+          </p:cNvSpPr>
+          <p:nvPr>
+            <p:ph idx="1"/>
+          </p:nvPr>
+        </p:nvSpPr>
+        <p:spPr/>
+        <p:txBody>
+          <a:bodyPr>
+            <a:normAutofit lnSpcReduction="10000"/>
+          </a:bodyPr>
+          <a:lstStyle/>
+          <a:p>
+            <a:pPr>
+              <a:lnSpc>
+                <a:spcPct val="120000"/>
+              </a:lnSpc>
+            </a:pPr>
+            <a:r>
+              <a:rPr lang="en-US" altLang="zh-CN" sz="2400" dirty="0"/>
+              <a:t>round to even</a:t>
+            </a:r>
+          </a:p>
+          <a:p>
+            <a:pPr lvl="1">
+              <a:lnSpc>
+                <a:spcPct val="120000"/>
+              </a:lnSpc>
+            </a:pPr>
+            <a:r>
+              <a:rPr lang="zh-CN" altLang="en-US" sz="2200" dirty="0"/>
+              <a:t>向更接近的一方舍入</a:t>
+            </a:r>
+            <a:endParaRPr lang="en-US" altLang="zh-CN" sz="2200" dirty="0"/>
+          </a:p>
+          <a:p>
+            <a:pPr lvl="1">
+              <a:lnSpc>
+                <a:spcPct val="120000"/>
+              </a:lnSpc>
+            </a:pPr>
+            <a:r>
+              <a:rPr lang="zh-CN" altLang="en-US" sz="2200" dirty="0"/>
+              <a:t>一样近时</a:t>
+            </a:r>
+            <a:r>
+              <a:rPr lang="en-US" altLang="zh-CN" sz="2200" dirty="0"/>
+              <a:t>(</a:t>
+            </a:r>
+            <a:r>
+              <a:rPr lang="zh-CN" altLang="en-US" sz="2200" dirty="0"/>
+              <a:t>被舍入的部分是</a:t>
+            </a:r>
+            <a:r>
+              <a:rPr lang="en-US" altLang="zh-CN" sz="2200" dirty="0"/>
+              <a:t>10000)</a:t>
+            </a:r>
+            <a:r>
+              <a:rPr lang="zh-CN" altLang="en-US" sz="2200" dirty="0"/>
+              <a:t>，向让结果是偶数的方向舍入</a:t>
+            </a:r>
+            <a:endParaRPr lang="en-US" altLang="zh-CN" sz="2200" dirty="0"/>
+          </a:p>
+          <a:p>
+            <a:pPr>
+              <a:lnSpc>
+                <a:spcPct val="120000"/>
+              </a:lnSpc>
+            </a:pPr>
+            <a:r>
+              <a:rPr lang="zh-CN" altLang="en-US" sz="2400" dirty="0"/>
+              <a:t>加法无结合律，乘法无结合律和分配律</a:t>
+            </a:r>
+            <a:endParaRPr lang="en-US" altLang="zh-CN" sz="2400" dirty="0"/>
+          </a:p>
+          <a:p>
+            <a:pPr>
+              <a:lnSpc>
+                <a:spcPct val="120000"/>
+              </a:lnSpc>
+            </a:pPr>
+            <a:r>
+              <a:rPr lang="zh-CN" altLang="en-US" sz="2400" dirty="0"/>
+              <a:t>单调性成立，但要带上</a:t>
+            </a:r>
+            <a:r>
+              <a:rPr lang="zh-CN" altLang="en-US" sz="2400" b="1" dirty="0">
+                <a:solidFill>
+                  <a:srgbClr val="FFFF00"/>
+                </a:solidFill>
+                <a:latin typeface="SimHei" panose="02010609060101010101" pitchFamily="49" charset="-122"/>
+                <a:ea typeface="SimHei" panose="02010609060101010101" pitchFamily="49" charset="-122"/>
+              </a:rPr>
+              <a:t>等于号</a:t>
+            </a:r>
+            <a:endParaRPr lang="en-US" altLang="zh-CN" sz="2400" b="1" dirty="0">
+              <a:solidFill>
+                <a:srgbClr val="FFFF00"/>
+              </a:solidFill>
+              <a:latin typeface="SimHei" panose="02010609060101010101" pitchFamily="49" charset="-122"/>
+              <a:ea typeface="SimHei" panose="02010609060101010101" pitchFamily="49" charset="-122"/>
+            </a:endParaRPr>
+          </a:p>
+          <a:p>
+            <a:pPr>
+              <a:lnSpc>
+                <a:spcPct val="120000"/>
+              </a:lnSpc>
+            </a:pPr>
+            <a:r>
+              <a:rPr lang="zh-CN" altLang="en-US" sz="2400" dirty="0"/>
+              <a:t>注意</a:t>
+            </a:r>
+            <a:r>
+              <a:rPr lang="en-US" altLang="zh-CN" sz="2400" dirty="0"/>
+              <a:t>inf</a:t>
+            </a:r>
+            <a:r>
+              <a:rPr lang="zh-CN" altLang="en-US" sz="2400" dirty="0"/>
+              <a:t>和</a:t>
+            </a:r>
+            <a:r>
+              <a:rPr lang="en-US" altLang="zh-CN" sz="2400" dirty="0" err="1"/>
+              <a:t>NaN</a:t>
+            </a:r>
+            <a:r>
+              <a:rPr lang="zh-CN" altLang="en-US" sz="2400" dirty="0"/>
+              <a:t>的比较规则</a:t>
+            </a:r>
+            <a:endParaRPr lang="en-US" altLang="zh-CN" sz="2400" dirty="0"/>
+          </a:p>
+          <a:p>
+            <a:pPr lvl="1"/>
+            <a:r>
+              <a:rPr lang="en-US" altLang="zh-CN" sz="2200" dirty="0"/>
+              <a:t>(-inf) + (inf) = NaN</a:t>
+            </a:r>
+          </a:p>
+          <a:p>
+            <a:pPr lvl="1"/>
+            <a:r>
+              <a:rPr lang="en-US" altLang="zh-CN" sz="2200" dirty="0"/>
+              <a:t>inf == inf</a:t>
+            </a:r>
+          </a:p>
+          <a:p>
+            <a:pPr lvl="1"/>
+            <a:r>
+              <a:rPr lang="en-US" altLang="zh-CN" sz="2200" dirty="0"/>
+              <a:t>NaN !=</a:t>
+            </a:r>
+            <a:r>
+              <a:rPr lang="zh-CN" altLang="en-US" sz="2200" dirty="0"/>
+              <a:t> </a:t>
+            </a:r>
+            <a:r>
+              <a:rPr lang="en-US" altLang="zh-CN" sz="2200" dirty="0"/>
+              <a:t>NaN</a:t>
+            </a:r>
+          </a:p>
+          <a:p>
+            <a:endParaRPr lang="en-US" altLang="zh-CN" sz="800" dirty="0"/>
+          </a:p>
+          <a:p>
+            <a:pPr lvl="1"/>
+            <a:endParaRPr lang="en-US" altLang="zh-CN" sz="2200" dirty="0"/>
+          </a:p>
+          <a:p>
+            <a:endParaRPr lang="zh-CN" altLang="en-US" sz="2400" dirty="0"/>
+          </a:p>
+        </p:txBody>
+      </p:sp>
+    </p:spTree>
+    <p:extLst>
+      <p:ext uri="{BB962C8B-B14F-4D97-AF65-F5344CB8AC3E}">
+        <p14:creationId xmlns:p14="http://schemas.microsoft.com/office/powerpoint/2010/main" val="3126844622"/>
+      </p:ext>
+    </p:extLst>
+  </p:cSld>
+  <p:clrMapOvr>
+    <a:masterClrMapping/>
+  </p:clrMapOvr>
+</p:sld>
+</file>
+
+<file path=ppt/slides/slide7.xml><?xml version="1.0" encoding="utf-8"?>
+<p:sld xmlns:a="http://schemas.openxmlformats.org/drawingml/2006/main" xmlns:r="http://schemas.openxmlformats.org/officeDocument/2006/relationships" xmlns:p="http://schemas.openxmlformats.org/presentationml/2006/main">
+  <p:cSld>
+    <p:spTree>
+      <p:nvGrpSpPr>
+        <p:cNvPr id="1" name=""/>
+        <p:cNvGrpSpPr/>
+        <p:nvPr/>
+      </p:nvGrpSpPr>
+      <p:grpSpPr>
+        <a:xfrm>
+          <a:off x="0" y="0"/>
+          <a:ext cx="0" cy="0"/>
+          <a:chOff x="0" y="0"/>
+          <a:chExt cx="0" cy="0"/>
+        </a:xfrm>
+      </p:grpSpPr>
+      <p:sp>
+        <p:nvSpPr>
+          <p:cNvPr id="2" name="标题 1">
+            <a:extLst>
+              <a:ext uri="{FF2B5EF4-FFF2-40B4-BE49-F238E27FC236}">
+                <a16:creationId xmlns:a16="http://schemas.microsoft.com/office/drawing/2014/main" id="{45D3AB97-1C43-45C6-9393-81FF062D63FD}"/>
+              </a:ext>
+            </a:extLst>
+          </p:cNvPr>
+          <p:cNvSpPr>
+            <a:spLocks noGrp="1"/>
+          </p:cNvSpPr>
+          <p:nvPr>
+            <p:ph type="title"/>
+          </p:nvPr>
+        </p:nvSpPr>
+        <p:spPr/>
+        <p:txBody>
+          <a:bodyPr/>
+          <a:lstStyle/>
+          <a:p>
+            <a:r>
+              <a:rPr lang="en-US" altLang="zh-CN" dirty="0"/>
+              <a:t>C</a:t>
+            </a:r>
+            <a:r>
+              <a:rPr lang="zh-CN" altLang="en-US" dirty="0"/>
+              <a:t>语言中的浮点数</a:t>
+            </a:r>
+          </a:p>
+        </p:txBody>
+      </p:sp>
+      <p:sp>
+        <p:nvSpPr>
+          <p:cNvPr id="3" name="内容占位符 2">
+            <a:extLst>
+              <a:ext uri="{FF2B5EF4-FFF2-40B4-BE49-F238E27FC236}">
+                <a16:creationId xmlns:a16="http://schemas.microsoft.com/office/drawing/2014/main" id="{0BE4EAA7-BD3B-4C09-94C2-39A833533626}"/>
+              </a:ext>
+            </a:extLst>
+          </p:cNvPr>
+          <p:cNvSpPr>
+            <a:spLocks noGrp="1"/>
+          </p:cNvSpPr>
+          <p:nvPr>
+            <p:ph idx="1"/>
+          </p:nvPr>
+        </p:nvSpPr>
+        <p:spPr>
+          <a:xfrm>
+            <a:off x="1261872" y="2937163"/>
+            <a:ext cx="9142892" cy="4351337"/>
+          </a:xfrm>
+        </p:spPr>
+        <p:txBody>
+          <a:bodyPr>
+            <a:normAutofit/>
+          </a:bodyPr>
+          <a:lstStyle/>
+          <a:p>
+            <a:pPr>
+              <a:lnSpc>
+                <a:spcPct val="120000"/>
+              </a:lnSpc>
+            </a:pPr>
+            <a:r>
+              <a:rPr lang="zh-CN" altLang="en-US" sz="2400" dirty="0"/>
+              <a:t>注意强制类型转换的精度问题</a:t>
+            </a:r>
+            <a:endParaRPr lang="en-US" altLang="zh-CN" sz="2400" dirty="0"/>
+          </a:p>
+          <a:p>
+            <a:pPr lvl="1">
+              <a:lnSpc>
+                <a:spcPct val="120000"/>
+              </a:lnSpc>
+            </a:pPr>
+            <a:r>
+              <a:rPr lang="en-US" altLang="zh-CN" sz="1800" dirty="0"/>
+              <a:t>int / float </a:t>
+            </a:r>
+            <a:r>
+              <a:rPr lang="zh-CN" altLang="en-US" sz="1800" dirty="0"/>
+              <a:t>→ </a:t>
+            </a:r>
+            <a:r>
+              <a:rPr lang="en-US" altLang="zh-CN" sz="1800" dirty="0"/>
+              <a:t>double </a:t>
+            </a:r>
+            <a:r>
+              <a:rPr lang="zh-CN" altLang="en-US" sz="1800" dirty="0"/>
+              <a:t>可以保留精确的数值</a:t>
+            </a:r>
+            <a:endParaRPr lang="en-US" altLang="zh-CN" sz="1800" dirty="0"/>
+          </a:p>
+          <a:p>
+            <a:pPr lvl="1">
+              <a:lnSpc>
+                <a:spcPct val="120000"/>
+              </a:lnSpc>
+            </a:pPr>
+            <a:r>
+              <a:rPr lang="en-US" altLang="zh-CN" sz="1800" dirty="0"/>
+              <a:t>double / float → int </a:t>
+            </a:r>
+            <a:r>
+              <a:rPr lang="zh-CN" altLang="en-US" sz="1800" dirty="0"/>
+              <a:t>溢出的情况</a:t>
+            </a:r>
+            <a:r>
+              <a:rPr lang="en-US" altLang="zh-CN" sz="1800" dirty="0"/>
+              <a:t>C</a:t>
+            </a:r>
+            <a:r>
+              <a:rPr lang="zh-CN" altLang="en-US" sz="1800" dirty="0"/>
+              <a:t>标准并没有规定，</a:t>
+            </a:r>
+            <a:r>
+              <a:rPr lang="en-US" altLang="zh-CN" sz="1800" dirty="0"/>
+              <a:t>Intel</a:t>
+            </a:r>
+            <a:r>
+              <a:rPr lang="zh-CN" altLang="en-US" sz="1800" dirty="0"/>
+              <a:t>指定为整数不确定值</a:t>
+            </a:r>
+            <a:r>
+              <a:rPr lang="en-US" altLang="zh-CN" sz="1800" dirty="0"/>
+              <a:t>10…0</a:t>
+            </a:r>
+          </a:p>
+          <a:p>
+            <a:pPr>
+              <a:lnSpc>
+                <a:spcPct val="120000"/>
+              </a:lnSpc>
+            </a:pPr>
+            <a:r>
+              <a:rPr lang="zh-CN" altLang="en-US" sz="2400" dirty="0"/>
+              <a:t>练习：家庭作业</a:t>
+            </a:r>
+            <a:r>
+              <a:rPr lang="en-US" altLang="zh-CN" sz="2400" dirty="0"/>
+              <a:t>2.89</a:t>
+            </a:r>
+          </a:p>
+          <a:p>
+            <a:pPr lvl="1"/>
+            <a:r>
+              <a:rPr lang="en-US" altLang="zh-CN" sz="2200" dirty="0"/>
+              <a:t>A</a:t>
+            </a:r>
+            <a:r>
+              <a:rPr lang="zh-CN" altLang="en-US" sz="2200" dirty="0"/>
+              <a:t>：正确</a:t>
+            </a:r>
+            <a:endParaRPr lang="en-US" altLang="zh-CN" sz="2200" dirty="0"/>
+          </a:p>
+          <a:p>
+            <a:pPr lvl="1"/>
+            <a:r>
+              <a:rPr lang="en-US" altLang="zh-CN" sz="2200" dirty="0"/>
+              <a:t>B</a:t>
+            </a:r>
+            <a:r>
+              <a:rPr lang="zh-CN" altLang="en-US" sz="2200" dirty="0"/>
+              <a:t>：</a:t>
+            </a:r>
+            <a:r>
+              <a:rPr lang="zh-CN" altLang="en-US" sz="2200" dirty="0">
+                <a:solidFill>
+                  <a:srgbClr val="FFFF00"/>
+                </a:solidFill>
+              </a:rPr>
+              <a:t>取</a:t>
+            </a:r>
+            <a:r>
+              <a:rPr lang="en-US" altLang="zh-CN" sz="2200" dirty="0">
+                <a:solidFill>
+                  <a:srgbClr val="FFFF00"/>
+                </a:solidFill>
+              </a:rPr>
+              <a:t>y</a:t>
+            </a:r>
+            <a:r>
+              <a:rPr lang="zh-CN" altLang="en-US" sz="2200" dirty="0">
+                <a:solidFill>
+                  <a:srgbClr val="FFFF00"/>
+                </a:solidFill>
+              </a:rPr>
+              <a:t>为</a:t>
+            </a:r>
+            <a:r>
+              <a:rPr lang="en-US" altLang="zh-CN" sz="2200" dirty="0">
+                <a:solidFill>
+                  <a:srgbClr val="FFFF00"/>
+                </a:solidFill>
+              </a:rPr>
+              <a:t>INT_MIN</a:t>
+            </a:r>
+          </a:p>
+          <a:p>
+            <a:pPr lvl="1"/>
+            <a:r>
+              <a:rPr lang="en-US" altLang="zh-CN" sz="2200" dirty="0">
+                <a:solidFill>
+                  <a:schemeClr val="tx1"/>
+                </a:solidFill>
+              </a:rPr>
+              <a:t>C</a:t>
+            </a:r>
+            <a:r>
+              <a:rPr lang="zh-CN" altLang="en-US" sz="2200" dirty="0">
+                <a:solidFill>
+                  <a:schemeClr val="tx1"/>
+                </a:solidFill>
+              </a:rPr>
+              <a:t>：正确</a:t>
+            </a:r>
+            <a:endParaRPr lang="en-US" altLang="zh-CN" sz="2200" dirty="0">
+              <a:solidFill>
+                <a:schemeClr val="tx1"/>
+              </a:solidFill>
+            </a:endParaRPr>
+          </a:p>
+          <a:p>
+            <a:pPr lvl="1"/>
+            <a:r>
+              <a:rPr lang="en-US" altLang="zh-CN" sz="2200" dirty="0">
+                <a:solidFill>
+                  <a:schemeClr val="tx1"/>
+                </a:solidFill>
+              </a:rPr>
+              <a:t>D</a:t>
+            </a:r>
+            <a:r>
+              <a:rPr lang="zh-CN" altLang="en-US" sz="2200" dirty="0">
+                <a:solidFill>
+                  <a:schemeClr val="tx1"/>
+                </a:solidFill>
+              </a:rPr>
+              <a:t>：</a:t>
+            </a:r>
+            <a:r>
+              <a:rPr lang="zh-CN" altLang="en-US" sz="2200" dirty="0">
+                <a:solidFill>
+                  <a:srgbClr val="FFFF00"/>
+                </a:solidFill>
+              </a:rPr>
+              <a:t>浮点数乘法精度可能不一致</a:t>
+            </a:r>
+            <a:endParaRPr lang="en-US" altLang="zh-CN" sz="2200" dirty="0">
+              <a:solidFill>
+                <a:srgbClr val="FFFF00"/>
+              </a:solidFill>
+            </a:endParaRPr>
+          </a:p>
+          <a:p>
+            <a:pPr lvl="1"/>
+            <a:r>
+              <a:rPr lang="en-US" altLang="zh-CN" sz="2200" dirty="0">
+                <a:solidFill>
+                  <a:schemeClr val="tx1"/>
+                </a:solidFill>
+              </a:rPr>
+              <a:t>E</a:t>
+            </a:r>
+            <a:r>
+              <a:rPr lang="zh-CN" altLang="en-US" sz="2200" dirty="0">
+                <a:solidFill>
+                  <a:schemeClr val="tx1"/>
+                </a:solidFill>
+              </a:rPr>
+              <a:t>：</a:t>
+            </a:r>
+            <a:r>
+              <a:rPr lang="zh-CN" altLang="en-US" sz="2200" dirty="0">
+                <a:solidFill>
+                  <a:srgbClr val="FFFF00"/>
+                </a:solidFill>
+              </a:rPr>
+              <a:t>为</a:t>
+            </a:r>
+            <a:r>
+              <a:rPr lang="en-US" altLang="zh-CN" sz="2200" dirty="0">
+                <a:solidFill>
+                  <a:srgbClr val="FFFF00"/>
+                </a:solidFill>
+              </a:rPr>
+              <a:t>0</a:t>
+            </a:r>
+            <a:r>
+              <a:rPr lang="zh-CN" altLang="en-US" sz="2200" dirty="0">
+                <a:solidFill>
+                  <a:srgbClr val="FFFF00"/>
+                </a:solidFill>
+              </a:rPr>
+              <a:t>时会得到</a:t>
+            </a:r>
+            <a:r>
+              <a:rPr lang="en-US" altLang="zh-CN" sz="2200" dirty="0" err="1">
+                <a:solidFill>
+                  <a:srgbClr val="FFFF00"/>
+                </a:solidFill>
+              </a:rPr>
+              <a:t>NaN</a:t>
+            </a:r>
+            <a:endParaRPr lang="en-US" altLang="zh-CN" sz="2200" dirty="0">
+              <a:solidFill>
+                <a:srgbClr val="FFFF00"/>
+              </a:solidFill>
+            </a:endParaRPr>
+          </a:p>
+          <a:p>
+            <a:endParaRPr lang="en-US" altLang="zh-CN" sz="2400" dirty="0"/>
+          </a:p>
+        </p:txBody>
+      </p:sp>
+      <p:pic>
+        <p:nvPicPr>
+          <p:cNvPr id="5" name="图片 4">
+            <a:extLst>
+              <a:ext uri="{FF2B5EF4-FFF2-40B4-BE49-F238E27FC236}">
+                <a16:creationId xmlns:a16="http://schemas.microsoft.com/office/drawing/2014/main" id="{0308808A-DA1A-1842-8595-513C3888B14E}"/>
+              </a:ext>
+            </a:extLst>
+          </p:cNvPr>
+          <p:cNvPicPr>
+            <a:picLocks noChangeAspect="1"/>
+          </p:cNvPicPr>
+          <p:nvPr/>
+        </p:nvPicPr>
+        <p:blipFill>
+          <a:blip r:embed="rId2"/>
+          <a:stretch>
+            <a:fillRect/>
+          </a:stretch>
+        </p:blipFill>
+        <p:spPr>
+          <a:xfrm>
+            <a:off x="1468582" y="0"/>
+            <a:ext cx="7946552" cy="4876545"/>
+          </a:xfrm>
+          <a:prstGeom prst="rect">
+            <a:avLst/>
+          </a:prstGeom>
+        </p:spPr>
+      </p:pic>
+    </p:spTree>
+    <p:extLst>
+      <p:ext uri="{BB962C8B-B14F-4D97-AF65-F5344CB8AC3E}">
+        <p14:creationId xmlns:p14="http://schemas.microsoft.com/office/powerpoint/2010/main" val="2138587271"/>
+      </p:ext>
+    </p:extLst>
+  </p:cSld>
+  <p:clrMapOvr>
+    <a:masterClrMapping/>
+  </p:clrMapOvr>
+  <p:timing>
+    <p:tnLst>
+      <p:par>
+        <p:cTn id="1" dur="indefinite" restart="never" nodeType="tmRoot">
+          <p:childTnLst>
+            <p:seq concurrent="1" nextAc="seek">
+              <p:cTn id="2" dur="indefinite" nodeType="mainSeq">
+                <p:childTnLst>
+                  <p:par>
+                    <p:cTn id="3" fill="hold">
+                      <p:stCondLst>
+                        <p:cond delay="indefinite"/>
+                      </p:stCondLst>
+                      <p:childTnLst>
+                        <p:par>
+                          <p:cTn id="4" fill="hold">
+                            <p:stCondLst>
+                              <p:cond delay="0"/>
+                            </p:stCondLst>
+                            <p:childTnLst>
+                              <p:par>
+                                <p:cTn id="5" presetID="1" presetClass="entr" presetSubtype="0" fill="hold" nodeType="clickEffect">
+                                  <p:stCondLst>
+                                    <p:cond delay="0"/>
+                                  </p:stCondLst>
+                                  <p:childTnLst>
+                                    <p:set>
+                                      <p:cBhvr>
+                                        <p:cTn id="6" dur="1" fill="hold">
+                                          <p:stCondLst>
+                                            <p:cond delay="0"/>
+                                          </p:stCondLst>
+                                        </p:cTn>
+                                        <p:tgtEl>
+                                          <p:spTgt spid="5"/>
+                                        </p:tgtEl>
+                                        <p:attrNameLst>
+                                          <p:attrName>style.visibility</p:attrName>
+                                        </p:attrNameLst>
+                                      </p:cBhvr>
+                                      <p:to>
+                                        <p:strVal val="visible"/>
+                                      </p:to>
+                                    </p:set>
+                                  </p:childTnLst>
+                                </p:cTn>
+                              </p:par>
+                            </p:childTnLst>
+                          </p:cTn>
+                        </p:par>
+                      </p:childTnLst>
+                    </p:cTn>
+                  </p:par>
+                  <p:par>
+                    <p:cTn id="7" fill="hold">
+                      <p:stCondLst>
+                        <p:cond delay="indefinite"/>
+                      </p:stCondLst>
+                      <p:childTnLst>
+                        <p:par>
+                          <p:cTn id="8" fill="hold">
+                            <p:stCondLst>
+                              <p:cond delay="0"/>
+                            </p:stCondLst>
+                            <p:childTnLst>
+                              <p:par>
+                                <p:cTn id="9" presetID="1" presetClass="entr" presetSubtype="0" fill="hold" nodeType="clickEffect">
+                                  <p:stCondLst>
+                                    <p:cond delay="0"/>
+                                  </p:stCondLst>
+                                  <p:childTnLst>
+                                    <p:set>
+                                      <p:cBhvr>
+                                        <p:cTn id="10" dur="1" fill="hold">
+                                          <p:stCondLst>
+                                            <p:cond delay="0"/>
+                                          </p:stCondLst>
+                                        </p:cTn>
+                                        <p:tgtEl>
+                                          <p:spTgt spid="3">
+                                            <p:txEl>
+                                              <p:pRg st="4" end="4"/>
+                                            </p:txEl>
+                                          </p:spTgt>
+                                        </p:tgtEl>
+                                        <p:attrNameLst>
+                                          <p:attrName>style.visibility</p:attrName>
+                                        </p:attrNameLst>
+                                      </p:cBhvr>
+                                      <p:to>
+                                        <p:strVal val="visible"/>
+                                      </p:to>
+                                    </p:set>
+                                  </p:childTnLst>
+                                </p:cTn>
+                              </p:par>
+                            </p:childTnLst>
+                          </p:cTn>
+                        </p:par>
+                      </p:childTnLst>
+                    </p:cTn>
+                  </p:par>
+                  <p:par>
+                    <p:cTn id="11" fill="hold">
+                      <p:stCondLst>
+                        <p:cond delay="indefinite"/>
+                      </p:stCondLst>
+                      <p:childTnLst>
+                        <p:par>
+                          <p:cTn id="12" fill="hold">
+                            <p:stCondLst>
+                              <p:cond delay="0"/>
+                            </p:stCondLst>
+                            <p:childTnLst>
+                              <p:par>
+                                <p:cTn id="13" presetID="1" presetClass="entr" presetSubtype="0" fill="hold" nodeType="clickEffect">
+                                  <p:stCondLst>
+                                    <p:cond delay="0"/>
+                                  </p:stCondLst>
+                                  <p:childTnLst>
+                                    <p:set>
+                                      <p:cBhvr>
+                                        <p:cTn id="14" dur="1" fill="hold">
+                                          <p:stCondLst>
+                                            <p:cond delay="0"/>
+                                          </p:stCondLst>
+                                        </p:cTn>
+                                        <p:tgtEl>
+                                          <p:spTgt spid="3">
+                                            <p:txEl>
+                                              <p:pRg st="5" end="5"/>
+                                            </p:txEl>
+                                          </p:spTgt>
+                                        </p:tgtEl>
+                                        <p:attrNameLst>
+                                          <p:attrName>style.visibility</p:attrName>
+                                        </p:attrNameLst>
+                                      </p:cBhvr>
+                                      <p:to>
+                                        <p:strVal val="visible"/>
+                                      </p:to>
+                                    </p:set>
+                                  </p:childTnLst>
+                                </p:cTn>
+                              </p:par>
+                            </p:childTnLst>
+                          </p:cTn>
+                        </p:par>
+                      </p:childTnLst>
+                    </p:cTn>
+                  </p:par>
+                  <p:par>
+                    <p:cTn id="15" fill="hold">
+                      <p:stCondLst>
+                        <p:cond delay="indefinite"/>
+                      </p:stCondLst>
+                      <p:childTnLst>
+                        <p:par>
+                          <p:cTn id="16" fill="hold">
+                            <p:stCondLst>
+                              <p:cond delay="0"/>
+                            </p:stCondLst>
+                            <p:childTnLst>
+                              <p:par>
+                                <p:cTn id="17" presetID="1" presetClass="entr" presetSubtype="0" fill="hold" nodeType="clickEffect">
+                                  <p:stCondLst>
+                                    <p:cond delay="0"/>
+                                  </p:stCondLst>
+                                  <p:childTnLst>
+                                    <p:set>
+                                      <p:cBhvr>
+                                        <p:cTn id="18" dur="1" fill="hold">
+                                          <p:stCondLst>
+                                            <p:cond delay="0"/>
+                                          </p:stCondLst>
+                                        </p:cTn>
+                                        <p:tgtEl>
+                                          <p:spTgt spid="3">
+                                            <p:txEl>
+                                              <p:pRg st="6" end="6"/>
+                                            </p:txEl>
+                                          </p:spTgt>
+                                        </p:tgtEl>
+                                        <p:attrNameLst>
+                                          <p:attrName>style.visibility</p:attrName>
+                                        </p:attrNameLst>
+                                      </p:cBhvr>
+                                      <p:to>
+                                        <p:strVal val="visible"/>
+                                      </p:to>
+                                    </p:set>
+                                  </p:childTnLst>
+                                </p:cTn>
+                              </p:par>
+                            </p:childTnLst>
+                          </p:cTn>
+                        </p:par>
+                      </p:childTnLst>
+                    </p:cTn>
+                  </p:par>
+                  <p:par>
+                    <p:cTn id="19" fill="hold">
+                      <p:stCondLst>
+                        <p:cond delay="indefinite"/>
+                      </p:stCondLst>
+                      <p:childTnLst>
+                        <p:par>
+                          <p:cTn id="20" fill="hold">
+                            <p:stCondLst>
+                              <p:cond delay="0"/>
+                            </p:stCondLst>
+                            <p:childTnLst>
+                              <p:par>
+                                <p:cTn id="21" presetID="1" presetClass="entr" presetSubtype="0" fill="hold" nodeType="clickEffect">
+                                  <p:stCondLst>
+                                    <p:cond delay="0"/>
+                                  </p:stCondLst>
+                                  <p:childTnLst>
+                                    <p:set>
+                                      <p:cBhvr>
+                                        <p:cTn id="22" dur="1" fill="hold">
+                                          <p:stCondLst>
+                                            <p:cond delay="0"/>
+                                          </p:stCondLst>
+                                        </p:cTn>
+                                        <p:tgtEl>
+                                          <p:spTgt spid="3">
+                                            <p:txEl>
+                                              <p:pRg st="7" end="7"/>
+                                            </p:txEl>
+                                          </p:spTgt>
+                                        </p:tgtEl>
+                                        <p:attrNameLst>
+                                          <p:attrName>style.visibility</p:attrName>
+                                        </p:attrNameLst>
+                                      </p:cBhvr>
+                                      <p:to>
+                                        <p:strVal val="visible"/>
+                                      </p:to>
+                                    </p:set>
+                                  </p:childTnLst>
+                                </p:cTn>
+                              </p:par>
+                            </p:childTnLst>
+                          </p:cTn>
+                        </p:par>
+                      </p:childTnLst>
+                    </p:cTn>
+                  </p:par>
+                  <p:par>
+                    <p:cTn id="23" fill="hold">
+                      <p:stCondLst>
+                        <p:cond delay="indefinite"/>
+                      </p:stCondLst>
+                      <p:childTnLst>
+                        <p:par>
+                          <p:cTn id="24" fill="hold">
+                            <p:stCondLst>
+                              <p:cond delay="0"/>
+                            </p:stCondLst>
+                            <p:childTnLst>
+                              <p:par>
+                                <p:cTn id="25" presetID="1" presetClass="entr" presetSubtype="0" fill="hold" nodeType="clickEffect">
+                                  <p:stCondLst>
+                                    <p:cond delay="0"/>
+                                  </p:stCondLst>
+                                  <p:childTnLst>
+                                    <p:set>
+                                      <p:cBhvr>
+                                        <p:cTn id="26" dur="1" fill="hold">
+                                          <p:stCondLst>
+                                            <p:cond delay="0"/>
+                                          </p:stCondLst>
+                                        </p:cTn>
+                                        <p:tgtEl>
+                                          <p:spTgt spid="3">
+                                            <p:txEl>
+                                              <p:pRg st="8" end="8"/>
+                                            </p:txEl>
+                                          </p:spTgt>
+                                        </p:tgtEl>
+                                        <p:attrNameLst>
+                                          <p:attrName>style.visibility</p:attrName>
+                                        </p:attrNameLst>
+                                      </p:cBhvr>
+                                      <p:to>
+                                        <p:strVal val="visible"/>
+                                      </p:to>
+                                    </p:set>
+                                  </p:childTnLst>
+                                </p:cTn>
+                              </p:par>
+                            </p:childTnLst>
+                          </p:cTn>
+                        </p:par>
+                      </p:childTnLst>
+                    </p:cTn>
+                  </p:par>
+                </p:childTnLst>
+              </p:cTn>
+              <p:prevCondLst>
+                <p:cond evt="onPrev" delay="0">
+                  <p:tgtEl>
+                    <p:sldTgt/>
+                  </p:tgtEl>
+                </p:cond>
+              </p:prevCondLst>
+              <p:nextCondLst>
+                <p:cond evt="onNext" delay="0">
+                  <p:tgtEl>
+                    <p:sldTgt/>
+                  </p:tgtEl>
+                </p:cond>
+              </p:nextCondLst>
+            </p:seq>
+          </p:childTnLst>
+        </p:cTn>
+      </p:par>
+    </p:tnLst>
+  </p:timing>
+</p:sld>
+</file>
+
+<file path=ppt/slides/slide8.xml><?xml version="1.0" encoding="utf-8"?>
+<p:sld xmlns:a="http://schemas.openxmlformats.org/drawingml/2006/main" xmlns:r="http://schemas.openxmlformats.org/officeDocument/2006/relationships" xmlns:p="http://schemas.openxmlformats.org/presentationml/2006/main">
+  <p:cSld>
+    <p:spTree>
+      <p:nvGrpSpPr>
+        <p:cNvPr id="1" name=""/>
+        <p:cNvGrpSpPr/>
+        <p:nvPr/>
+      </p:nvGrpSpPr>
+      <p:grpSpPr>
+        <a:xfrm>
+          <a:off x="0" y="0"/>
+          <a:ext cx="0" cy="0"/>
+          <a:chOff x="0" y="0"/>
+          <a:chExt cx="0" cy="0"/>
+        </a:xfrm>
+      </p:grpSpPr>
+      <p:sp>
+        <p:nvSpPr>
+          <p:cNvPr id="2" name="标题 1">
+            <a:extLst>
+              <a:ext uri="{FF2B5EF4-FFF2-40B4-BE49-F238E27FC236}">
+                <a16:creationId xmlns:a16="http://schemas.microsoft.com/office/drawing/2014/main" id="{07001542-D27A-4787-A5CC-276C71315575}"/>
+              </a:ext>
+            </a:extLst>
+          </p:cNvPr>
+          <p:cNvSpPr>
+            <a:spLocks noGrp="1"/>
+          </p:cNvSpPr>
+          <p:nvPr>
+            <p:ph type="title"/>
+          </p:nvPr>
+        </p:nvSpPr>
+        <p:spPr/>
+        <p:txBody>
+          <a:bodyPr/>
+          <a:lstStyle/>
+          <a:p>
+            <a:r>
+              <a:rPr lang="en-US" altLang="zh-CN" dirty="0"/>
+              <a:t>Machine Programming</a:t>
+            </a:r>
+            <a:endParaRPr lang="zh-CN" altLang="en-US" dirty="0"/>
+          </a:p>
+        </p:txBody>
+      </p:sp>
+      <p:sp>
+        <p:nvSpPr>
+          <p:cNvPr id="3" name="内容占位符 2">
+            <a:extLst>
+              <a:ext uri="{FF2B5EF4-FFF2-40B4-BE49-F238E27FC236}">
+                <a16:creationId xmlns:a16="http://schemas.microsoft.com/office/drawing/2014/main" id="{8118AFAD-7285-4324-B45B-B49B327AD925}"/>
+              </a:ext>
+            </a:extLst>
+          </p:cNvPr>
+          <p:cNvSpPr>
+            <a:spLocks noGrp="1"/>
+          </p:cNvSpPr>
+          <p:nvPr>
+            <p:ph idx="1"/>
+          </p:nvPr>
+        </p:nvSpPr>
+        <p:spPr/>
+        <p:txBody>
+          <a:bodyPr>
+            <a:normAutofit/>
+          </a:bodyPr>
+          <a:lstStyle/>
+          <a:p>
+            <a:r>
+              <a:rPr lang="zh-CN" altLang="en-US" sz="2400" dirty="0"/>
+              <a:t>基础知识</a:t>
+            </a:r>
+            <a:endParaRPr lang="en-US" altLang="zh-CN" sz="2400" dirty="0"/>
+          </a:p>
+          <a:p>
+            <a:r>
+              <a:rPr lang="zh-CN" altLang="en-US" sz="2400" dirty="0"/>
+              <a:t>数据传送指令</a:t>
+            </a:r>
+            <a:endParaRPr lang="en-US" altLang="zh-CN" sz="2400" dirty="0"/>
+          </a:p>
+          <a:p>
+            <a:r>
+              <a:rPr lang="zh-CN" altLang="en-US" sz="2400" dirty="0"/>
+              <a:t>算术和逻辑操作</a:t>
+            </a:r>
+            <a:endParaRPr lang="en-US" altLang="zh-CN" sz="2400" dirty="0"/>
+          </a:p>
+          <a:p>
+            <a:r>
+              <a:rPr lang="zh-CN" altLang="en-US" sz="2400" dirty="0"/>
+              <a:t>条件分支与循环</a:t>
+            </a:r>
+            <a:endParaRPr lang="en-US" altLang="zh-CN" sz="2400" dirty="0"/>
+          </a:p>
+          <a:p>
+            <a:r>
+              <a:rPr lang="zh-CN" altLang="en-US" sz="2400" dirty="0"/>
+              <a:t>栈与函数调用</a:t>
+            </a:r>
+          </a:p>
+        </p:txBody>
+      </p:sp>
+    </p:spTree>
+    <p:extLst>
+      <p:ext uri="{BB962C8B-B14F-4D97-AF65-F5344CB8AC3E}">
+        <p14:creationId xmlns:p14="http://schemas.microsoft.com/office/powerpoint/2010/main" val="4101196955"/>
+      </p:ext>
+    </p:extLst>
+  </p:cSld>
+  <p:clrMapOvr>
+    <a:masterClrMapping/>
+  </p:clrMapOvr>
+</p:sld>
+</file>
+
+<file path=ppt/slides/slide9.xml><?xml version="1.0" encoding="utf-8"?>
+<p:sld xmlns:a="http://schemas.openxmlformats.org/drawingml/2006/main" xmlns:r="http://schemas.openxmlformats.org/officeDocument/2006/relationships" xmlns:p="http://schemas.openxmlformats.org/presentationml/2006/main">
+  <p:cSld>
+    <p:spTree>
+      <p:nvGrpSpPr>
+        <p:cNvPr id="1" name=""/>
+        <p:cNvGrpSpPr/>
+        <p:nvPr/>
+      </p:nvGrpSpPr>
+      <p:grpSpPr>
+        <a:xfrm>
+          <a:off x="0" y="0"/>
+          <a:ext cx="0" cy="0"/>
+          <a:chOff x="0" y="0"/>
+          <a:chExt cx="0" cy="0"/>
+        </a:xfrm>
+      </p:grpSpPr>
+      <p:sp>
+        <p:nvSpPr>
+          <p:cNvPr id="2" name="标题 1">
+            <a:extLst>
+              <a:ext uri="{FF2B5EF4-FFF2-40B4-BE49-F238E27FC236}">
+                <a16:creationId xmlns:a16="http://schemas.microsoft.com/office/drawing/2014/main" id="{86734213-08A5-4F06-87EC-4ECF4417278B}"/>
+              </a:ext>
+            </a:extLst>
+          </p:cNvPr>
+          <p:cNvSpPr>
+            <a:spLocks noGrp="1"/>
+          </p:cNvSpPr>
+          <p:nvPr>
+            <p:ph type="title"/>
+          </p:nvPr>
+        </p:nvSpPr>
+        <p:spPr/>
+        <p:txBody>
+          <a:bodyPr/>
+          <a:lstStyle/>
+          <a:p>
+            <a:r>
+              <a:rPr lang="zh-CN" altLang="en-US" dirty="0"/>
+              <a:t>基础知识</a:t>
+            </a:r>
+          </a:p>
+        </p:txBody>
+      </p:sp>
+      <p:sp>
+        <p:nvSpPr>
+          <p:cNvPr id="3" name="内容占位符 2">
+            <a:extLst>
+              <a:ext uri="{FF2B5EF4-FFF2-40B4-BE49-F238E27FC236}">
+                <a16:creationId xmlns:a16="http://schemas.microsoft.com/office/drawing/2014/main" id="{85ED4F9F-B24F-40CB-89AC-2A85317A48A9}"/>
+              </a:ext>
+            </a:extLst>
+          </p:cNvPr>
+          <p:cNvSpPr>
+            <a:spLocks noGrp="1"/>
+          </p:cNvSpPr>
+          <p:nvPr>
+            <p:ph idx="1"/>
+          </p:nvPr>
+        </p:nvSpPr>
+        <p:spPr/>
+        <p:txBody>
+          <a:bodyPr>
+            <a:normAutofit/>
+          </a:bodyPr>
+          <a:lstStyle/>
+          <a:p>
+            <a:pPr>
+              <a:lnSpc>
+                <a:spcPct val="120000"/>
+              </a:lnSpc>
+            </a:pPr>
+            <a:r>
+              <a:rPr lang="zh-CN" altLang="en-US" sz="2400" dirty="0"/>
+              <a:t>寄存器</a:t>
+            </a:r>
+            <a:endParaRPr lang="en-US" altLang="zh-CN" sz="2400" dirty="0"/>
+          </a:p>
+          <a:p>
+            <a:pPr lvl="1">
+              <a:lnSpc>
+                <a:spcPct val="120000"/>
+              </a:lnSpc>
+            </a:pPr>
+            <a:r>
+              <a:rPr lang="zh-CN" altLang="en-US" sz="1800" dirty="0"/>
+              <a:t>特殊寄存器：</a:t>
+            </a:r>
+            <a:r>
+              <a:rPr lang="en-US" altLang="zh-CN" sz="1800" dirty="0"/>
+              <a:t>%rsp % rax %rdi %rsi</a:t>
+            </a:r>
+          </a:p>
+          <a:p>
+            <a:pPr lvl="1">
+              <a:lnSpc>
+                <a:spcPct val="120000"/>
+              </a:lnSpc>
+            </a:pPr>
+            <a:r>
+              <a:rPr lang="en-US" altLang="zh-CN" sz="1800" dirty="0"/>
+              <a:t>64</a:t>
+            </a:r>
+            <a:r>
+              <a:rPr lang="zh-CN" altLang="en-US" sz="1800" dirty="0"/>
+              <a:t>位和</a:t>
+            </a:r>
+            <a:r>
+              <a:rPr lang="en-US" altLang="zh-CN" sz="1800" dirty="0"/>
+              <a:t>32</a:t>
+            </a:r>
+            <a:r>
+              <a:rPr lang="zh-CN" altLang="en-US" sz="1800" dirty="0"/>
+              <a:t>位比较常用</a:t>
+            </a:r>
+            <a:endParaRPr lang="en-US" altLang="zh-CN" sz="1800" dirty="0"/>
+          </a:p>
+          <a:p>
+            <a:pPr lvl="1">
+              <a:lnSpc>
+                <a:spcPct val="120000"/>
+              </a:lnSpc>
+            </a:pPr>
+            <a:r>
+              <a:rPr lang="zh-CN" altLang="en-US" sz="1800" dirty="0">
+                <a:solidFill>
+                  <a:srgbClr val="FFFF00"/>
+                </a:solidFill>
+              </a:rPr>
+              <a:t>生成</a:t>
+            </a:r>
+            <a:r>
+              <a:rPr lang="en-US" altLang="zh-CN" sz="1800" dirty="0">
+                <a:solidFill>
+                  <a:srgbClr val="FFFF00"/>
+                </a:solidFill>
+              </a:rPr>
+              <a:t>4</a:t>
+            </a:r>
+            <a:r>
+              <a:rPr lang="zh-CN" altLang="en-US" sz="1800" dirty="0">
+                <a:solidFill>
+                  <a:srgbClr val="FFFF00"/>
+                </a:solidFill>
+              </a:rPr>
+              <a:t>字节指令的数字会把高位</a:t>
+            </a:r>
+            <a:r>
+              <a:rPr lang="en-US" altLang="zh-CN" sz="1800" dirty="0">
+                <a:solidFill>
+                  <a:srgbClr val="FFFF00"/>
+                </a:solidFill>
+              </a:rPr>
+              <a:t>4</a:t>
+            </a:r>
+            <a:r>
+              <a:rPr lang="zh-CN" altLang="en-US" sz="1800" dirty="0">
+                <a:solidFill>
+                  <a:srgbClr val="FFFF00"/>
+                </a:solidFill>
+              </a:rPr>
+              <a:t>个字节置为</a:t>
+            </a:r>
+            <a:r>
+              <a:rPr lang="en-US" altLang="zh-CN" sz="1800" dirty="0">
+                <a:solidFill>
+                  <a:srgbClr val="FFFF00"/>
+                </a:solidFill>
+              </a:rPr>
+              <a:t>0</a:t>
+            </a:r>
+            <a:r>
+              <a:rPr lang="zh-CN" altLang="en-US" sz="1800" dirty="0">
+                <a:solidFill>
+                  <a:srgbClr val="FFFF00"/>
+                </a:solidFill>
+              </a:rPr>
+              <a:t>；</a:t>
+            </a:r>
+            <a:r>
+              <a:rPr lang="en-US" altLang="zh-CN" sz="1800" dirty="0">
+                <a:solidFill>
+                  <a:srgbClr val="FFFF00"/>
+                </a:solidFill>
+              </a:rPr>
+              <a:t>1 or 2</a:t>
+            </a:r>
+            <a:r>
+              <a:rPr lang="zh-CN" altLang="en-US" sz="1800" dirty="0">
+                <a:solidFill>
+                  <a:srgbClr val="FFFF00"/>
+                </a:solidFill>
+              </a:rPr>
+              <a:t>字节不变</a:t>
+            </a:r>
+            <a:endParaRPr lang="en-US" altLang="zh-CN" sz="1800" dirty="0">
+              <a:solidFill>
+                <a:srgbClr val="FFFF00"/>
+              </a:solidFill>
+            </a:endParaRPr>
+          </a:p>
+          <a:p>
+            <a:pPr>
+              <a:lnSpc>
+                <a:spcPct val="120000"/>
+              </a:lnSpc>
+            </a:pPr>
+            <a:r>
+              <a:rPr lang="zh-CN" altLang="en-US" sz="2400" dirty="0"/>
+              <a:t>操作数的格式</a:t>
+            </a:r>
+            <a:endParaRPr lang="en-US" altLang="zh-CN" sz="2400" dirty="0"/>
+          </a:p>
+          <a:p>
+            <a:pPr lvl="1">
+              <a:lnSpc>
+                <a:spcPct val="120000"/>
+              </a:lnSpc>
+            </a:pPr>
+            <a:r>
+              <a:rPr lang="zh-CN" altLang="en-US" sz="1800" dirty="0"/>
+              <a:t>立即数与存储器的绝对寻址的区别（</a:t>
+            </a:r>
+            <a:r>
+              <a:rPr lang="en-US" altLang="zh-CN" sz="1800" dirty="0"/>
+              <a:t>$</a:t>
+            </a:r>
+            <a:r>
+              <a:rPr lang="zh-CN" altLang="en-US" sz="1800" dirty="0"/>
+              <a:t>）</a:t>
+            </a:r>
+            <a:endParaRPr lang="en-US" altLang="zh-CN" sz="1800" dirty="0"/>
+          </a:p>
+          <a:p>
+            <a:pPr lvl="1">
+              <a:lnSpc>
+                <a:spcPct val="120000"/>
+              </a:lnSpc>
+            </a:pPr>
+            <a:r>
+              <a:rPr lang="zh-CN" altLang="en-US" sz="1800" dirty="0"/>
+              <a:t>基址和变址寄存器都是</a:t>
+            </a:r>
+            <a:r>
+              <a:rPr lang="en-US" altLang="zh-CN" sz="1800" dirty="0">
+                <a:solidFill>
+                  <a:srgbClr val="FFFF00"/>
+                </a:solidFill>
+              </a:rPr>
+              <a:t>64</a:t>
+            </a:r>
+            <a:r>
+              <a:rPr lang="zh-CN" altLang="en-US" sz="1800" dirty="0">
+                <a:solidFill>
+                  <a:srgbClr val="FFFF00"/>
+                </a:solidFill>
+              </a:rPr>
+              <a:t>位寄存器</a:t>
+            </a:r>
+            <a:r>
+              <a:rPr lang="zh-CN" altLang="en-US" sz="1800" dirty="0"/>
+              <a:t>（</a:t>
+            </a:r>
+            <a:r>
+              <a:rPr lang="en-US" altLang="zh-CN" sz="1800" dirty="0"/>
+              <a:t>x86-64</a:t>
+            </a:r>
+            <a:r>
+              <a:rPr lang="zh-CN" altLang="en-US" sz="1800" dirty="0"/>
+              <a:t>）</a:t>
+            </a:r>
+            <a:endParaRPr lang="en-US" altLang="zh-CN" sz="1800" dirty="0"/>
+          </a:p>
+          <a:p>
+            <a:pPr lvl="1">
+              <a:lnSpc>
+                <a:spcPct val="120000"/>
+              </a:lnSpc>
+            </a:pPr>
+            <a:r>
+              <a:rPr lang="zh-CN" altLang="en-US" sz="1800" dirty="0"/>
+              <a:t>比例因子必须是</a:t>
+            </a:r>
+            <a:r>
+              <a:rPr lang="en-US" altLang="zh-CN" sz="1800" dirty="0"/>
+              <a:t>1,2,4,8</a:t>
+            </a:r>
+            <a:endParaRPr lang="zh-CN" altLang="en-US" sz="1800" dirty="0"/>
+          </a:p>
+          <a:p>
+            <a:pPr>
+              <a:lnSpc>
+                <a:spcPct val="120000"/>
+              </a:lnSpc>
+            </a:pPr>
+            <a:endParaRPr lang="en-US" altLang="zh-CN" sz="2400" dirty="0"/>
+          </a:p>
+        </p:txBody>
+      </p:sp>
+      <p:pic>
+        <p:nvPicPr>
+          <p:cNvPr id="4" name="图片 3">
+            <a:extLst>
+              <a:ext uri="{FF2B5EF4-FFF2-40B4-BE49-F238E27FC236}">
+                <a16:creationId xmlns:a16="http://schemas.microsoft.com/office/drawing/2014/main" id="{E1157CEA-9AF0-4D03-B3F9-1B1E6FF0B3AD}"/>
+              </a:ext>
+            </a:extLst>
+          </p:cNvPr>
+          <p:cNvPicPr>
+            <a:picLocks noChangeAspect="1"/>
+          </p:cNvPicPr>
+          <p:nvPr/>
+        </p:nvPicPr>
+        <p:blipFill>
+          <a:blip r:embed="rId3"/>
+          <a:stretch>
+            <a:fillRect/>
+          </a:stretch>
+        </p:blipFill>
+        <p:spPr>
+          <a:xfrm>
+            <a:off x="6979059" y="4823951"/>
+            <a:ext cx="1714500" cy="533400"/>
+          </a:xfrm>
+          <a:prstGeom prst="rect">
+            <a:avLst/>
+          </a:prstGeom>
+        </p:spPr>
+      </p:pic>
+    </p:spTree>
+    <p:extLst>
+      <p:ext uri="{BB962C8B-B14F-4D97-AF65-F5344CB8AC3E}">
+        <p14:creationId xmlns:p14="http://schemas.microsoft.com/office/powerpoint/2010/main" val="444693354"/>
+      </p:ext>
+    </p:extLst>
+  </p:cSld>
+  <p:clrMapOvr>
+    <a:masterClrMapping/>
+  </p:clrMapOvr>
+</p:sld>
+</file>
+
 <file path=ppt/theme/theme1.xml><?xml version="1.0" encoding="utf-8"?>
 <a:theme xmlns:a="http://schemas.openxmlformats.org/drawingml/2006/main" name="查看">
   <a:themeElements>
